--- a/portfolio.pptx
+++ b/portfolio.pptx
@@ -173,10 +173,9 @@
           </a:lstStyle>
           <a:p>
             <a:r>
-              <a:rPr lang="ko-KR" altLang="en-US" smtClean="0"/>
+              <a:rPr lang="ko-KR" altLang="en-US"/>
               <a:t>마스터 제목 스타일 편집</a:t>
             </a:r>
-            <a:endParaRPr lang="ko-KR" altLang="en-US"/>
           </a:p>
         </p:txBody>
       </p:sp>
@@ -238,10 +237,9 @@
           </a:lstStyle>
           <a:p>
             <a:r>
-              <a:rPr lang="ko-KR" altLang="en-US" smtClean="0"/>
+              <a:rPr lang="ko-KR" altLang="en-US"/>
               <a:t>마스터 부제목 스타일 편집</a:t>
             </a:r>
-            <a:endParaRPr lang="ko-KR" altLang="en-US"/>
           </a:p>
         </p:txBody>
       </p:sp>
@@ -262,7 +260,7 @@
           <a:p>
             <a:fld id="{AB50D2F9-54C4-4FF2-B153-FE785DAD4CE6}" type="datetimeFigureOut">
               <a:rPr lang="ko-KR" altLang="en-US" smtClean="0"/>
-              <a:t>2017-04-19</a:t>
+              <a:t>2022-02-09</a:t>
             </a:fld>
             <a:endParaRPr lang="ko-KR" altLang="en-US" dirty="0"/>
           </a:p>
@@ -356,10 +354,9 @@
           <a:lstStyle/>
           <a:p>
             <a:r>
-              <a:rPr lang="ko-KR" altLang="en-US" smtClean="0"/>
+              <a:rPr lang="ko-KR" altLang="en-US"/>
               <a:t>마스터 제목 스타일 편집</a:t>
             </a:r>
-            <a:endParaRPr lang="ko-KR" altLang="en-US"/>
           </a:p>
         </p:txBody>
       </p:sp>
@@ -380,38 +377,37 @@
           <a:p>
             <a:pPr lvl="0"/>
             <a:r>
-              <a:rPr lang="ko-KR" altLang="en-US" smtClean="0"/>
+              <a:rPr lang="ko-KR" altLang="en-US"/>
               <a:t>마스터 텍스트 스타일을 편집합니다</a:t>
             </a:r>
           </a:p>
           <a:p>
             <a:pPr lvl="1"/>
             <a:r>
-              <a:rPr lang="ko-KR" altLang="en-US" smtClean="0"/>
+              <a:rPr lang="ko-KR" altLang="en-US"/>
               <a:t>둘째 수준</a:t>
             </a:r>
           </a:p>
           <a:p>
             <a:pPr lvl="2"/>
             <a:r>
-              <a:rPr lang="ko-KR" altLang="en-US" smtClean="0"/>
+              <a:rPr lang="ko-KR" altLang="en-US"/>
               <a:t>셋째 수준</a:t>
             </a:r>
           </a:p>
           <a:p>
             <a:pPr lvl="3"/>
             <a:r>
-              <a:rPr lang="ko-KR" altLang="en-US" smtClean="0"/>
+              <a:rPr lang="ko-KR" altLang="en-US"/>
               <a:t>넷째 수준</a:t>
             </a:r>
           </a:p>
           <a:p>
             <a:pPr lvl="4"/>
             <a:r>
-              <a:rPr lang="ko-KR" altLang="en-US" smtClean="0"/>
+              <a:rPr lang="ko-KR" altLang="en-US"/>
               <a:t>다섯째 수준</a:t>
             </a:r>
-            <a:endParaRPr lang="ko-KR" altLang="en-US"/>
           </a:p>
         </p:txBody>
       </p:sp>
@@ -432,7 +428,7 @@
           <a:p>
             <a:fld id="{AB50D2F9-54C4-4FF2-B153-FE785DAD4CE6}" type="datetimeFigureOut">
               <a:rPr lang="ko-KR" altLang="en-US" smtClean="0"/>
-              <a:t>2017-04-19</a:t>
+              <a:t>2022-02-09</a:t>
             </a:fld>
             <a:endParaRPr lang="ko-KR" altLang="en-US" dirty="0"/>
           </a:p>
@@ -531,10 +527,9 @@
           <a:lstStyle/>
           <a:p>
             <a:r>
-              <a:rPr lang="ko-KR" altLang="en-US" smtClean="0"/>
+              <a:rPr lang="ko-KR" altLang="en-US"/>
               <a:t>마스터 제목 스타일 편집</a:t>
             </a:r>
-            <a:endParaRPr lang="ko-KR" altLang="en-US"/>
           </a:p>
         </p:txBody>
       </p:sp>
@@ -560,38 +555,37 @@
           <a:p>
             <a:pPr lvl="0"/>
             <a:r>
-              <a:rPr lang="ko-KR" altLang="en-US" smtClean="0"/>
+              <a:rPr lang="ko-KR" altLang="en-US"/>
               <a:t>마스터 텍스트 스타일을 편집합니다</a:t>
             </a:r>
           </a:p>
           <a:p>
             <a:pPr lvl="1"/>
             <a:r>
-              <a:rPr lang="ko-KR" altLang="en-US" smtClean="0"/>
+              <a:rPr lang="ko-KR" altLang="en-US"/>
               <a:t>둘째 수준</a:t>
             </a:r>
           </a:p>
           <a:p>
             <a:pPr lvl="2"/>
             <a:r>
-              <a:rPr lang="ko-KR" altLang="en-US" smtClean="0"/>
+              <a:rPr lang="ko-KR" altLang="en-US"/>
               <a:t>셋째 수준</a:t>
             </a:r>
           </a:p>
           <a:p>
             <a:pPr lvl="3"/>
             <a:r>
-              <a:rPr lang="ko-KR" altLang="en-US" smtClean="0"/>
+              <a:rPr lang="ko-KR" altLang="en-US"/>
               <a:t>넷째 수준</a:t>
             </a:r>
           </a:p>
           <a:p>
             <a:pPr lvl="4"/>
             <a:r>
-              <a:rPr lang="ko-KR" altLang="en-US" smtClean="0"/>
+              <a:rPr lang="ko-KR" altLang="en-US"/>
               <a:t>다섯째 수준</a:t>
             </a:r>
-            <a:endParaRPr lang="ko-KR" altLang="en-US"/>
           </a:p>
         </p:txBody>
       </p:sp>
@@ -612,7 +606,7 @@
           <a:p>
             <a:fld id="{AB50D2F9-54C4-4FF2-B153-FE785DAD4CE6}" type="datetimeFigureOut">
               <a:rPr lang="ko-KR" altLang="en-US" smtClean="0"/>
-              <a:t>2017-04-19</a:t>
+              <a:t>2022-02-09</a:t>
             </a:fld>
             <a:endParaRPr lang="ko-KR" altLang="en-US" dirty="0"/>
           </a:p>
@@ -706,10 +700,9 @@
           <a:lstStyle/>
           <a:p>
             <a:r>
-              <a:rPr lang="ko-KR" altLang="en-US" smtClean="0"/>
+              <a:rPr lang="ko-KR" altLang="en-US"/>
               <a:t>마스터 제목 스타일 편집</a:t>
             </a:r>
-            <a:endParaRPr lang="ko-KR" altLang="en-US"/>
           </a:p>
         </p:txBody>
       </p:sp>
@@ -730,38 +723,37 @@
           <a:p>
             <a:pPr lvl="0"/>
             <a:r>
-              <a:rPr lang="ko-KR" altLang="en-US" smtClean="0"/>
+              <a:rPr lang="ko-KR" altLang="en-US"/>
               <a:t>마스터 텍스트 스타일을 편집합니다</a:t>
             </a:r>
           </a:p>
           <a:p>
             <a:pPr lvl="1"/>
             <a:r>
-              <a:rPr lang="ko-KR" altLang="en-US" smtClean="0"/>
+              <a:rPr lang="ko-KR" altLang="en-US"/>
               <a:t>둘째 수준</a:t>
             </a:r>
           </a:p>
           <a:p>
             <a:pPr lvl="2"/>
             <a:r>
-              <a:rPr lang="ko-KR" altLang="en-US" smtClean="0"/>
+              <a:rPr lang="ko-KR" altLang="en-US"/>
               <a:t>셋째 수준</a:t>
             </a:r>
           </a:p>
           <a:p>
             <a:pPr lvl="3"/>
             <a:r>
-              <a:rPr lang="ko-KR" altLang="en-US" smtClean="0"/>
+              <a:rPr lang="ko-KR" altLang="en-US"/>
               <a:t>넷째 수준</a:t>
             </a:r>
           </a:p>
           <a:p>
             <a:pPr lvl="4"/>
             <a:r>
-              <a:rPr lang="ko-KR" altLang="en-US" smtClean="0"/>
+              <a:rPr lang="ko-KR" altLang="en-US"/>
               <a:t>다섯째 수준</a:t>
             </a:r>
-            <a:endParaRPr lang="ko-KR" altLang="en-US"/>
           </a:p>
         </p:txBody>
       </p:sp>
@@ -782,7 +774,7 @@
           <a:p>
             <a:fld id="{AB50D2F9-54C4-4FF2-B153-FE785DAD4CE6}" type="datetimeFigureOut">
               <a:rPr lang="ko-KR" altLang="en-US" smtClean="0"/>
-              <a:t>2017-04-19</a:t>
+              <a:t>2022-02-09</a:t>
             </a:fld>
             <a:endParaRPr lang="ko-KR" altLang="en-US" dirty="0"/>
           </a:p>
@@ -885,10 +877,9 @@
           </a:lstStyle>
           <a:p>
             <a:r>
-              <a:rPr lang="ko-KR" altLang="en-US" smtClean="0"/>
+              <a:rPr lang="ko-KR" altLang="en-US"/>
               <a:t>마스터 제목 스타일 편집</a:t>
             </a:r>
-            <a:endParaRPr lang="ko-KR" altLang="en-US"/>
           </a:p>
         </p:txBody>
       </p:sp>
@@ -1005,7 +996,7 @@
           <a:p>
             <a:pPr lvl="0"/>
             <a:r>
-              <a:rPr lang="ko-KR" altLang="en-US" smtClean="0"/>
+              <a:rPr lang="ko-KR" altLang="en-US"/>
               <a:t>마스터 텍스트 스타일을 편집합니다</a:t>
             </a:r>
           </a:p>
@@ -1028,7 +1019,7 @@
           <a:p>
             <a:fld id="{AB50D2F9-54C4-4FF2-B153-FE785DAD4CE6}" type="datetimeFigureOut">
               <a:rPr lang="ko-KR" altLang="en-US" smtClean="0"/>
-              <a:t>2017-04-19</a:t>
+              <a:t>2022-02-09</a:t>
             </a:fld>
             <a:endParaRPr lang="ko-KR" altLang="en-US" dirty="0"/>
           </a:p>
@@ -1122,10 +1113,9 @@
           <a:lstStyle/>
           <a:p>
             <a:r>
-              <a:rPr lang="ko-KR" altLang="en-US" smtClean="0"/>
+              <a:rPr lang="ko-KR" altLang="en-US"/>
               <a:t>마스터 제목 스타일 편집</a:t>
             </a:r>
-            <a:endParaRPr lang="ko-KR" altLang="en-US"/>
           </a:p>
         </p:txBody>
       </p:sp>
@@ -1151,38 +1141,37 @@
           <a:p>
             <a:pPr lvl="0"/>
             <a:r>
-              <a:rPr lang="ko-KR" altLang="en-US" smtClean="0"/>
+              <a:rPr lang="ko-KR" altLang="en-US"/>
               <a:t>마스터 텍스트 스타일을 편집합니다</a:t>
             </a:r>
           </a:p>
           <a:p>
             <a:pPr lvl="1"/>
             <a:r>
-              <a:rPr lang="ko-KR" altLang="en-US" smtClean="0"/>
+              <a:rPr lang="ko-KR" altLang="en-US"/>
               <a:t>둘째 수준</a:t>
             </a:r>
           </a:p>
           <a:p>
             <a:pPr lvl="2"/>
             <a:r>
-              <a:rPr lang="ko-KR" altLang="en-US" smtClean="0"/>
+              <a:rPr lang="ko-KR" altLang="en-US"/>
               <a:t>셋째 수준</a:t>
             </a:r>
           </a:p>
           <a:p>
             <a:pPr lvl="3"/>
             <a:r>
-              <a:rPr lang="ko-KR" altLang="en-US" smtClean="0"/>
+              <a:rPr lang="ko-KR" altLang="en-US"/>
               <a:t>넷째 수준</a:t>
             </a:r>
           </a:p>
           <a:p>
             <a:pPr lvl="4"/>
             <a:r>
-              <a:rPr lang="ko-KR" altLang="en-US" smtClean="0"/>
+              <a:rPr lang="ko-KR" altLang="en-US"/>
               <a:t>다섯째 수준</a:t>
             </a:r>
-            <a:endParaRPr lang="ko-KR" altLang="en-US"/>
           </a:p>
         </p:txBody>
       </p:sp>
@@ -1208,38 +1197,37 @@
           <a:p>
             <a:pPr lvl="0"/>
             <a:r>
-              <a:rPr lang="ko-KR" altLang="en-US" smtClean="0"/>
+              <a:rPr lang="ko-KR" altLang="en-US"/>
               <a:t>마스터 텍스트 스타일을 편집합니다</a:t>
             </a:r>
           </a:p>
           <a:p>
             <a:pPr lvl="1"/>
             <a:r>
-              <a:rPr lang="ko-KR" altLang="en-US" smtClean="0"/>
+              <a:rPr lang="ko-KR" altLang="en-US"/>
               <a:t>둘째 수준</a:t>
             </a:r>
           </a:p>
           <a:p>
             <a:pPr lvl="2"/>
             <a:r>
-              <a:rPr lang="ko-KR" altLang="en-US" smtClean="0"/>
+              <a:rPr lang="ko-KR" altLang="en-US"/>
               <a:t>셋째 수준</a:t>
             </a:r>
           </a:p>
           <a:p>
             <a:pPr lvl="3"/>
             <a:r>
-              <a:rPr lang="ko-KR" altLang="en-US" smtClean="0"/>
+              <a:rPr lang="ko-KR" altLang="en-US"/>
               <a:t>넷째 수준</a:t>
             </a:r>
           </a:p>
           <a:p>
             <a:pPr lvl="4"/>
             <a:r>
-              <a:rPr lang="ko-KR" altLang="en-US" smtClean="0"/>
+              <a:rPr lang="ko-KR" altLang="en-US"/>
               <a:t>다섯째 수준</a:t>
             </a:r>
-            <a:endParaRPr lang="ko-KR" altLang="en-US"/>
           </a:p>
         </p:txBody>
       </p:sp>
@@ -1260,7 +1248,7 @@
           <a:p>
             <a:fld id="{AB50D2F9-54C4-4FF2-B153-FE785DAD4CE6}" type="datetimeFigureOut">
               <a:rPr lang="ko-KR" altLang="en-US" smtClean="0"/>
-              <a:t>2017-04-19</a:t>
+              <a:t>2022-02-09</a:t>
             </a:fld>
             <a:endParaRPr lang="ko-KR" altLang="en-US" dirty="0"/>
           </a:p>
@@ -1359,10 +1347,9 @@
           <a:lstStyle/>
           <a:p>
             <a:r>
-              <a:rPr lang="ko-KR" altLang="en-US" smtClean="0"/>
+              <a:rPr lang="ko-KR" altLang="en-US"/>
               <a:t>마스터 제목 스타일 편집</a:t>
             </a:r>
-            <a:endParaRPr lang="ko-KR" altLang="en-US"/>
           </a:p>
         </p:txBody>
       </p:sp>
@@ -1425,7 +1412,7 @@
           <a:p>
             <a:pPr lvl="0"/>
             <a:r>
-              <a:rPr lang="ko-KR" altLang="en-US" smtClean="0"/>
+              <a:rPr lang="ko-KR" altLang="en-US"/>
               <a:t>마스터 텍스트 스타일을 편집합니다</a:t>
             </a:r>
           </a:p>
@@ -1453,38 +1440,37 @@
           <a:p>
             <a:pPr lvl="0"/>
             <a:r>
-              <a:rPr lang="ko-KR" altLang="en-US" smtClean="0"/>
+              <a:rPr lang="ko-KR" altLang="en-US"/>
               <a:t>마스터 텍스트 스타일을 편집합니다</a:t>
             </a:r>
           </a:p>
           <a:p>
             <a:pPr lvl="1"/>
             <a:r>
-              <a:rPr lang="ko-KR" altLang="en-US" smtClean="0"/>
+              <a:rPr lang="ko-KR" altLang="en-US"/>
               <a:t>둘째 수준</a:t>
             </a:r>
           </a:p>
           <a:p>
             <a:pPr lvl="2"/>
             <a:r>
-              <a:rPr lang="ko-KR" altLang="en-US" smtClean="0"/>
+              <a:rPr lang="ko-KR" altLang="en-US"/>
               <a:t>셋째 수준</a:t>
             </a:r>
           </a:p>
           <a:p>
             <a:pPr lvl="3"/>
             <a:r>
-              <a:rPr lang="ko-KR" altLang="en-US" smtClean="0"/>
+              <a:rPr lang="ko-KR" altLang="en-US"/>
               <a:t>넷째 수준</a:t>
             </a:r>
           </a:p>
           <a:p>
             <a:pPr lvl="4"/>
             <a:r>
-              <a:rPr lang="ko-KR" altLang="en-US" smtClean="0"/>
+              <a:rPr lang="ko-KR" altLang="en-US"/>
               <a:t>다섯째 수준</a:t>
             </a:r>
-            <a:endParaRPr lang="ko-KR" altLang="en-US"/>
           </a:p>
         </p:txBody>
       </p:sp>
@@ -1547,7 +1533,7 @@
           <a:p>
             <a:pPr lvl="0"/>
             <a:r>
-              <a:rPr lang="ko-KR" altLang="en-US" smtClean="0"/>
+              <a:rPr lang="ko-KR" altLang="en-US"/>
               <a:t>마스터 텍스트 스타일을 편집합니다</a:t>
             </a:r>
           </a:p>
@@ -1575,38 +1561,37 @@
           <a:p>
             <a:pPr lvl="0"/>
             <a:r>
-              <a:rPr lang="ko-KR" altLang="en-US" smtClean="0"/>
+              <a:rPr lang="ko-KR" altLang="en-US"/>
               <a:t>마스터 텍스트 스타일을 편집합니다</a:t>
             </a:r>
           </a:p>
           <a:p>
             <a:pPr lvl="1"/>
             <a:r>
-              <a:rPr lang="ko-KR" altLang="en-US" smtClean="0"/>
+              <a:rPr lang="ko-KR" altLang="en-US"/>
               <a:t>둘째 수준</a:t>
             </a:r>
           </a:p>
           <a:p>
             <a:pPr lvl="2"/>
             <a:r>
-              <a:rPr lang="ko-KR" altLang="en-US" smtClean="0"/>
+              <a:rPr lang="ko-KR" altLang="en-US"/>
               <a:t>셋째 수준</a:t>
             </a:r>
           </a:p>
           <a:p>
             <a:pPr lvl="3"/>
             <a:r>
-              <a:rPr lang="ko-KR" altLang="en-US" smtClean="0"/>
+              <a:rPr lang="ko-KR" altLang="en-US"/>
               <a:t>넷째 수준</a:t>
             </a:r>
           </a:p>
           <a:p>
             <a:pPr lvl="4"/>
             <a:r>
-              <a:rPr lang="ko-KR" altLang="en-US" smtClean="0"/>
+              <a:rPr lang="ko-KR" altLang="en-US"/>
               <a:t>다섯째 수준</a:t>
             </a:r>
-            <a:endParaRPr lang="ko-KR" altLang="en-US"/>
           </a:p>
         </p:txBody>
       </p:sp>
@@ -1627,7 +1612,7 @@
           <a:p>
             <a:fld id="{AB50D2F9-54C4-4FF2-B153-FE785DAD4CE6}" type="datetimeFigureOut">
               <a:rPr lang="ko-KR" altLang="en-US" smtClean="0"/>
-              <a:t>2017-04-19</a:t>
+              <a:t>2022-02-09</a:t>
             </a:fld>
             <a:endParaRPr lang="ko-KR" altLang="en-US" dirty="0"/>
           </a:p>
@@ -1721,10 +1706,9 @@
           <a:lstStyle/>
           <a:p>
             <a:r>
-              <a:rPr lang="ko-KR" altLang="en-US" smtClean="0"/>
+              <a:rPr lang="ko-KR" altLang="en-US"/>
               <a:t>마스터 제목 스타일 편집</a:t>
             </a:r>
-            <a:endParaRPr lang="ko-KR" altLang="en-US"/>
           </a:p>
         </p:txBody>
       </p:sp>
@@ -1745,7 +1729,7 @@
           <a:p>
             <a:fld id="{AB50D2F9-54C4-4FF2-B153-FE785DAD4CE6}" type="datetimeFigureOut">
               <a:rPr lang="ko-KR" altLang="en-US" smtClean="0"/>
-              <a:t>2017-04-19</a:t>
+              <a:t>2022-02-09</a:t>
             </a:fld>
             <a:endParaRPr lang="ko-KR" altLang="en-US" dirty="0"/>
           </a:p>
@@ -1840,7 +1824,7 @@
           <a:p>
             <a:fld id="{AB50D2F9-54C4-4FF2-B153-FE785DAD4CE6}" type="datetimeFigureOut">
               <a:rPr lang="ko-KR" altLang="en-US" smtClean="0"/>
-              <a:t>2017-04-19</a:t>
+              <a:t>2022-02-09</a:t>
             </a:fld>
             <a:endParaRPr lang="ko-KR" altLang="en-US" dirty="0"/>
           </a:p>
@@ -1943,10 +1927,9 @@
           </a:lstStyle>
           <a:p>
             <a:r>
-              <a:rPr lang="ko-KR" altLang="en-US" smtClean="0"/>
+              <a:rPr lang="ko-KR" altLang="en-US"/>
               <a:t>마스터 제목 스타일 편집</a:t>
             </a:r>
-            <a:endParaRPr lang="ko-KR" altLang="en-US"/>
           </a:p>
         </p:txBody>
       </p:sp>
@@ -2000,38 +1983,37 @@
           <a:p>
             <a:pPr lvl="0"/>
             <a:r>
-              <a:rPr lang="ko-KR" altLang="en-US" smtClean="0"/>
+              <a:rPr lang="ko-KR" altLang="en-US"/>
               <a:t>마스터 텍스트 스타일을 편집합니다</a:t>
             </a:r>
           </a:p>
           <a:p>
             <a:pPr lvl="1"/>
             <a:r>
-              <a:rPr lang="ko-KR" altLang="en-US" smtClean="0"/>
+              <a:rPr lang="ko-KR" altLang="en-US"/>
               <a:t>둘째 수준</a:t>
             </a:r>
           </a:p>
           <a:p>
             <a:pPr lvl="2"/>
             <a:r>
-              <a:rPr lang="ko-KR" altLang="en-US" smtClean="0"/>
+              <a:rPr lang="ko-KR" altLang="en-US"/>
               <a:t>셋째 수준</a:t>
             </a:r>
           </a:p>
           <a:p>
             <a:pPr lvl="3"/>
             <a:r>
-              <a:rPr lang="ko-KR" altLang="en-US" smtClean="0"/>
+              <a:rPr lang="ko-KR" altLang="en-US"/>
               <a:t>넷째 수준</a:t>
             </a:r>
           </a:p>
           <a:p>
             <a:pPr lvl="4"/>
             <a:r>
-              <a:rPr lang="ko-KR" altLang="en-US" smtClean="0"/>
+              <a:rPr lang="ko-KR" altLang="en-US"/>
               <a:t>다섯째 수준</a:t>
             </a:r>
-            <a:endParaRPr lang="ko-KR" altLang="en-US"/>
           </a:p>
         </p:txBody>
       </p:sp>
@@ -2094,7 +2076,7 @@
           <a:p>
             <a:pPr lvl="0"/>
             <a:r>
-              <a:rPr lang="ko-KR" altLang="en-US" smtClean="0"/>
+              <a:rPr lang="ko-KR" altLang="en-US"/>
               <a:t>마스터 텍스트 스타일을 편집합니다</a:t>
             </a:r>
           </a:p>
@@ -2117,7 +2099,7 @@
           <a:p>
             <a:fld id="{AB50D2F9-54C4-4FF2-B153-FE785DAD4CE6}" type="datetimeFigureOut">
               <a:rPr lang="ko-KR" altLang="en-US" smtClean="0"/>
-              <a:t>2017-04-19</a:t>
+              <a:t>2022-02-09</a:t>
             </a:fld>
             <a:endParaRPr lang="ko-KR" altLang="en-US" dirty="0"/>
           </a:p>
@@ -2220,10 +2202,9 @@
           </a:lstStyle>
           <a:p>
             <a:r>
-              <a:rPr lang="ko-KR" altLang="en-US" smtClean="0"/>
+              <a:rPr lang="ko-KR" altLang="en-US"/>
               <a:t>마스터 제목 스타일 편집</a:t>
             </a:r>
-            <a:endParaRPr lang="ko-KR" altLang="en-US"/>
           </a:p>
         </p:txBody>
       </p:sp>
@@ -2347,7 +2328,7 @@
           <a:p>
             <a:pPr lvl="0"/>
             <a:r>
-              <a:rPr lang="ko-KR" altLang="en-US" smtClean="0"/>
+              <a:rPr lang="ko-KR" altLang="en-US"/>
               <a:t>마스터 텍스트 스타일을 편집합니다</a:t>
             </a:r>
           </a:p>
@@ -2370,7 +2351,7 @@
           <a:p>
             <a:fld id="{AB50D2F9-54C4-4FF2-B153-FE785DAD4CE6}" type="datetimeFigureOut">
               <a:rPr lang="ko-KR" altLang="en-US" smtClean="0"/>
-              <a:t>2017-04-19</a:t>
+              <a:t>2022-02-09</a:t>
             </a:fld>
             <a:endParaRPr lang="ko-KR" altLang="en-US" dirty="0"/>
           </a:p>
@@ -2482,10 +2463,9 @@
           <a:lstStyle/>
           <a:p>
             <a:r>
-              <a:rPr lang="ko-KR" altLang="en-US" smtClean="0"/>
+              <a:rPr lang="ko-KR" altLang="en-US"/>
               <a:t>마스터 제목 스타일 편집</a:t>
             </a:r>
-            <a:endParaRPr lang="ko-KR" altLang="en-US"/>
           </a:p>
         </p:txBody>
       </p:sp>
@@ -2516,38 +2496,37 @@
           <a:p>
             <a:pPr lvl="0"/>
             <a:r>
-              <a:rPr lang="ko-KR" altLang="en-US" smtClean="0"/>
+              <a:rPr lang="ko-KR" altLang="en-US"/>
               <a:t>마스터 텍스트 스타일을 편집합니다</a:t>
             </a:r>
           </a:p>
           <a:p>
             <a:pPr lvl="1"/>
             <a:r>
-              <a:rPr lang="ko-KR" altLang="en-US" smtClean="0"/>
+              <a:rPr lang="ko-KR" altLang="en-US"/>
               <a:t>둘째 수준</a:t>
             </a:r>
           </a:p>
           <a:p>
             <a:pPr lvl="2"/>
             <a:r>
-              <a:rPr lang="ko-KR" altLang="en-US" smtClean="0"/>
+              <a:rPr lang="ko-KR" altLang="en-US"/>
               <a:t>셋째 수준</a:t>
             </a:r>
           </a:p>
           <a:p>
             <a:pPr lvl="3"/>
             <a:r>
-              <a:rPr lang="ko-KR" altLang="en-US" smtClean="0"/>
+              <a:rPr lang="ko-KR" altLang="en-US"/>
               <a:t>넷째 수준</a:t>
             </a:r>
           </a:p>
           <a:p>
             <a:pPr lvl="4"/>
             <a:r>
-              <a:rPr lang="ko-KR" altLang="en-US" smtClean="0"/>
+              <a:rPr lang="ko-KR" altLang="en-US"/>
               <a:t>다섯째 수준</a:t>
             </a:r>
-            <a:endParaRPr lang="ko-KR" altLang="en-US"/>
           </a:p>
         </p:txBody>
       </p:sp>
@@ -2586,7 +2565,7 @@
           <a:p>
             <a:fld id="{AB50D2F9-54C4-4FF2-B153-FE785DAD4CE6}" type="datetimeFigureOut">
               <a:rPr lang="ko-KR" altLang="en-US" smtClean="0"/>
-              <a:t>2017-04-19</a:t>
+              <a:t>2022-02-09</a:t>
             </a:fld>
             <a:endParaRPr lang="ko-KR" altLang="en-US" dirty="0"/>
           </a:p>
@@ -3014,14 +2993,14 @@
           <a:lstStyle/>
           <a:p>
             <a:r>
-              <a:rPr lang="ko-KR" altLang="en-US" dirty="0" smtClean="0">
+              <a:rPr lang="en-US" altLang="ko-KR" dirty="0">
                 <a:solidFill>
                   <a:schemeClr val="tx1">
                     <a:lumMod val="75000"/>
                   </a:schemeClr>
                 </a:solidFill>
               </a:rPr>
-              <a:t>포토폴리오</a:t>
+              <a:t>Portfolio</a:t>
             </a:r>
             <a:endParaRPr lang="ko-KR" altLang="en-US" dirty="0">
               <a:solidFill>
@@ -3054,29 +3033,9 @@
           <a:lstStyle/>
           <a:p>
             <a:r>
-              <a:rPr lang="ko-KR" altLang="en-US" dirty="0" smtClean="0"/>
-              <a:t>이름</a:t>
-            </a:r>
-            <a:r>
-              <a:rPr lang="en-US" altLang="ko-KR" dirty="0" smtClean="0"/>
-              <a:t>: </a:t>
-            </a:r>
-            <a:r>
-              <a:rPr lang="ko-KR" altLang="en-US" dirty="0" smtClean="0"/>
-              <a:t>조문성</a:t>
-            </a:r>
-            <a:endParaRPr lang="en-US" altLang="ko-KR" dirty="0" smtClean="0"/>
-          </a:p>
-          <a:p>
-            <a:r>
-              <a:rPr lang="ko-KR" altLang="en-US" dirty="0" smtClean="0"/>
-              <a:t>직군</a:t>
-            </a:r>
-            <a:r>
-              <a:rPr lang="en-US" altLang="ko-KR" dirty="0" smtClean="0"/>
-              <a:t>: QA</a:t>
-            </a:r>
-            <a:endParaRPr lang="ko-KR" altLang="en-US" dirty="0"/>
+              <a:rPr lang="en-US" altLang="ko-KR" dirty="0"/>
+              <a:t>Name: ZAHO WENXING</a:t>
+            </a:r>
           </a:p>
         </p:txBody>
       </p:sp>
@@ -3131,24 +3090,28 @@
           <a:lstStyle/>
           <a:p>
             <a:r>
-              <a:rPr lang="en-US" altLang="ko-KR" dirty="0" smtClean="0"/>
+              <a:rPr lang="en-US" altLang="ko-KR" sz="2800" dirty="0">
+                <a:latin typeface="+mn-ea"/>
+              </a:rPr>
               <a:t>API </a:t>
             </a:r>
             <a:r>
-              <a:rPr lang="ko-KR" altLang="en-US" dirty="0" smtClean="0"/>
-              <a:t>자동화 예제 </a:t>
-            </a:r>
-            <a:r>
-              <a:rPr lang="en-US" altLang="ko-KR" dirty="0" smtClean="0"/>
-              <a:t>(</a:t>
-            </a:r>
-            <a:r>
-              <a:rPr lang="ko-KR" altLang="en-US" dirty="0" smtClean="0"/>
-              <a:t>배너</a:t>
-            </a:r>
-            <a:r>
-              <a:rPr lang="en-US" altLang="ko-KR" dirty="0" smtClean="0"/>
-              <a:t>)</a:t>
+              <a:rPr lang="en-US" altLang="zh-CN" sz="2800" dirty="0">
+                <a:latin typeface="+mn-ea"/>
+              </a:rPr>
+              <a:t>Automation Test</a:t>
+            </a:r>
+            <a:r>
+              <a:rPr lang="ko-KR" altLang="en-US" sz="2800" dirty="0">
+                <a:latin typeface="+mn-ea"/>
+              </a:rPr>
+              <a:t> </a:t>
+            </a:r>
+            <a:r>
+              <a:rPr lang="en-US" altLang="ko-KR" sz="2800" dirty="0">
+                <a:latin typeface="+mn-ea"/>
+              </a:rPr>
+              <a:t>Example</a:t>
             </a:r>
           </a:p>
           <a:p>
@@ -3157,22 +3120,10 @@
               <a:buChar char="-"/>
             </a:pPr>
             <a:r>
-              <a:rPr lang="en-US" altLang="ko-KR" sz="1200" b="1" dirty="0" smtClean="0">
-                <a:latin typeface="+mn-ea"/>
-              </a:rPr>
-              <a:t>API </a:t>
-            </a:r>
-            <a:r>
-              <a:rPr lang="ko-KR" altLang="en-US" sz="1200" b="1" dirty="0" smtClean="0">
-                <a:latin typeface="+mn-ea"/>
-              </a:rPr>
-              <a:t>자동화 스크립트</a:t>
-            </a:r>
-            <a:r>
-              <a:rPr lang="en-US" altLang="ko-KR" sz="1200" b="1" dirty="0" smtClean="0">
-                <a:latin typeface="+mn-ea"/>
-              </a:rPr>
-              <a:t>(user keyword)</a:t>
+              <a:rPr lang="en-US" altLang="ko-KR" sz="1200" b="1" dirty="0">
+                <a:latin typeface="+mn-ea"/>
+              </a:rPr>
+              <a:t>API Test Script(user keyword)</a:t>
             </a:r>
           </a:p>
           <a:p>
@@ -3180,7 +3131,7 @@
               <a:buNone/>
             </a:pPr>
             <a:r>
-              <a:rPr lang="en-US" altLang="ko-KR" sz="1200" b="1" dirty="0" smtClean="0">
+              <a:rPr lang="en-US" altLang="ko-KR" sz="1200" b="1" dirty="0">
                 <a:latin typeface="+mn-ea"/>
               </a:rPr>
               <a:t> </a:t>
@@ -3190,20 +3141,20 @@
             <a:pPr marL="0" indent="0">
               <a:buNone/>
             </a:pPr>
-            <a:endParaRPr lang="en-US" altLang="ko-KR" sz="1200" b="1" dirty="0" smtClean="0"/>
+            <a:endParaRPr lang="en-US" altLang="ko-KR" sz="1200" b="1" dirty="0"/>
           </a:p>
           <a:p>
             <a:pPr marL="0" indent="0">
               <a:buNone/>
             </a:pPr>
-            <a:endParaRPr lang="en-US" altLang="ko-KR" sz="1200" b="1" dirty="0" smtClean="0"/>
+            <a:endParaRPr lang="en-US" altLang="ko-KR" sz="1200" b="1" dirty="0"/>
           </a:p>
           <a:p>
             <a:pPr>
               <a:buFontTx/>
               <a:buChar char="-"/>
             </a:pPr>
-            <a:endParaRPr lang="en-US" altLang="ko-KR" sz="1200" b="1" dirty="0" smtClean="0"/>
+            <a:endParaRPr lang="en-US" altLang="ko-KR" sz="1200" b="1" dirty="0"/>
           </a:p>
           <a:p>
             <a:pPr marL="0" indent="0">
@@ -3300,14 +3251,29 @@
           <a:lstStyle/>
           <a:p>
             <a:r>
-              <a:rPr lang="en-US" altLang="ko-KR" dirty="0" smtClean="0"/>
+              <a:rPr lang="en-US" altLang="ko-KR" sz="2800" dirty="0">
+                <a:latin typeface="+mn-ea"/>
+              </a:rPr>
               <a:t>API </a:t>
             </a:r>
             <a:r>
-              <a:rPr lang="ko-KR" altLang="en-US" dirty="0" smtClean="0"/>
-              <a:t>자동화 예제</a:t>
-            </a:r>
-            <a:endParaRPr lang="en-US" altLang="ko-KR" dirty="0" smtClean="0"/>
+              <a:rPr lang="en-US" altLang="zh-CN" sz="2800" dirty="0">
+                <a:latin typeface="+mn-ea"/>
+              </a:rPr>
+              <a:t>Automation Test</a:t>
+            </a:r>
+            <a:r>
+              <a:rPr lang="ko-KR" altLang="en-US" sz="2800" dirty="0">
+                <a:latin typeface="+mn-ea"/>
+              </a:rPr>
+              <a:t> </a:t>
+            </a:r>
+            <a:r>
+              <a:rPr lang="en-US" altLang="ko-KR" sz="2800" dirty="0">
+                <a:latin typeface="+mn-ea"/>
+              </a:rPr>
+              <a:t>Example</a:t>
+            </a:r>
           </a:p>
           <a:p>
             <a:pPr>
@@ -3315,22 +3281,10 @@
               <a:buChar char="-"/>
             </a:pPr>
             <a:r>
-              <a:rPr lang="en-US" altLang="ko-KR" sz="1200" b="1" dirty="0" smtClean="0">
-                <a:latin typeface="+mn-ea"/>
-              </a:rPr>
-              <a:t>CI </a:t>
-            </a:r>
-            <a:r>
-              <a:rPr lang="ko-KR" altLang="en-US" sz="1200" b="1" dirty="0" smtClean="0">
-                <a:latin typeface="+mn-ea"/>
-              </a:rPr>
-              <a:t>연동</a:t>
-            </a:r>
-            <a:r>
-              <a:rPr lang="en-US" altLang="ko-KR" sz="1200" b="1" dirty="0" smtClean="0">
-                <a:latin typeface="+mn-ea"/>
-              </a:rPr>
-              <a:t>(jenkins)</a:t>
+              <a:rPr lang="en-US" altLang="ko-KR" sz="1200" b="1" dirty="0">
+                <a:latin typeface="+mn-ea"/>
+              </a:rPr>
+              <a:t>CI (jenkins)</a:t>
             </a:r>
           </a:p>
           <a:p>
@@ -3338,7 +3292,7 @@
               <a:buNone/>
             </a:pPr>
             <a:r>
-              <a:rPr lang="en-US" altLang="ko-KR" sz="1200" b="1" dirty="0" smtClean="0">
+              <a:rPr lang="en-US" altLang="ko-KR" sz="1200" b="1" dirty="0">
                 <a:latin typeface="+mn-ea"/>
               </a:rPr>
               <a:t> </a:t>
@@ -3348,20 +3302,20 @@
             <a:pPr marL="0" indent="0">
               <a:buNone/>
             </a:pPr>
-            <a:endParaRPr lang="en-US" altLang="ko-KR" sz="1200" b="1" dirty="0" smtClean="0"/>
+            <a:endParaRPr lang="en-US" altLang="ko-KR" sz="1200" b="1" dirty="0"/>
           </a:p>
           <a:p>
             <a:pPr marL="0" indent="0">
               <a:buNone/>
             </a:pPr>
-            <a:endParaRPr lang="en-US" altLang="ko-KR" sz="1200" b="1" dirty="0" smtClean="0"/>
+            <a:endParaRPr lang="en-US" altLang="ko-KR" sz="1200" b="1" dirty="0"/>
           </a:p>
           <a:p>
             <a:pPr>
               <a:buFontTx/>
               <a:buChar char="-"/>
             </a:pPr>
-            <a:endParaRPr lang="en-US" altLang="ko-KR" sz="1200" b="1" dirty="0" smtClean="0"/>
+            <a:endParaRPr lang="en-US" altLang="ko-KR" sz="1200" b="1" dirty="0"/>
           </a:p>
           <a:p>
             <a:pPr marL="0" indent="0">
@@ -3452,14 +3406,29 @@
           <a:lstStyle/>
           <a:p>
             <a:r>
-              <a:rPr lang="en-US" altLang="ko-KR" dirty="0" smtClean="0"/>
+              <a:rPr lang="en-US" altLang="ko-KR" sz="2800" dirty="0">
+                <a:latin typeface="+mn-ea"/>
+              </a:rPr>
               <a:t>API </a:t>
             </a:r>
             <a:r>
-              <a:rPr lang="ko-KR" altLang="en-US" dirty="0" smtClean="0"/>
-              <a:t>자동화 예제</a:t>
-            </a:r>
-            <a:endParaRPr lang="en-US" altLang="ko-KR" dirty="0" smtClean="0"/>
+              <a:rPr lang="en-US" altLang="zh-CN" sz="2800" dirty="0">
+                <a:latin typeface="+mn-ea"/>
+              </a:rPr>
+              <a:t>Automation Test</a:t>
+            </a:r>
+            <a:r>
+              <a:rPr lang="ko-KR" altLang="en-US" sz="2800" dirty="0">
+                <a:latin typeface="+mn-ea"/>
+              </a:rPr>
+              <a:t> </a:t>
+            </a:r>
+            <a:r>
+              <a:rPr lang="en-US" altLang="ko-KR" sz="2800" dirty="0">
+                <a:latin typeface="+mn-ea"/>
+              </a:rPr>
+              <a:t>Example</a:t>
+            </a:r>
           </a:p>
           <a:p>
             <a:pPr>
@@ -3467,22 +3436,10 @@
               <a:buChar char="-"/>
             </a:pPr>
             <a:r>
-              <a:rPr lang="en-US" altLang="ko-KR" sz="1200" b="1" dirty="0" smtClean="0">
-                <a:latin typeface="+mn-ea"/>
-              </a:rPr>
-              <a:t>CI </a:t>
-            </a:r>
-            <a:r>
-              <a:rPr lang="ko-KR" altLang="en-US" sz="1200" b="1" dirty="0" smtClean="0">
-                <a:latin typeface="+mn-ea"/>
-              </a:rPr>
-              <a:t>연동</a:t>
-            </a:r>
-            <a:r>
-              <a:rPr lang="en-US" altLang="ko-KR" sz="1200" b="1" dirty="0" smtClean="0">
-                <a:latin typeface="+mn-ea"/>
-              </a:rPr>
-              <a:t>(Email Template &amp; Detailed Report)</a:t>
+              <a:rPr lang="en-US" altLang="ko-KR" sz="1200" b="1" dirty="0">
+                <a:latin typeface="+mn-ea"/>
+              </a:rPr>
+              <a:t>Email Template &amp; Detailed Report</a:t>
             </a:r>
           </a:p>
           <a:p>
@@ -3490,7 +3447,7 @@
               <a:buNone/>
             </a:pPr>
             <a:r>
-              <a:rPr lang="en-US" altLang="ko-KR" sz="1200" b="1" dirty="0" smtClean="0">
+              <a:rPr lang="en-US" altLang="ko-KR" sz="1200" b="1" dirty="0">
                 <a:latin typeface="+mn-ea"/>
               </a:rPr>
               <a:t> </a:t>
@@ -3500,26 +3457,26 @@
             <a:pPr marL="0" indent="0">
               <a:buNone/>
             </a:pPr>
-            <a:endParaRPr lang="en-US" altLang="ko-KR" sz="1200" b="1" dirty="0" smtClean="0"/>
+            <a:endParaRPr lang="en-US" altLang="ko-KR" sz="1200" b="1" dirty="0"/>
           </a:p>
           <a:p>
             <a:pPr marL="0" indent="0">
               <a:buNone/>
             </a:pPr>
-            <a:endParaRPr lang="en-US" altLang="ko-KR" sz="1200" b="1" dirty="0" smtClean="0"/>
+            <a:endParaRPr lang="en-US" altLang="ko-KR" sz="1200" b="1" dirty="0"/>
           </a:p>
           <a:p>
             <a:pPr>
               <a:buFontTx/>
               <a:buChar char="-"/>
             </a:pPr>
-            <a:endParaRPr lang="en-US" altLang="ko-KR" sz="1200" b="1" dirty="0" smtClean="0"/>
+            <a:endParaRPr lang="en-US" altLang="ko-KR" sz="1200" b="1" dirty="0"/>
           </a:p>
           <a:p>
             <a:pPr marL="0" indent="0">
               <a:buNone/>
             </a:pPr>
-            <a:endParaRPr lang="en-US" altLang="ko-KR" sz="1200" b="1" dirty="0" smtClean="0"/>
+            <a:endParaRPr lang="en-US" altLang="ko-KR" sz="1200" b="1" dirty="0"/>
           </a:p>
           <a:p>
             <a:pPr marL="0" indent="0">
@@ -3531,7 +3488,7 @@
             <a:pPr marL="0" indent="0">
               <a:buNone/>
             </a:pPr>
-            <a:endParaRPr lang="en-US" altLang="ko-KR" sz="1200" b="1" dirty="0" smtClean="0"/>
+            <a:endParaRPr lang="en-US" altLang="ko-KR" sz="1200" b="1" dirty="0"/>
           </a:p>
           <a:p>
             <a:pPr marL="0" indent="0">
@@ -3543,7 +3500,7 @@
             <a:pPr marL="0" indent="0">
               <a:buNone/>
             </a:pPr>
-            <a:endParaRPr lang="en-US" altLang="ko-KR" sz="1200" b="1" dirty="0" smtClean="0"/>
+            <a:endParaRPr lang="en-US" altLang="ko-KR" sz="1200" b="1" dirty="0"/>
           </a:p>
           <a:p>
             <a:pPr marL="0" indent="0">
@@ -3555,7 +3512,7 @@
             <a:pPr marL="0" indent="0">
               <a:buNone/>
             </a:pPr>
-            <a:endParaRPr lang="en-US" altLang="ko-KR" sz="1200" b="1" dirty="0" smtClean="0"/>
+            <a:endParaRPr lang="en-US" altLang="ko-KR" sz="1200" b="1" dirty="0"/>
           </a:p>
           <a:p>
             <a:pPr marL="0" indent="0">
@@ -3567,7 +3524,7 @@
             <a:pPr marL="0" indent="0">
               <a:buNone/>
             </a:pPr>
-            <a:endParaRPr lang="en-US" altLang="ko-KR" sz="1200" b="1" dirty="0" smtClean="0"/>
+            <a:endParaRPr lang="en-US" altLang="ko-KR" sz="1200" b="1" dirty="0"/>
           </a:p>
           <a:p>
             <a:pPr marL="0" indent="0">
@@ -3580,14 +3537,14 @@
               <a:buNone/>
             </a:pPr>
             <a:r>
-              <a:rPr lang="en-US" altLang="ko-KR" sz="1200" b="1" dirty="0" smtClean="0"/>
+              <a:rPr lang="en-US" altLang="ko-KR" sz="1200" b="1" dirty="0"/>
               <a:t>  1) Robot Framework Plugin </a:t>
             </a:r>
             <a:r>
-              <a:rPr lang="ko-KR" altLang="en-US" sz="1200" b="1" dirty="0" smtClean="0"/>
+              <a:rPr lang="ko-KR" altLang="en-US" sz="1200" b="1" dirty="0"/>
               <a:t>설치</a:t>
             </a:r>
-            <a:endParaRPr lang="en-US" altLang="ko-KR" sz="1200" b="1" dirty="0" smtClean="0"/>
+            <a:endParaRPr lang="en-US" altLang="ko-KR" sz="1200" b="1" dirty="0"/>
           </a:p>
           <a:p>
             <a:pPr marL="0" indent="0">
@@ -3595,14 +3552,10 @@
             </a:pPr>
             <a:r>
               <a:rPr lang="en-US" altLang="ko-KR" sz="1200" b="1" dirty="0"/>
-              <a:t> </a:t>
-            </a:r>
-            <a:r>
-              <a:rPr lang="en-US" altLang="ko-KR" sz="1200" b="1" dirty="0" smtClean="0"/>
-              <a:t> 2) Default email template</a:t>
-            </a:r>
-            <a:r>
-              <a:rPr lang="ko-KR" altLang="en-US" sz="1200" b="1" dirty="0" smtClean="0"/>
+              <a:t>  2) Default email template</a:t>
+            </a:r>
+            <a:r>
+              <a:rPr lang="ko-KR" altLang="en-US" sz="1200" b="1" dirty="0"/>
               <a:t>  변경해서 사용</a:t>
             </a:r>
             <a:endParaRPr lang="en-US" altLang="ko-KR" sz="1200" b="1" dirty="0"/>
@@ -3714,56 +3667,67 @@
           <a:lstStyle/>
           <a:p>
             <a:r>
-              <a:rPr lang="en-US" altLang="ko-KR" dirty="0"/>
-              <a:t>UI </a:t>
-            </a:r>
-            <a:r>
-              <a:rPr lang="ko-KR" altLang="en-US" dirty="0"/>
-              <a:t>자동화 예제 </a:t>
-            </a:r>
-            <a:r>
-              <a:rPr lang="en-US" altLang="ko-KR" dirty="0"/>
-              <a:t>(</a:t>
-            </a:r>
-            <a:r>
-              <a:rPr lang="ko-KR" altLang="en-US" dirty="0"/>
-              <a:t>상품등록</a:t>
-            </a:r>
-            <a:r>
-              <a:rPr lang="en-US" altLang="ko-KR" dirty="0"/>
-              <a:t>)</a:t>
-            </a:r>
+              <a:rPr lang="en-US" altLang="ko-KR" dirty="0">
+                <a:latin typeface="+mn-ea"/>
+              </a:rPr>
+              <a:t>UI</a:t>
+            </a:r>
+            <a:r>
+              <a:rPr lang="en-US" altLang="ko-KR" sz="2800" dirty="0">
+                <a:latin typeface="+mn-ea"/>
+              </a:rPr>
+              <a:t> </a:t>
+            </a:r>
+            <a:r>
+              <a:rPr lang="en-US" altLang="zh-CN" sz="2800" dirty="0">
+                <a:latin typeface="+mn-ea"/>
+              </a:rPr>
+              <a:t>Automation Test</a:t>
+            </a:r>
+            <a:r>
+              <a:rPr lang="ko-KR" altLang="en-US" sz="2800" dirty="0">
+                <a:latin typeface="+mn-ea"/>
+              </a:rPr>
+              <a:t> </a:t>
+            </a:r>
+            <a:r>
+              <a:rPr lang="en-US" altLang="ko-KR" sz="2800" dirty="0">
+                <a:latin typeface="+mn-ea"/>
+              </a:rPr>
+              <a:t>Example</a:t>
+            </a:r>
+            <a:endParaRPr lang="en-US" altLang="ko-KR" dirty="0"/>
           </a:p>
           <a:p>
             <a:pPr marL="0" indent="0">
               <a:buNone/>
             </a:pPr>
-            <a:endParaRPr lang="en-US" altLang="ko-KR" dirty="0" smtClean="0"/>
+            <a:endParaRPr lang="en-US" altLang="ko-KR" dirty="0"/>
           </a:p>
           <a:p>
             <a:pPr marL="0" indent="0">
               <a:buNone/>
             </a:pPr>
             <a:r>
-              <a:rPr lang="en-US" altLang="ko-KR" sz="1200" b="1" dirty="0" smtClean="0">
-                <a:latin typeface="+mn-ea"/>
-              </a:rPr>
-              <a:t>      API </a:t>
-            </a:r>
-            <a:r>
-              <a:rPr lang="ko-KR" altLang="en-US" sz="1200" b="1" dirty="0" smtClean="0">
-                <a:latin typeface="+mn-ea"/>
-              </a:rPr>
-              <a:t>자동화 </a:t>
-            </a:r>
-            <a:r>
-              <a:rPr lang="en-US" altLang="ko-KR" sz="1200" b="1" dirty="0" smtClean="0">
+              <a:rPr lang="en-US" altLang="ko-KR" sz="1200" b="1" dirty="0">
+                <a:latin typeface="+mn-ea"/>
+              </a:rPr>
+              <a:t>      Test</a:t>
+            </a:r>
+            <a:r>
+              <a:rPr lang="ko-KR" altLang="en-US" sz="1200" b="1" dirty="0">
+                <a:latin typeface="+mn-ea"/>
+              </a:rPr>
+              <a:t> </a:t>
+            </a:r>
+            <a:r>
+              <a:rPr lang="en-US" altLang="ko-KR" sz="1200" b="1" dirty="0">
                 <a:latin typeface="+mn-ea"/>
               </a:rPr>
               <a:t>Tool : </a:t>
             </a:r>
             <a:r>
-              <a:rPr lang="en-US" altLang="ko-KR" sz="1200" dirty="0" smtClean="0">
+              <a:rPr lang="en-US" altLang="ko-KR" sz="1200" dirty="0">
                 <a:latin typeface="+mn-ea"/>
               </a:rPr>
               <a:t>robot framework</a:t>
@@ -3782,22 +3746,10 @@
               <a:buNone/>
             </a:pPr>
             <a:r>
-              <a:rPr lang="en-US" altLang="ko-KR" sz="1200" b="1" dirty="0" smtClean="0">
-                <a:latin typeface="+mn-ea"/>
-              </a:rPr>
-              <a:t>      </a:t>
-            </a:r>
-            <a:r>
-              <a:rPr lang="ko-KR" altLang="en-US" sz="1200" b="1" dirty="0" smtClean="0">
-                <a:latin typeface="+mn-ea"/>
-              </a:rPr>
-              <a:t>사용 라이브러리</a:t>
-            </a:r>
-            <a:r>
-              <a:rPr lang="en-US" altLang="ko-KR" sz="1200" b="1" dirty="0" smtClean="0">
-                <a:latin typeface="+mn-ea"/>
-              </a:rPr>
-              <a:t> :</a:t>
+              <a:rPr lang="en-US" altLang="ko-KR" sz="1200" b="1" dirty="0">
+                <a:latin typeface="+mn-ea"/>
+              </a:rPr>
+              <a:t>      Used Library:</a:t>
             </a:r>
           </a:p>
           <a:p>
@@ -3808,22 +3760,16 @@
               <a:rPr lang="en-US" altLang="ko-KR" sz="1200" b="1" dirty="0">
                 <a:latin typeface="+mn-ea"/>
               </a:rPr>
-              <a:t> </a:t>
-            </a:r>
-            <a:r>
-              <a:rPr lang="en-US" altLang="ko-KR" sz="1200" b="1" dirty="0" smtClean="0">
-                <a:latin typeface="+mn-ea"/>
-              </a:rPr>
-              <a:t>      </a:t>
-            </a:r>
-            <a:r>
-              <a:rPr lang="ko-KR" altLang="en-US" sz="1200" dirty="0" smtClean="0">
+              <a:t>       </a:t>
+            </a:r>
+            <a:r>
+              <a:rPr lang="ko-KR" altLang="en-US" sz="1200" dirty="0">
                 <a:latin typeface="+mn-ea"/>
               </a:rPr>
               <a:t>ㄴ </a:t>
             </a:r>
             <a:r>
-              <a:rPr lang="en-US" altLang="ko-KR" sz="1200" dirty="0" smtClean="0">
+              <a:rPr lang="en-US" altLang="ko-KR" sz="1200" dirty="0">
                 <a:latin typeface="+mn-ea"/>
               </a:rPr>
               <a:t>Selenium2Library</a:t>
@@ -3834,7 +3780,7 @@
               <a:buNone/>
             </a:pPr>
             <a:r>
-              <a:rPr lang="en-US" altLang="ko-KR" sz="1200" dirty="0" smtClean="0">
+              <a:rPr lang="en-US" altLang="ko-KR" sz="1200" dirty="0">
                 <a:effectLst>
                   <a:glow rad="38100">
                     <a:schemeClr val="bg1">
@@ -3849,7 +3795,7 @@
               <a:t>       </a:t>
             </a:r>
             <a:r>
-              <a:rPr lang="ko-KR" altLang="en-US" sz="1200" dirty="0" smtClean="0">
+              <a:rPr lang="ko-KR" altLang="en-US" sz="1200" dirty="0">
                 <a:effectLst>
                   <a:glow rad="38100">
                     <a:schemeClr val="bg1">
@@ -3864,7 +3810,7 @@
               <a:t>ㄴ </a:t>
             </a:r>
             <a:r>
-              <a:rPr lang="en-US" altLang="ko-KR" sz="1200" dirty="0" smtClean="0">
+              <a:rPr lang="en-US" altLang="ko-KR" sz="1200" dirty="0">
                 <a:effectLst>
                   <a:glow rad="38100">
                     <a:schemeClr val="bg1">
@@ -3884,11 +3830,11 @@
               <a:buNone/>
             </a:pPr>
             <a:r>
-              <a:rPr lang="en-US" altLang="ko-KR" sz="1200" dirty="0" smtClean="0"/>
+              <a:rPr lang="en-US" altLang="ko-KR" sz="1200" dirty="0"/>
               <a:t>       </a:t>
             </a:r>
             <a:r>
-              <a:rPr lang="ko-KR" altLang="en-US" sz="1200" dirty="0" smtClean="0">
+              <a:rPr lang="ko-KR" altLang="en-US" sz="1200" dirty="0">
                 <a:effectLst>
                   <a:glow rad="38100">
                     <a:schemeClr val="bg1">
@@ -3903,7 +3849,7 @@
               <a:t>ㄴ </a:t>
             </a:r>
             <a:r>
-              <a:rPr lang="en-US" altLang="ko-KR" sz="1200" dirty="0" smtClean="0">
+              <a:rPr lang="en-US" altLang="ko-KR" sz="1200" dirty="0">
                 <a:effectLst>
                   <a:glow rad="38100">
                     <a:schemeClr val="bg1">
@@ -3923,7 +3869,7 @@
               <a:buNone/>
             </a:pPr>
             <a:r>
-              <a:rPr lang="en-US" altLang="ko-KR" sz="1200" dirty="0" smtClean="0">
+              <a:rPr lang="en-US" altLang="ko-KR" sz="1200" dirty="0">
                 <a:effectLst>
                   <a:glow rad="38100">
                     <a:schemeClr val="bg1">
@@ -3938,7 +3884,7 @@
               <a:t>       </a:t>
             </a:r>
             <a:r>
-              <a:rPr lang="ko-KR" altLang="en-US" sz="1200" dirty="0" smtClean="0">
+              <a:rPr lang="ko-KR" altLang="en-US" sz="1200" dirty="0">
                 <a:effectLst>
                   <a:glow rad="38100">
                     <a:schemeClr val="bg1">
@@ -3953,7 +3899,7 @@
               <a:t>ㄴ </a:t>
             </a:r>
             <a:r>
-              <a:rPr lang="en-US" altLang="ko-KR" sz="1200" dirty="0" smtClean="0">
+              <a:rPr lang="en-US" altLang="ko-KR" sz="1200" dirty="0">
                 <a:effectLst>
                   <a:glow rad="38100">
                     <a:schemeClr val="bg1">
@@ -3973,7 +3919,7 @@
               <a:buNone/>
             </a:pPr>
             <a:r>
-              <a:rPr lang="en-US" altLang="ko-KR" sz="1200" dirty="0" smtClean="0"/>
+              <a:rPr lang="en-US" altLang="ko-KR" sz="1200" dirty="0"/>
               <a:t>       </a:t>
             </a:r>
             <a:endParaRPr lang="en-US" altLang="ko-KR" sz="1200" b="1" dirty="0">
@@ -3994,7 +3940,7 @@
               <a:buNone/>
             </a:pPr>
             <a:r>
-              <a:rPr lang="en-US" altLang="ko-KR" sz="1200" b="1" dirty="0" smtClean="0">
+              <a:rPr lang="en-US" altLang="ko-KR" sz="1200" b="1" dirty="0">
                 <a:effectLst>
                   <a:glow rad="38100">
                     <a:schemeClr val="bg1">
@@ -4009,7 +3955,7 @@
               <a:t>      editor: </a:t>
             </a:r>
             <a:r>
-              <a:rPr lang="en-US" altLang="ko-KR" sz="1200" dirty="0" smtClean="0">
+              <a:rPr lang="en-US" altLang="ko-KR" sz="1200" dirty="0">
                 <a:effectLst>
                   <a:glow rad="38100">
                     <a:schemeClr val="bg1">
@@ -4084,25 +4030,36 @@
           <a:lstStyle/>
           <a:p>
             <a:r>
-              <a:rPr lang="en-US" altLang="ko-KR" dirty="0"/>
-              <a:t>UI </a:t>
-            </a:r>
-            <a:r>
-              <a:rPr lang="ko-KR" altLang="en-US" dirty="0"/>
-              <a:t>자동화 예제 </a:t>
-            </a:r>
-            <a:r>
-              <a:rPr lang="en-US" altLang="ko-KR" dirty="0"/>
-              <a:t>(</a:t>
-            </a:r>
-            <a:r>
-              <a:rPr lang="ko-KR" altLang="en-US" dirty="0"/>
-              <a:t>상품등록</a:t>
-            </a:r>
-            <a:r>
-              <a:rPr lang="en-US" altLang="ko-KR" dirty="0"/>
-              <a:t>)</a:t>
-            </a:r>
+              <a:rPr lang="en-US" altLang="ko-KR" dirty="0">
+                <a:latin typeface="+mn-ea"/>
+              </a:rPr>
+              <a:t>UI</a:t>
+            </a:r>
+            <a:r>
+              <a:rPr lang="en-US" altLang="ko-KR" sz="2800" dirty="0">
+                <a:latin typeface="+mn-ea"/>
+              </a:rPr>
+              <a:t> </a:t>
+            </a:r>
+            <a:r>
+              <a:rPr lang="en-US" altLang="zh-CN" sz="2800" dirty="0">
+                <a:latin typeface="+mn-ea"/>
+              </a:rPr>
+              <a:t>Automation Test</a:t>
+            </a:r>
+            <a:r>
+              <a:rPr lang="ko-KR" altLang="en-US" sz="2800" dirty="0">
+                <a:latin typeface="+mn-ea"/>
+              </a:rPr>
+              <a:t> </a:t>
+            </a:r>
+            <a:r>
+              <a:rPr lang="en-US" altLang="ko-KR" sz="2800" dirty="0">
+                <a:latin typeface="+mn-ea"/>
+              </a:rPr>
+              <a:t>Example</a:t>
+            </a:r>
+            <a:endParaRPr lang="en-US" altLang="ko-KR" dirty="0"/>
           </a:p>
           <a:p>
             <a:pPr>
@@ -4110,138 +4067,31 @@
               <a:buChar char="-"/>
             </a:pPr>
             <a:r>
-              <a:rPr lang="en-US" altLang="ko-KR" sz="1200" b="1" dirty="0" smtClean="0">
-                <a:latin typeface="+mn-ea"/>
-              </a:rPr>
-              <a:t>UI </a:t>
-            </a:r>
-            <a:r>
-              <a:rPr lang="ko-KR" altLang="en-US" sz="1200" b="1" dirty="0" smtClean="0">
-                <a:latin typeface="+mn-ea"/>
-              </a:rPr>
-              <a:t>자동화 시나리오</a:t>
-            </a:r>
-            <a:endParaRPr lang="en-US" altLang="ko-KR" sz="1200" b="1" dirty="0" smtClean="0">
-              <a:latin typeface="+mn-ea"/>
-            </a:endParaRPr>
+              <a:rPr lang="en-US" altLang="ko-KR" sz="1200" b="1" dirty="0">
+                <a:latin typeface="+mn-ea"/>
+              </a:rPr>
+              <a:t>API Test</a:t>
+            </a:r>
+            <a:r>
+              <a:rPr lang="ko-KR" altLang="en-US" sz="1200" b="1" dirty="0">
+                <a:latin typeface="+mn-ea"/>
+              </a:rPr>
+              <a:t> </a:t>
+            </a:r>
+            <a:r>
+              <a:rPr lang="en-US" altLang="ko-KR" sz="1200" b="1" dirty="0">
+                <a:latin typeface="+mn-ea"/>
+              </a:rPr>
+              <a:t>Scenario</a:t>
+            </a:r>
+            <a:endParaRPr lang="en-US" altLang="ko-KR" sz="1200" b="1" dirty="0"/>
           </a:p>
           <a:p>
             <a:pPr>
               <a:buFontTx/>
               <a:buChar char="-"/>
             </a:pPr>
-            <a:endParaRPr lang="en-US" altLang="ko-KR" sz="1200" b="1" dirty="0">
-              <a:latin typeface="+mn-ea"/>
-            </a:endParaRPr>
-          </a:p>
-          <a:p>
-            <a:pPr marL="0" indent="0">
-              <a:buNone/>
-            </a:pPr>
-            <a:r>
-              <a:rPr lang="en-US" altLang="ko-KR" sz="1200" b="1" dirty="0" smtClean="0">
-                <a:latin typeface="+mn-ea"/>
-              </a:rPr>
-              <a:t>1. </a:t>
-            </a:r>
-            <a:r>
-              <a:rPr lang="en-US" altLang="ko-KR" sz="1200" b="1" dirty="0" smtClean="0">
-                <a:latin typeface="+mn-ea"/>
-              </a:rPr>
-              <a:t>Testcase </a:t>
-            </a:r>
-            <a:r>
-              <a:rPr lang="ko-KR" altLang="en-US" sz="1200" b="1" dirty="0" smtClean="0">
-                <a:latin typeface="+mn-ea"/>
-              </a:rPr>
-              <a:t>와</a:t>
-            </a:r>
-            <a:r>
-              <a:rPr lang="en-US" altLang="ko-KR" sz="1200" b="1" dirty="0">
-                <a:latin typeface="+mn-ea"/>
-              </a:rPr>
-              <a:t> </a:t>
-            </a:r>
-            <a:r>
-              <a:rPr lang="en-US" altLang="ko-KR" sz="1200" b="1" dirty="0" smtClean="0">
-                <a:latin typeface="+mn-ea"/>
-              </a:rPr>
-              <a:t>UserKeyword</a:t>
-            </a:r>
-            <a:r>
-              <a:rPr lang="en-US" altLang="ko-KR" sz="1200" b="1" dirty="0">
-                <a:latin typeface="+mn-ea"/>
-              </a:rPr>
-              <a:t> </a:t>
-            </a:r>
-            <a:r>
-              <a:rPr lang="ko-KR" altLang="en-US" sz="1200" b="1" dirty="0" smtClean="0">
-                <a:latin typeface="+mn-ea"/>
-              </a:rPr>
-              <a:t>별도로 구현</a:t>
-            </a:r>
-            <a:endParaRPr lang="en-US" altLang="ko-KR" sz="1200" b="1" dirty="0" smtClean="0">
-              <a:latin typeface="+mn-ea"/>
-            </a:endParaRPr>
-          </a:p>
-          <a:p>
-            <a:pPr marL="0" indent="0">
-              <a:buNone/>
-            </a:pPr>
-            <a:r>
-              <a:rPr lang="en-US" altLang="ko-KR" sz="1200" b="1" dirty="0">
-                <a:latin typeface="+mn-ea"/>
-              </a:rPr>
-              <a:t> </a:t>
-            </a:r>
-            <a:r>
-              <a:rPr lang="en-US" altLang="ko-KR" sz="1200" b="1" dirty="0" smtClean="0">
-                <a:latin typeface="+mn-ea"/>
-              </a:rPr>
-              <a:t>  </a:t>
-            </a:r>
-            <a:endParaRPr lang="en-US" altLang="ko-KR" sz="1200" b="1" dirty="0">
-              <a:latin typeface="+mn-ea"/>
-            </a:endParaRPr>
-          </a:p>
-          <a:p>
-            <a:pPr marL="0" indent="0">
-              <a:buNone/>
-            </a:pPr>
-            <a:r>
-              <a:rPr lang="en-US" altLang="ko-KR" sz="1200" b="1" dirty="0" smtClean="0">
-                <a:latin typeface="+mn-ea"/>
-              </a:rPr>
-              <a:t>2. </a:t>
-            </a:r>
-            <a:r>
-              <a:rPr lang="en-US" altLang="ko-KR" sz="1200" b="1" dirty="0" smtClean="0">
-                <a:latin typeface="+mn-ea"/>
-              </a:rPr>
-              <a:t>User keyword </a:t>
-            </a:r>
-            <a:r>
-              <a:rPr lang="ko-KR" altLang="en-US" sz="1200" b="1" dirty="0" smtClean="0">
-                <a:latin typeface="+mn-ea"/>
-              </a:rPr>
-              <a:t>에서 각 단계별 정보 입력하는 스크립트 작성</a:t>
-            </a:r>
-            <a:endParaRPr lang="en-US" altLang="ko-KR" sz="1200" b="1" dirty="0" smtClean="0">
-              <a:latin typeface="+mn-ea"/>
-            </a:endParaRPr>
-          </a:p>
-          <a:p>
-            <a:pPr marL="0" indent="0">
-              <a:buNone/>
-            </a:pPr>
-            <a:endParaRPr lang="en-US" altLang="ko-KR" sz="1200" b="1" dirty="0" smtClean="0"/>
-          </a:p>
-          <a:p>
-            <a:pPr>
-              <a:buFontTx/>
-              <a:buChar char="-"/>
-            </a:pPr>
-            <a:endParaRPr lang="en-US" altLang="ko-KR" sz="1200" b="1" dirty="0" smtClean="0"/>
+            <a:endParaRPr lang="en-US" altLang="ko-KR" sz="1200" b="1" dirty="0"/>
           </a:p>
           <a:p>
             <a:pPr marL="0" indent="0">
@@ -4334,25 +4184,36 @@
           <a:lstStyle/>
           <a:p>
             <a:r>
-              <a:rPr lang="en-US" altLang="ko-KR" dirty="0"/>
-              <a:t>UI </a:t>
-            </a:r>
-            <a:r>
-              <a:rPr lang="ko-KR" altLang="en-US" dirty="0"/>
-              <a:t>자동화 예제 </a:t>
-            </a:r>
-            <a:r>
-              <a:rPr lang="en-US" altLang="ko-KR" dirty="0"/>
-              <a:t>(</a:t>
-            </a:r>
-            <a:r>
-              <a:rPr lang="ko-KR" altLang="en-US" dirty="0"/>
-              <a:t>상품등록</a:t>
-            </a:r>
-            <a:r>
-              <a:rPr lang="en-US" altLang="ko-KR" dirty="0"/>
-              <a:t>)</a:t>
-            </a:r>
+              <a:rPr lang="en-US" altLang="ko-KR" dirty="0">
+                <a:latin typeface="+mn-ea"/>
+              </a:rPr>
+              <a:t>UI</a:t>
+            </a:r>
+            <a:r>
+              <a:rPr lang="en-US" altLang="ko-KR" sz="2800" dirty="0">
+                <a:latin typeface="+mn-ea"/>
+              </a:rPr>
+              <a:t> </a:t>
+            </a:r>
+            <a:r>
+              <a:rPr lang="en-US" altLang="zh-CN" sz="2800" dirty="0">
+                <a:latin typeface="+mn-ea"/>
+              </a:rPr>
+              <a:t>Automation Test</a:t>
+            </a:r>
+            <a:r>
+              <a:rPr lang="ko-KR" altLang="en-US" sz="2800" dirty="0">
+                <a:latin typeface="+mn-ea"/>
+              </a:rPr>
+              <a:t> </a:t>
+            </a:r>
+            <a:r>
+              <a:rPr lang="en-US" altLang="ko-KR" sz="2800" dirty="0">
+                <a:latin typeface="+mn-ea"/>
+              </a:rPr>
+              <a:t>Example</a:t>
+            </a:r>
+            <a:endParaRPr lang="en-US" altLang="ko-KR" dirty="0"/>
           </a:p>
           <a:p>
             <a:pPr>
@@ -4360,24 +4221,28 @@
               <a:buChar char="-"/>
             </a:pPr>
             <a:r>
-              <a:rPr lang="en-US" altLang="ko-KR" sz="1200" b="1" dirty="0" smtClean="0">
-                <a:latin typeface="+mn-ea"/>
-              </a:rPr>
-              <a:t>UI </a:t>
-            </a:r>
-            <a:r>
-              <a:rPr lang="ko-KR" altLang="en-US" sz="1200" b="1" dirty="0" smtClean="0">
-                <a:latin typeface="+mn-ea"/>
-              </a:rPr>
-              <a:t>자동화 스크립트</a:t>
-            </a:r>
-            <a:r>
-              <a:rPr lang="en-US" altLang="ko-KR" sz="1200" b="1" dirty="0" smtClean="0">
-                <a:latin typeface="+mn-ea"/>
-              </a:rPr>
-              <a:t>(Testcase)</a:t>
-            </a:r>
-            <a:endParaRPr lang="en-US" altLang="ko-KR" sz="1200" b="1" dirty="0" smtClean="0">
+              <a:rPr lang="en-US" altLang="ko-KR" sz="1200" b="1" dirty="0">
+                <a:latin typeface="+mn-ea"/>
+              </a:rPr>
+              <a:t>UI Test Script (Testcase)</a:t>
+            </a:r>
+          </a:p>
+          <a:p>
+            <a:pPr marL="0" indent="0">
+              <a:buNone/>
+            </a:pPr>
+            <a:r>
+              <a:rPr lang="en-US" altLang="ko-KR" sz="1200" b="1" dirty="0">
+                <a:latin typeface="+mn-ea"/>
+              </a:rPr>
+              <a:t> </a:t>
+            </a:r>
+          </a:p>
+          <a:p>
+            <a:pPr marL="0" indent="0">
+              <a:buNone/>
+            </a:pPr>
+            <a:endParaRPr lang="en-US" altLang="ko-KR" sz="1200" b="1" dirty="0">
               <a:latin typeface="+mn-ea"/>
             </a:endParaRPr>
           </a:p>
@@ -4385,42 +4250,20 @@
             <a:pPr marL="0" indent="0">
               <a:buNone/>
             </a:pPr>
-            <a:r>
-              <a:rPr lang="en-US" altLang="ko-KR" sz="1200" b="1" dirty="0" smtClean="0">
-                <a:latin typeface="+mn-ea"/>
-              </a:rPr>
-              <a:t> </a:t>
-            </a:r>
-            <a:endParaRPr lang="en-US" altLang="ko-KR" sz="1200" b="1" dirty="0" smtClean="0">
-              <a:latin typeface="+mn-ea"/>
-            </a:endParaRPr>
+            <a:endParaRPr lang="en-US" altLang="ko-KR" sz="1200" b="1" dirty="0"/>
           </a:p>
           <a:p>
             <a:pPr marL="0" indent="0">
               <a:buNone/>
             </a:pPr>
-            <a:endParaRPr lang="en-US" altLang="ko-KR" sz="1200" b="1" dirty="0" smtClean="0">
-              <a:latin typeface="+mn-ea"/>
-            </a:endParaRPr>
-          </a:p>
-          <a:p>
-            <a:pPr marL="0" indent="0">
-              <a:buNone/>
-            </a:pPr>
-            <a:endParaRPr lang="en-US" altLang="ko-KR" sz="1200" b="1" dirty="0" smtClean="0"/>
-          </a:p>
-          <a:p>
-            <a:pPr marL="0" indent="0">
-              <a:buNone/>
-            </a:pPr>
-            <a:endParaRPr lang="en-US" altLang="ko-KR" sz="1200" b="1" dirty="0" smtClean="0"/>
+            <a:endParaRPr lang="en-US" altLang="ko-KR" sz="1200" b="1" dirty="0"/>
           </a:p>
           <a:p>
             <a:pPr>
               <a:buFontTx/>
               <a:buChar char="-"/>
             </a:pPr>
-            <a:endParaRPr lang="en-US" altLang="ko-KR" sz="1200" b="1" dirty="0" smtClean="0"/>
+            <a:endParaRPr lang="en-US" altLang="ko-KR" sz="1200" b="1" dirty="0"/>
           </a:p>
           <a:p>
             <a:pPr marL="0" indent="0">
@@ -4511,25 +4354,36 @@
           <a:lstStyle/>
           <a:p>
             <a:r>
-              <a:rPr lang="en-US" altLang="ko-KR" dirty="0"/>
-              <a:t>UI </a:t>
-            </a:r>
-            <a:r>
-              <a:rPr lang="ko-KR" altLang="en-US" dirty="0"/>
-              <a:t>자동화 예제 </a:t>
-            </a:r>
-            <a:r>
-              <a:rPr lang="en-US" altLang="ko-KR" dirty="0"/>
-              <a:t>(</a:t>
-            </a:r>
-            <a:r>
-              <a:rPr lang="ko-KR" altLang="en-US" dirty="0"/>
-              <a:t>상품등록</a:t>
-            </a:r>
-            <a:r>
-              <a:rPr lang="en-US" altLang="ko-KR" dirty="0"/>
-              <a:t>)</a:t>
-            </a:r>
+              <a:rPr lang="en-US" altLang="ko-KR" dirty="0">
+                <a:latin typeface="+mn-ea"/>
+              </a:rPr>
+              <a:t>UI</a:t>
+            </a:r>
+            <a:r>
+              <a:rPr lang="en-US" altLang="ko-KR" sz="2800" dirty="0">
+                <a:latin typeface="+mn-ea"/>
+              </a:rPr>
+              <a:t> </a:t>
+            </a:r>
+            <a:r>
+              <a:rPr lang="en-US" altLang="zh-CN" sz="2800" dirty="0">
+                <a:latin typeface="+mn-ea"/>
+              </a:rPr>
+              <a:t>Automation Test</a:t>
+            </a:r>
+            <a:r>
+              <a:rPr lang="ko-KR" altLang="en-US" sz="2800" dirty="0">
+                <a:latin typeface="+mn-ea"/>
+              </a:rPr>
+              <a:t> </a:t>
+            </a:r>
+            <a:r>
+              <a:rPr lang="en-US" altLang="ko-KR" sz="2800" dirty="0">
+                <a:latin typeface="+mn-ea"/>
+              </a:rPr>
+              <a:t>Example</a:t>
+            </a:r>
+            <a:endParaRPr lang="en-US" altLang="ko-KR" dirty="0"/>
           </a:p>
           <a:p>
             <a:pPr>
@@ -4537,59 +4391,53 @@
               <a:buChar char="-"/>
             </a:pPr>
             <a:r>
-              <a:rPr lang="en-US" altLang="ko-KR" sz="1200" b="1" dirty="0" smtClean="0">
-                <a:latin typeface="+mn-ea"/>
-              </a:rPr>
-              <a:t>UI</a:t>
-            </a:r>
-            <a:r>
-              <a:rPr lang="en-US" altLang="ko-KR" sz="1200" b="1" dirty="0" smtClean="0">
+              <a:rPr lang="en-US" altLang="ko-KR" sz="1200" b="1" dirty="0">
+                <a:latin typeface="+mn-ea"/>
+              </a:rPr>
+              <a:t>UI Test </a:t>
+            </a:r>
+            <a:r>
+              <a:rPr lang="en-US" altLang="zh-CN" sz="1200" b="1" dirty="0">
+                <a:latin typeface="+mn-ea"/>
+              </a:rPr>
+              <a:t>Script </a:t>
+            </a:r>
+            <a:r>
+              <a:rPr lang="en-US" altLang="ko-KR" sz="1200" b="1" dirty="0">
+                <a:latin typeface="+mn-ea"/>
+              </a:rPr>
+              <a:t>(user keyword)</a:t>
+            </a:r>
+          </a:p>
+          <a:p>
+            <a:pPr marL="0" indent="0">
+              <a:buNone/>
+            </a:pPr>
+            <a:r>
+              <a:rPr lang="en-US" altLang="ko-KR" sz="1200" b="1" dirty="0">
                 <a:latin typeface="+mn-ea"/>
               </a:rPr>
               <a:t> </a:t>
             </a:r>
-            <a:r>
-              <a:rPr lang="ko-KR" altLang="en-US" sz="1200" b="1" dirty="0" smtClean="0">
-                <a:latin typeface="+mn-ea"/>
-              </a:rPr>
-              <a:t>자동화 스크립트</a:t>
-            </a:r>
-            <a:r>
-              <a:rPr lang="en-US" altLang="ko-KR" sz="1200" b="1" dirty="0" smtClean="0">
-                <a:latin typeface="+mn-ea"/>
-              </a:rPr>
-              <a:t>(user keyword)</a:t>
-            </a:r>
           </a:p>
           <a:p>
             <a:pPr marL="0" indent="0">
               <a:buNone/>
             </a:pPr>
-            <a:r>
-              <a:rPr lang="en-US" altLang="ko-KR" sz="1200" b="1" dirty="0" smtClean="0">
-                <a:latin typeface="+mn-ea"/>
-              </a:rPr>
-              <a:t> </a:t>
-            </a:r>
+            <a:endParaRPr lang="en-US" altLang="ko-KR" sz="1200" b="1" dirty="0"/>
           </a:p>
           <a:p>
             <a:pPr marL="0" indent="0">
               <a:buNone/>
             </a:pPr>
-            <a:endParaRPr lang="en-US" altLang="ko-KR" sz="1200" b="1" dirty="0" smtClean="0"/>
-          </a:p>
-          <a:p>
-            <a:pPr marL="0" indent="0">
-              <a:buNone/>
-            </a:pPr>
-            <a:endParaRPr lang="en-US" altLang="ko-KR" sz="1200" b="1" dirty="0" smtClean="0"/>
+            <a:endParaRPr lang="en-US" altLang="ko-KR" sz="1200" b="1" dirty="0"/>
           </a:p>
           <a:p>
             <a:pPr>
               <a:buFontTx/>
               <a:buChar char="-"/>
             </a:pPr>
-            <a:endParaRPr lang="en-US" altLang="ko-KR" sz="1200" b="1" dirty="0" smtClean="0"/>
+            <a:endParaRPr lang="en-US" altLang="ko-KR" sz="1200" b="1" dirty="0"/>
           </a:p>
           <a:p>
             <a:pPr marL="0" indent="0">
@@ -4730,22 +4578,22 @@
           <a:lstStyle/>
           <a:p>
             <a:r>
-              <a:rPr lang="en-US" altLang="ko-KR" sz="2800" dirty="0" smtClean="0">
-                <a:latin typeface="+mj-ea"/>
-              </a:rPr>
-              <a:t>Git</a:t>
-            </a:r>
-            <a:r>
-              <a:rPr lang="ko-KR" altLang="en-US" sz="2800" dirty="0" smtClean="0">
-                <a:latin typeface="+mj-ea"/>
-              </a:rPr>
-              <a:t>배포 프로세스 작성</a:t>
-            </a:r>
-            <a:r>
               <a:rPr lang="en-US" altLang="ko-KR" sz="2800" dirty="0">
                 <a:latin typeface="+mj-ea"/>
               </a:rPr>
-              <a:t/>
+              <a:t>Git</a:t>
+            </a:r>
+            <a:r>
+              <a:rPr lang="ko-KR" altLang="en-US" sz="2800" dirty="0">
+                <a:latin typeface="+mj-ea"/>
+              </a:rPr>
+              <a:t> </a:t>
+            </a:r>
+            <a:r>
+              <a:rPr lang="en-US" altLang="zh-CN" sz="2800" dirty="0">
+                <a:latin typeface="+mj-ea"/>
+              </a:rPr>
+              <a:t>Deploy Process 1</a:t>
             </a:r>
             <a:br>
               <a:rPr lang="en-US" altLang="ko-KR" sz="2800" dirty="0">
@@ -4753,28 +4601,16 @@
               </a:rPr>
             </a:br>
             <a:r>
-              <a:rPr lang="en-US" altLang="ko-KR" sz="2800" dirty="0" smtClean="0">
+              <a:rPr lang="en-US" altLang="ko-KR" sz="1200" b="1" dirty="0">
                 <a:latin typeface="+mj-ea"/>
               </a:rPr>
-              <a:t/>
+              <a:t>Hot-Fix Flow</a:t>
             </a:r>
             <a:br>
-              <a:rPr lang="en-US" altLang="ko-KR" sz="2800" dirty="0" smtClean="0">
+              <a:rPr lang="en-US" altLang="ko-KR" sz="2800" dirty="0">
                 <a:latin typeface="+mj-ea"/>
               </a:rPr>
             </a:br>
-            <a:r>
-              <a:rPr lang="ko-KR" altLang="en-US" sz="1200" b="1" dirty="0" smtClean="0">
-                <a:latin typeface="+mn-ea"/>
-              </a:rPr>
-              <a:t>기본 </a:t>
-            </a:r>
-            <a:r>
-              <a:rPr lang="en-US" altLang="ko-KR" sz="1200" b="1" dirty="0" smtClean="0">
-                <a:latin typeface="+mn-ea"/>
-              </a:rPr>
-              <a:t>Flow</a:t>
-            </a:r>
             <a:endParaRPr lang="ko-KR" altLang="en-US" sz="1200" dirty="0"/>
           </a:p>
         </p:txBody>
@@ -4887,75 +4723,33 @@
           <a:lstStyle/>
           <a:p>
             <a:r>
-              <a:rPr lang="en-US" altLang="ko-KR" sz="2800" dirty="0" smtClean="0">
-                <a:latin typeface="+mj-ea"/>
-              </a:rPr>
-              <a:t>Git</a:t>
-            </a:r>
-            <a:r>
-              <a:rPr lang="ko-KR" altLang="en-US" sz="2800" dirty="0" smtClean="0">
-                <a:latin typeface="+mj-ea"/>
-              </a:rPr>
-              <a:t>배포 프로세스 작성</a:t>
-            </a:r>
-            <a:r>
               <a:rPr lang="en-US" altLang="ko-KR" sz="2800" dirty="0">
                 <a:latin typeface="+mj-ea"/>
               </a:rPr>
-              <a:t/>
+              <a:t>Git</a:t>
+            </a:r>
+            <a:r>
+              <a:rPr lang="ko-KR" altLang="en-US" sz="2800" dirty="0">
+                <a:latin typeface="+mj-ea"/>
+              </a:rPr>
+              <a:t> </a:t>
+            </a:r>
+            <a:r>
+              <a:rPr lang="en-US" altLang="zh-CN" sz="2800" dirty="0">
+                <a:latin typeface="+mj-ea"/>
+              </a:rPr>
+              <a:t>Deploy Process 2</a:t>
             </a:r>
             <a:br>
               <a:rPr lang="en-US" altLang="ko-KR" sz="2800" dirty="0">
                 <a:latin typeface="+mj-ea"/>
               </a:rPr>
             </a:br>
-            <a:r>
-              <a:rPr lang="en-US" altLang="ko-KR" sz="2800" dirty="0" smtClean="0">
+            <a:br>
+              <a:rPr lang="en-US" altLang="ko-KR" sz="2800" dirty="0">
                 <a:latin typeface="+mj-ea"/>
               </a:rPr>
-              <a:t/>
-            </a:r>
-            <a:br>
-              <a:rPr lang="en-US" altLang="ko-KR" sz="2800" dirty="0" smtClean="0">
-                <a:latin typeface="+mj-ea"/>
-              </a:rPr>
             </a:br>
-            <a:r>
-              <a:rPr lang="ko-KR" altLang="en-US" sz="1200" b="1" dirty="0" smtClean="0">
-                <a:latin typeface="+mn-ea"/>
-              </a:rPr>
-              <a:t>통합 테스트서버</a:t>
-            </a:r>
-            <a:r>
-              <a:rPr lang="en-US" altLang="ko-KR" sz="1200" b="1" dirty="0" smtClean="0">
-                <a:latin typeface="+mn-ea"/>
-              </a:rPr>
-              <a:t>&amp;preproduct</a:t>
-            </a:r>
-            <a:r>
-              <a:rPr lang="ko-KR" altLang="en-US" sz="1200" b="1" dirty="0" smtClean="0">
-                <a:latin typeface="+mn-ea"/>
-              </a:rPr>
-              <a:t>서버 </a:t>
-            </a:r>
-            <a:r>
-              <a:rPr lang="en-US" altLang="ko-KR" sz="1200" b="1" dirty="0" smtClean="0">
-                <a:latin typeface="+mn-ea"/>
-              </a:rPr>
-              <a:t>QA</a:t>
-            </a:r>
-            <a:r>
-              <a:rPr lang="ko-KR" altLang="en-US" sz="1200" b="1" dirty="0" smtClean="0">
-                <a:latin typeface="+mn-ea"/>
-              </a:rPr>
-              <a:t>중 버그 발생 시 </a:t>
-            </a:r>
-            <a:r>
-              <a:rPr lang="en-US" altLang="ko-KR" sz="1200" b="1" dirty="0" smtClean="0">
-                <a:latin typeface="+mn-ea"/>
-              </a:rPr>
-              <a:t>Flow</a:t>
-            </a:r>
             <a:endParaRPr lang="ko-KR" altLang="en-US" sz="1200" dirty="0"/>
           </a:p>
         </p:txBody>
@@ -5066,40 +4860,28 @@
           <a:lstStyle/>
           <a:p>
             <a:r>
-              <a:rPr lang="en-US" altLang="ko-KR" sz="2800" dirty="0" smtClean="0">
-                <a:latin typeface="+mj-ea"/>
-              </a:rPr>
-              <a:t>Git</a:t>
-            </a:r>
-            <a:r>
-              <a:rPr lang="ko-KR" altLang="en-US" sz="2800" dirty="0" smtClean="0">
-                <a:latin typeface="+mj-ea"/>
-              </a:rPr>
-              <a:t>배포 프로세스 작성</a:t>
-            </a:r>
-            <a:r>
               <a:rPr lang="en-US" altLang="ko-KR" sz="2800" dirty="0">
                 <a:latin typeface="+mj-ea"/>
               </a:rPr>
-              <a:t/>
+              <a:t>Git</a:t>
+            </a:r>
+            <a:r>
+              <a:rPr lang="ko-KR" altLang="en-US" sz="2800" dirty="0">
+                <a:latin typeface="+mj-ea"/>
+              </a:rPr>
+              <a:t> </a:t>
+            </a:r>
+            <a:r>
+              <a:rPr lang="en-US" altLang="zh-CN" sz="2800" dirty="0">
+                <a:latin typeface="+mj-ea"/>
+              </a:rPr>
+              <a:t>Deploy Process 3</a:t>
             </a:r>
             <a:br>
               <a:rPr lang="en-US" altLang="ko-KR" sz="2800" dirty="0">
                 <a:latin typeface="+mj-ea"/>
               </a:rPr>
             </a:br>
-            <a:r>
-              <a:rPr lang="ko-KR" altLang="en-US" sz="1200" b="1" dirty="0" smtClean="0">
-                <a:latin typeface="+mj-ea"/>
-              </a:rPr>
-              <a:t>장기프로젝트가 있을 때 </a:t>
-            </a:r>
-            <a:r>
-              <a:rPr lang="en-US" altLang="ko-KR" sz="1200" b="1" dirty="0" smtClean="0">
-                <a:latin typeface="+mj-ea"/>
-              </a:rPr>
-              <a:t>Flow</a:t>
-            </a:r>
             <a:endParaRPr lang="ko-KR" altLang="en-US" sz="1200" b="1" dirty="0"/>
           </a:p>
         </p:txBody>
@@ -5209,10 +4991,16 @@
           <a:lstStyle/>
           <a:p>
             <a:r>
-              <a:rPr lang="ko-KR" altLang="en-US" dirty="0" smtClean="0"/>
-              <a:t>목차</a:t>
-            </a:r>
-            <a:endParaRPr lang="ko-KR" altLang="en-US" dirty="0"/>
+              <a:rPr lang="zh-CN" altLang="en-US" dirty="0">
+                <a:latin typeface="+mn-ea"/>
+                <a:ea typeface="+mn-ea"/>
+              </a:rPr>
+              <a:t>目录</a:t>
+            </a:r>
+            <a:endParaRPr lang="ko-KR" altLang="en-US" dirty="0">
+              <a:latin typeface="+mn-ea"/>
+              <a:ea typeface="+mn-ea"/>
+            </a:endParaRPr>
           </a:p>
         </p:txBody>
       </p:sp>
@@ -5234,19 +5022,25 @@
         </p:spPr>
         <p:txBody>
           <a:bodyPr>
-            <a:normAutofit fontScale="77500" lnSpcReduction="20000"/>
+            <a:normAutofit fontScale="92500" lnSpcReduction="20000"/>
           </a:bodyPr>
           <a:lstStyle/>
           <a:p>
             <a:r>
-              <a:rPr lang="en-US" altLang="ko-KR" sz="2000" dirty="0" smtClean="0"/>
+              <a:rPr lang="en-US" altLang="ko-KR" sz="2000" dirty="0">
+                <a:latin typeface="+mn-ea"/>
+              </a:rPr>
               <a:t>API </a:t>
             </a:r>
             <a:r>
-              <a:rPr lang="ko-KR" altLang="en-US" sz="2000" dirty="0" smtClean="0"/>
-              <a:t>단위테스트 예제</a:t>
-            </a:r>
-            <a:endParaRPr lang="en-US" altLang="ko-KR" sz="2000" dirty="0" smtClean="0"/>
+              <a:rPr lang="en-US" altLang="zh-CN" sz="2000" dirty="0">
+                <a:latin typeface="+mn-ea"/>
+              </a:rPr>
+              <a:t>Test Example</a:t>
+            </a:r>
+            <a:endParaRPr lang="en-US" altLang="ko-KR" sz="2000" dirty="0">
+              <a:latin typeface="+mn-ea"/>
+            </a:endParaRPr>
           </a:p>
           <a:p>
             <a:pPr>
@@ -5254,18 +5048,20 @@
               <a:buChar char="-"/>
             </a:pPr>
             <a:r>
-              <a:rPr lang="en-US" altLang="ko-KR" sz="1200" b="1" dirty="0" smtClean="0"/>
-              <a:t>API </a:t>
-            </a:r>
-            <a:r>
-              <a:rPr lang="ko-KR" altLang="en-US" sz="1200" b="1" dirty="0"/>
-              <a:t>스펙 확인 및 </a:t>
-            </a:r>
-            <a:r>
-              <a:rPr lang="ko-KR" altLang="en-US" sz="1200" b="1" dirty="0" smtClean="0"/>
-              <a:t>정리</a:t>
-            </a:r>
-            <a:endParaRPr lang="en-US" altLang="ko-KR" sz="1200" b="1" dirty="0" smtClean="0"/>
+              <a:rPr lang="en-US" altLang="ko-KR" sz="1200" b="1" dirty="0">
+                <a:latin typeface="+mn-ea"/>
+              </a:rPr>
+              <a:t>API Spec </a:t>
+            </a:r>
+            <a:r>
+              <a:rPr lang="zh-CN" altLang="en-US" sz="1200" b="1" dirty="0">
+                <a:latin typeface="+mn-ea"/>
+              </a:rPr>
+              <a:t>分析</a:t>
+            </a:r>
+            <a:endParaRPr lang="en-US" altLang="ko-KR" sz="1200" b="1" dirty="0">
+              <a:latin typeface="+mn-ea"/>
+            </a:endParaRPr>
           </a:p>
           <a:p>
             <a:pPr>
@@ -5278,15 +5074,6 @@
               </a:rPr>
               <a:t>API Testcase </a:t>
             </a:r>
-            <a:r>
-              <a:rPr lang="ko-KR" altLang="en-US" sz="1200" b="1" dirty="0" smtClean="0">
-                <a:latin typeface="+mn-ea"/>
-              </a:rPr>
-              <a:t>작성</a:t>
-            </a:r>
-            <a:endParaRPr lang="en-US" altLang="ko-KR" sz="1200" b="1" dirty="0" smtClean="0">
-              <a:latin typeface="+mn-ea"/>
-            </a:endParaRPr>
           </a:p>
           <a:p>
             <a:pPr>
@@ -5297,29 +5084,34 @@
               <a:rPr lang="en-US" altLang="ko-KR" sz="1200" b="1" dirty="0">
                 <a:latin typeface="+mn-ea"/>
               </a:rPr>
-              <a:t>API Test </a:t>
-            </a:r>
-            <a:r>
-              <a:rPr lang="en-US" altLang="ko-KR" sz="1200" b="1" dirty="0" smtClean="0">
-                <a:latin typeface="+mn-ea"/>
-              </a:rPr>
-              <a:t>Tool</a:t>
-            </a:r>
-          </a:p>
-          <a:p>
-            <a:r>
-              <a:rPr lang="en-US" altLang="ko-KR" sz="2000" dirty="0"/>
+              <a:t>API Test Tool</a:t>
+            </a:r>
+          </a:p>
+          <a:p>
+            <a:r>
+              <a:rPr lang="en-US" altLang="ko-KR" sz="2000" dirty="0">
+                <a:latin typeface="+mn-ea"/>
+              </a:rPr>
               <a:t>API </a:t>
             </a:r>
             <a:r>
-              <a:rPr lang="ko-KR" altLang="en-US" sz="2000" dirty="0"/>
-              <a:t>자동화 </a:t>
-            </a:r>
-            <a:r>
-              <a:rPr lang="ko-KR" altLang="en-US" sz="2000" dirty="0" smtClean="0"/>
-              <a:t>예제</a:t>
-            </a:r>
-            <a:endParaRPr lang="en-US" altLang="ko-KR" sz="2000" dirty="0" smtClean="0"/>
+              <a:rPr lang="en-US" altLang="zh-CN" sz="2000" dirty="0">
+                <a:latin typeface="+mn-ea"/>
+              </a:rPr>
+              <a:t>Automation Test</a:t>
+            </a:r>
+            <a:r>
+              <a:rPr lang="ko-KR" altLang="en-US" sz="2000" dirty="0">
+                <a:latin typeface="+mn-ea"/>
+              </a:rPr>
+              <a:t> </a:t>
+            </a:r>
+            <a:r>
+              <a:rPr lang="en-US" altLang="ko-KR" sz="2000" dirty="0">
+                <a:latin typeface="+mn-ea"/>
+              </a:rPr>
+              <a:t>Example</a:t>
+            </a:r>
           </a:p>
           <a:p>
             <a:pPr>
@@ -5327,22 +5119,10 @@
               <a:buChar char="-"/>
             </a:pPr>
             <a:r>
-              <a:rPr lang="en-US" altLang="ko-KR" sz="1200" b="1" dirty="0" smtClean="0">
-                <a:latin typeface="+mn-ea"/>
-              </a:rPr>
-              <a:t>API </a:t>
-            </a:r>
-            <a:r>
-              <a:rPr lang="ko-KR" altLang="en-US" sz="1200" b="1" dirty="0" smtClean="0">
-                <a:latin typeface="+mn-ea"/>
-              </a:rPr>
-              <a:t>자동화</a:t>
-            </a:r>
-            <a:r>
-              <a:rPr lang="en-US" altLang="ko-KR" sz="1200" b="1" dirty="0" smtClean="0">
-                <a:latin typeface="+mn-ea"/>
-              </a:rPr>
-              <a:t> Tool</a:t>
+              <a:rPr lang="en-US" altLang="ko-KR" sz="1200" b="1" dirty="0">
+                <a:latin typeface="+mn-ea"/>
+              </a:rPr>
+              <a:t>API Test Tool</a:t>
             </a:r>
           </a:p>
           <a:p>
@@ -5354,17 +5134,20 @@
               <a:rPr lang="en-US" altLang="ko-KR" sz="1200" b="1" dirty="0">
                 <a:latin typeface="+mn-ea"/>
               </a:rPr>
-              <a:t>API </a:t>
+              <a:t>API Test</a:t>
             </a:r>
             <a:r>
               <a:rPr lang="ko-KR" altLang="en-US" sz="1200" b="1" dirty="0">
                 <a:latin typeface="+mn-ea"/>
               </a:rPr>
-              <a:t>자동화 시나리오</a:t>
-            </a:r>
-            <a:endParaRPr lang="en-US" altLang="ko-KR" sz="1200" b="1" dirty="0">
-              <a:latin typeface="+mn-ea"/>
-            </a:endParaRPr>
+              <a:t> </a:t>
+            </a:r>
+            <a:r>
+              <a:rPr lang="en-US" altLang="ko-KR" sz="1200" b="1" dirty="0">
+                <a:latin typeface="+mn-ea"/>
+              </a:rPr>
+              <a:t>Scenario</a:t>
+            </a:r>
           </a:p>
           <a:p>
             <a:pPr>
@@ -5375,13 +5158,25 @@
               <a:rPr lang="en-US" altLang="ko-KR" sz="1200" b="1" dirty="0">
                 <a:latin typeface="+mn-ea"/>
               </a:rPr>
-              <a:t>API </a:t>
+              <a:t>API Test</a:t>
             </a:r>
             <a:r>
               <a:rPr lang="ko-KR" altLang="en-US" sz="1200" b="1" dirty="0">
                 <a:latin typeface="+mn-ea"/>
               </a:rPr>
-              <a:t>자동화 스크립트</a:t>
+              <a:t> </a:t>
+            </a:r>
+            <a:r>
+              <a:rPr lang="en-US" altLang="ko-KR" sz="1200" b="1" dirty="0">
+                <a:latin typeface="+mn-ea"/>
+              </a:rPr>
+              <a:t>Script</a:t>
+            </a:r>
+            <a:r>
+              <a:rPr lang="ko-KR" altLang="en-US" sz="1200" b="1" dirty="0">
+                <a:latin typeface="+mn-ea"/>
+              </a:rPr>
+              <a:t> </a:t>
             </a:r>
             <a:r>
               <a:rPr lang="en-US" altLang="ko-KR" sz="1200" b="1" dirty="0">
@@ -5399,23 +5194,20 @@
               <a:rPr lang="en-US" altLang="ko-KR" sz="1200" b="1" dirty="0">
                 <a:latin typeface="+mn-ea"/>
               </a:rPr>
-              <a:t>API </a:t>
+              <a:t>API Test</a:t>
             </a:r>
             <a:r>
               <a:rPr lang="ko-KR" altLang="en-US" sz="1200" b="1" dirty="0">
                 <a:latin typeface="+mn-ea"/>
               </a:rPr>
-              <a:t>자동화 스크립트</a:t>
-            </a:r>
-            <a:r>
-              <a:rPr lang="en-US" altLang="ko-KR" sz="1200" b="1" dirty="0" smtClean="0">
-                <a:latin typeface="+mn-ea"/>
-              </a:rPr>
-              <a:t>(Testcase)</a:t>
-            </a:r>
-            <a:endParaRPr lang="en-US" altLang="ko-KR" sz="1200" b="1" dirty="0">
-              <a:latin typeface="+mn-ea"/>
-            </a:endParaRPr>
+              <a:t> </a:t>
+            </a:r>
+            <a:r>
+              <a:rPr lang="en-US" altLang="ko-KR" sz="1200" b="1" dirty="0">
+                <a:latin typeface="+mn-ea"/>
+              </a:rPr>
+              <a:t>Script (Testcase)</a:t>
+            </a:r>
           </a:p>
           <a:p>
             <a:pPr>
@@ -5426,19 +5218,19 @@
               <a:rPr lang="en-US" altLang="ko-KR" sz="1200" b="1" dirty="0">
                 <a:latin typeface="+mn-ea"/>
               </a:rPr>
-              <a:t>API </a:t>
+              <a:t>API Test</a:t>
             </a:r>
             <a:r>
               <a:rPr lang="ko-KR" altLang="en-US" sz="1200" b="1" dirty="0">
                 <a:latin typeface="+mn-ea"/>
               </a:rPr>
-              <a:t>자동화 스크립트</a:t>
-            </a:r>
-            <a:r>
-              <a:rPr lang="en-US" altLang="ko-KR" sz="1200" b="1" dirty="0" smtClean="0">
-                <a:latin typeface="+mn-ea"/>
-              </a:rPr>
-              <a:t>(user keyword)</a:t>
+              <a:t> </a:t>
+            </a:r>
+            <a:r>
+              <a:rPr lang="en-US" altLang="ko-KR" sz="1200" b="1" dirty="0">
+                <a:latin typeface="+mn-ea"/>
+              </a:rPr>
+              <a:t>Script (user keyword)</a:t>
             </a:r>
           </a:p>
           <a:p>
@@ -5447,51 +5239,40 @@
               <a:buChar char="-"/>
             </a:pPr>
             <a:r>
-              <a:rPr lang="en-US" altLang="ko-KR" sz="1200" b="1" dirty="0" smtClean="0">
-                <a:latin typeface="+mn-ea"/>
-              </a:rPr>
-              <a:t>CI </a:t>
-            </a:r>
-            <a:r>
-              <a:rPr lang="ko-KR" altLang="en-US" sz="1200" b="1" dirty="0" smtClean="0">
-                <a:latin typeface="+mn-ea"/>
-              </a:rPr>
-              <a:t>연동</a:t>
-            </a:r>
-            <a:r>
-              <a:rPr lang="en-US" altLang="ko-KR" sz="1200" b="1" dirty="0" smtClean="0">
-                <a:latin typeface="+mn-ea"/>
-              </a:rPr>
-              <a:t>(Jenkins</a:t>
-            </a:r>
-            <a:r>
-              <a:rPr lang="en-US" altLang="ko-KR" sz="1200" b="1" dirty="0" smtClean="0">
-                <a:latin typeface="+mn-ea"/>
-              </a:rPr>
-              <a:t>)</a:t>
-            </a:r>
-          </a:p>
-          <a:p>
-            <a:r>
-              <a:rPr lang="en-US" altLang="ko-KR" sz="2100" dirty="0"/>
+              <a:rPr lang="en-US" altLang="ko-KR" sz="1200" b="1" dirty="0">
+                <a:latin typeface="+mn-ea"/>
+              </a:rPr>
+              <a:t>CI (Jenkins)</a:t>
+            </a:r>
+          </a:p>
+          <a:p>
+            <a:r>
+              <a:rPr lang="en-US" altLang="ko-KR" sz="2100" dirty="0">
+                <a:latin typeface="+mn-ea"/>
+              </a:rPr>
               <a:t>UI </a:t>
             </a:r>
             <a:r>
-              <a:rPr lang="ko-KR" altLang="en-US" sz="2100" dirty="0"/>
-              <a:t>자동화 예제 </a:t>
-            </a:r>
-            <a:r>
-              <a:rPr lang="en-US" altLang="ko-KR" sz="2100" dirty="0"/>
-              <a:t>(</a:t>
-            </a:r>
-            <a:r>
-              <a:rPr lang="ko-KR" altLang="en-US" sz="2100" dirty="0"/>
-              <a:t>상품등록</a:t>
-            </a:r>
-            <a:r>
-              <a:rPr lang="en-US" altLang="ko-KR" sz="2100" dirty="0"/>
-              <a:t>)</a:t>
-            </a:r>
+              <a:rPr lang="en-US" altLang="zh-CN" sz="2400" dirty="0">
+                <a:latin typeface="+mn-ea"/>
+              </a:rPr>
+              <a:t>Automation Test</a:t>
+            </a:r>
+            <a:r>
+              <a:rPr lang="ko-KR" altLang="en-US" sz="2400" dirty="0">
+                <a:latin typeface="+mn-ea"/>
+              </a:rPr>
+              <a:t> </a:t>
+            </a:r>
+            <a:r>
+              <a:rPr lang="en-US" altLang="ko-KR" sz="2400" dirty="0">
+                <a:latin typeface="+mn-ea"/>
+              </a:rPr>
+              <a:t>Example</a:t>
+            </a:r>
+            <a:endParaRPr lang="en-US" altLang="ko-KR" sz="2100" dirty="0">
+              <a:latin typeface="+mn-ea"/>
+            </a:endParaRPr>
           </a:p>
           <a:p>
             <a:pPr>
@@ -5499,16 +5280,16 @@
               <a:buChar char="-"/>
             </a:pPr>
             <a:r>
-              <a:rPr lang="en-US" altLang="ko-KR" sz="1200" b="1" dirty="0" smtClean="0">
+              <a:rPr lang="en-US" altLang="ko-KR" sz="1200" b="1" dirty="0">
                 <a:latin typeface="+mn-ea"/>
               </a:rPr>
               <a:t>UI </a:t>
             </a:r>
             <a:r>
-              <a:rPr lang="ko-KR" altLang="en-US" sz="1200" b="1" dirty="0">
-                <a:latin typeface="+mn-ea"/>
-              </a:rPr>
-              <a:t>자동화</a:t>
+              <a:rPr lang="en-US" altLang="zh-CN" sz="1200" b="1" dirty="0">
+                <a:latin typeface="+mn-ea"/>
+              </a:rPr>
+              <a:t>Automation Test</a:t>
             </a:r>
             <a:r>
               <a:rPr lang="en-US" altLang="ko-KR" sz="1200" b="1" dirty="0">
@@ -5523,20 +5304,29 @@
               <a:buChar char="-"/>
             </a:pPr>
             <a:r>
-              <a:rPr lang="en-US" altLang="ko-KR" sz="1200" b="1" dirty="0" smtClean="0">
+              <a:rPr lang="en-US" altLang="ko-KR" sz="1200" b="1" dirty="0">
                 <a:latin typeface="+mn-ea"/>
               </a:rPr>
               <a:t>UI </a:t>
             </a:r>
             <a:r>
+              <a:rPr lang="en-US" altLang="zh-CN" sz="1200" b="1" dirty="0">
+                <a:latin typeface="+mn-ea"/>
+              </a:rPr>
+              <a:t>Automation Test</a:t>
+            </a:r>
+            <a:r>
               <a:rPr lang="ko-KR" altLang="en-US" sz="1200" b="1" dirty="0">
                 <a:latin typeface="+mn-ea"/>
               </a:rPr>
-              <a:t>자동화 시나리오</a:t>
-            </a:r>
-            <a:endParaRPr lang="en-US" altLang="ko-KR" sz="1200" b="1" dirty="0">
-              <a:latin typeface="+mn-ea"/>
-            </a:endParaRPr>
+              <a:t> </a:t>
+            </a:r>
+            <a:r>
+              <a:rPr lang="en-US" altLang="ko-KR" sz="1200" b="1" dirty="0">
+                <a:latin typeface="+mn-ea"/>
+              </a:rPr>
+              <a:t>Scenario</a:t>
+            </a:r>
           </a:p>
           <a:p>
             <a:pPr>
@@ -5544,38 +5334,29 @@
               <a:buChar char="-"/>
             </a:pPr>
             <a:r>
-              <a:rPr lang="en-US" altLang="ko-KR" sz="1200" b="1" dirty="0" smtClean="0">
+              <a:rPr lang="en-US" altLang="ko-KR" sz="1200" b="1" dirty="0">
                 <a:latin typeface="+mn-ea"/>
               </a:rPr>
               <a:t>UI </a:t>
             </a:r>
             <a:r>
+              <a:rPr lang="en-US" altLang="zh-CN" sz="1200" b="1" dirty="0">
+                <a:latin typeface="+mn-ea"/>
+              </a:rPr>
+              <a:t>Automation Test</a:t>
+            </a:r>
+            <a:r>
               <a:rPr lang="ko-KR" altLang="en-US" sz="1200" b="1" dirty="0">
                 <a:latin typeface="+mn-ea"/>
               </a:rPr>
-              <a:t>자동화 스크립트</a:t>
-            </a:r>
-            <a:r>
-              <a:rPr lang="en-US" altLang="ko-KR" sz="1200" b="1" dirty="0" smtClean="0">
-                <a:latin typeface="+mn-ea"/>
-              </a:rPr>
-              <a:t>(</a:t>
+              <a:t> </a:t>
             </a:r>
             <a:r>
               <a:rPr lang="en-US" altLang="ko-KR" sz="1200" b="1" dirty="0">
                 <a:latin typeface="+mn-ea"/>
               </a:rPr>
-              <a:t>Testcase</a:t>
-            </a:r>
-            <a:r>
-              <a:rPr lang="en-US" altLang="ko-KR" sz="1200" b="1" dirty="0" smtClean="0">
-                <a:latin typeface="+mn-ea"/>
-              </a:rPr>
-              <a:t>)</a:t>
-            </a:r>
-            <a:endParaRPr lang="en-US" altLang="ko-KR" sz="1200" b="1" dirty="0">
-              <a:latin typeface="+mn-ea"/>
-            </a:endParaRPr>
+              <a:t>Script(Testcase)</a:t>
+            </a:r>
           </a:p>
           <a:p>
             <a:pPr>
@@ -5583,43 +5364,37 @@
               <a:buChar char="-"/>
             </a:pPr>
             <a:r>
-              <a:rPr lang="en-US" altLang="ko-KR" sz="1200" b="1" dirty="0" smtClean="0">
+              <a:rPr lang="en-US" altLang="ko-KR" sz="1200" b="1" dirty="0">
                 <a:latin typeface="+mn-ea"/>
               </a:rPr>
               <a:t>UI </a:t>
             </a:r>
             <a:r>
+              <a:rPr lang="en-US" altLang="zh-CN" sz="1200" b="1" dirty="0">
+                <a:latin typeface="+mn-ea"/>
+              </a:rPr>
+              <a:t>Automation Test</a:t>
+            </a:r>
+            <a:r>
               <a:rPr lang="ko-KR" altLang="en-US" sz="1200" b="1" dirty="0">
                 <a:latin typeface="+mn-ea"/>
               </a:rPr>
-              <a:t>자동화 스크립트</a:t>
-            </a:r>
-            <a:r>
-              <a:rPr lang="en-US" altLang="ko-KR" sz="1200" b="1" dirty="0" smtClean="0">
-                <a:latin typeface="+mn-ea"/>
-              </a:rPr>
-              <a:t>(UserKeyword)</a:t>
-            </a:r>
-            <a:endParaRPr lang="en-US" altLang="ko-KR" sz="1200" b="1" dirty="0">
-              <a:latin typeface="+mn-ea"/>
-            </a:endParaRPr>
-          </a:p>
-          <a:p>
-            <a:r>
-              <a:rPr lang="en-US" altLang="ko-KR" sz="2000" dirty="0" smtClean="0">
-                <a:latin typeface="+mn-ea"/>
-              </a:rPr>
-              <a:t>Git </a:t>
-            </a:r>
-            <a:r>
-              <a:rPr lang="ko-KR" altLang="en-US" sz="2000" dirty="0" smtClean="0">
-                <a:latin typeface="+mn-ea"/>
-              </a:rPr>
-              <a:t>배포 프로세스 작성</a:t>
-            </a:r>
-            <a:endParaRPr lang="en-US" altLang="ko-KR" sz="2000" dirty="0" smtClean="0">
-              <a:latin typeface="+mn-ea"/>
-            </a:endParaRPr>
+              <a:t> </a:t>
+            </a:r>
+            <a:r>
+              <a:rPr lang="en-US" altLang="ko-KR" sz="1200" b="1" dirty="0">
+                <a:latin typeface="+mn-ea"/>
+              </a:rPr>
+              <a:t>Script(UserKeyword)</a:t>
+            </a:r>
+          </a:p>
+          <a:p>
+            <a:r>
+              <a:rPr lang="en-US" altLang="ko-KR" sz="2000" dirty="0">
+                <a:latin typeface="+mn-ea"/>
+              </a:rPr>
+              <a:t>Git Deploy Process</a:t>
+            </a:r>
           </a:p>
           <a:p>
             <a:pPr>
@@ -5627,123 +5402,70 @@
               <a:buChar char="-"/>
             </a:pPr>
             <a:r>
-              <a:rPr lang="ko-KR" altLang="en-US" sz="1200" b="1" dirty="0" smtClean="0">
-                <a:latin typeface="+mn-ea"/>
-              </a:rPr>
-              <a:t>기본 </a:t>
-            </a:r>
-            <a:r>
-              <a:rPr lang="en-US" altLang="ko-KR" sz="1200" b="1" dirty="0" smtClean="0">
+              <a:rPr lang="zh-CN" altLang="en-US" sz="1200" b="1" dirty="0">
+                <a:latin typeface="+mn-ea"/>
+              </a:rPr>
+              <a:t>基本</a:t>
+            </a:r>
+            <a:r>
+              <a:rPr lang="ko-KR" altLang="en-US" sz="1200" b="1" dirty="0">
+                <a:latin typeface="+mn-ea"/>
+              </a:rPr>
+              <a:t> </a:t>
+            </a:r>
+            <a:r>
+              <a:rPr lang="en-US" altLang="ko-KR" sz="1200" b="1" dirty="0">
                 <a:latin typeface="+mn-ea"/>
               </a:rPr>
               <a:t>Flow</a:t>
             </a:r>
+            <a:r>
+              <a:rPr lang="zh-CN" altLang="en-US" sz="1200" b="1" dirty="0">
+                <a:latin typeface="+mn-ea"/>
+              </a:rPr>
+              <a:t>，</a:t>
+            </a:r>
+            <a:r>
+              <a:rPr lang="en-US" altLang="ko-KR" sz="1200" b="1" dirty="0">
+                <a:latin typeface="+mn-ea"/>
+              </a:rPr>
+              <a:t>Hot-Fix Flow </a:t>
+            </a:r>
+            <a:r>
+              <a:rPr lang="zh-CN" altLang="en-US" sz="1200" b="1" dirty="0">
+                <a:latin typeface="+mn-ea"/>
+              </a:rPr>
+              <a:t>等各种场景下的流程</a:t>
+            </a:r>
+            <a:endParaRPr lang="en-US" altLang="ko-KR" sz="1200" dirty="0">
+              <a:latin typeface="+mn-ea"/>
+            </a:endParaRPr>
           </a:p>
           <a:p>
             <a:pPr>
               <a:buFontTx/>
               <a:buChar char="-"/>
             </a:pPr>
-            <a:r>
-              <a:rPr lang="ko-KR" altLang="en-US" sz="1200" b="1" dirty="0">
-                <a:latin typeface="+mn-ea"/>
-              </a:rPr>
-              <a:t>통합 테스트서버</a:t>
-            </a:r>
-            <a:r>
-              <a:rPr lang="en-US" altLang="ko-KR" sz="1200" b="1" dirty="0">
-                <a:latin typeface="+mn-ea"/>
-              </a:rPr>
-              <a:t>&amp;preproduct</a:t>
-            </a:r>
-            <a:r>
-              <a:rPr lang="ko-KR" altLang="en-US" sz="1200" b="1" dirty="0">
-                <a:latin typeface="+mn-ea"/>
-              </a:rPr>
-              <a:t>서버 </a:t>
-            </a:r>
-            <a:r>
-              <a:rPr lang="en-US" altLang="ko-KR" sz="1200" b="1" dirty="0">
-                <a:latin typeface="+mn-ea"/>
-              </a:rPr>
-              <a:t>QA</a:t>
-            </a:r>
-            <a:r>
-              <a:rPr lang="ko-KR" altLang="en-US" sz="1200" b="1" dirty="0">
-                <a:latin typeface="+mn-ea"/>
-              </a:rPr>
-              <a:t>중 버그 발생 시 </a:t>
-            </a:r>
-            <a:r>
-              <a:rPr lang="en-US" altLang="ko-KR" sz="1200" b="1" dirty="0" smtClean="0">
-                <a:latin typeface="+mn-ea"/>
-              </a:rPr>
-              <a:t>Flow</a:t>
-            </a:r>
+            <a:endParaRPr lang="en-US" altLang="ko-KR" b="1" dirty="0">
+              <a:latin typeface="+mn-ea"/>
+            </a:endParaRPr>
           </a:p>
           <a:p>
             <a:pPr>
               <a:buFontTx/>
               <a:buChar char="-"/>
             </a:pPr>
-            <a:r>
-              <a:rPr lang="ko-KR" altLang="en-US" sz="1200" b="1" dirty="0">
-                <a:latin typeface="+mj-ea"/>
-              </a:rPr>
-              <a:t>장기프로젝트가 있을 때 </a:t>
-            </a:r>
-            <a:r>
-              <a:rPr lang="en-US" altLang="ko-KR" sz="1200" b="1" dirty="0" smtClean="0">
-                <a:latin typeface="+mj-ea"/>
-              </a:rPr>
-              <a:t>Flow</a:t>
-            </a:r>
-          </a:p>
-          <a:p>
-            <a:pPr>
-              <a:buFontTx/>
-              <a:buChar char="-"/>
-            </a:pPr>
-            <a:r>
-              <a:rPr lang="en-US" altLang="ko-KR" sz="1200" b="1" dirty="0" smtClean="0">
-                <a:latin typeface="+mj-ea"/>
-              </a:rPr>
-              <a:t>Hot-Fix Flow</a:t>
-            </a:r>
-            <a:endParaRPr lang="en-US" altLang="ko-KR" sz="1200" b="1" dirty="0" smtClean="0">
-              <a:latin typeface="+mn-ea"/>
-            </a:endParaRPr>
-          </a:p>
-          <a:p>
-            <a:pPr>
-              <a:buFontTx/>
-              <a:buChar char="-"/>
-            </a:pPr>
-            <a:endParaRPr lang="en-US" altLang="ko-KR" sz="1200" dirty="0">
-              <a:latin typeface="+mn-ea"/>
-            </a:endParaRPr>
-          </a:p>
-          <a:p>
-            <a:pPr>
-              <a:buFontTx/>
-              <a:buChar char="-"/>
-            </a:pPr>
             <a:endParaRPr lang="en-US" altLang="ko-KR" b="1" dirty="0">
               <a:latin typeface="+mn-ea"/>
             </a:endParaRPr>
           </a:p>
           <a:p>
-            <a:pPr>
-              <a:buFontTx/>
-              <a:buChar char="-"/>
-            </a:pPr>
-            <a:endParaRPr lang="en-US" altLang="ko-KR" b="1" dirty="0"/>
-          </a:p>
-          <a:p>
             <a:pPr marL="0" indent="0">
               <a:buNone/>
             </a:pPr>
-            <a:endParaRPr lang="ko-KR" altLang="en-US" dirty="0"/>
+            <a:endParaRPr lang="ko-KR" altLang="en-US" dirty="0">
+              <a:latin typeface="+mn-ea"/>
+            </a:endParaRPr>
           </a:p>
         </p:txBody>
       </p:sp>
@@ -5800,41 +5522,35 @@
           <a:lstStyle/>
           <a:p>
             <a:r>
-              <a:rPr lang="en-US" altLang="ko-KR" sz="2800" dirty="0" smtClean="0">
-                <a:latin typeface="+mj-ea"/>
-              </a:rPr>
-              <a:t>Git</a:t>
-            </a:r>
-            <a:r>
-              <a:rPr lang="ko-KR" altLang="en-US" sz="2800" dirty="0" smtClean="0">
-                <a:latin typeface="+mj-ea"/>
-              </a:rPr>
-              <a:t>배포 프로세스 작성</a:t>
-            </a:r>
-            <a:r>
-              <a:rPr lang="en-US" altLang="ko-KR" sz="2800" dirty="0" smtClean="0">
-                <a:latin typeface="+mj-ea"/>
-              </a:rPr>
-              <a:t/>
-            </a:r>
-            <a:br>
-              <a:rPr lang="en-US" altLang="ko-KR" sz="2800" dirty="0" smtClean="0">
-                <a:latin typeface="+mj-ea"/>
-              </a:rPr>
-            </a:br>
-            <a:r>
               <a:rPr lang="en-US" altLang="ko-KR" sz="2800" dirty="0">
                 <a:latin typeface="+mj-ea"/>
               </a:rPr>
-              <a:t/>
+              <a:t>Git</a:t>
+            </a:r>
+            <a:r>
+              <a:rPr lang="ko-KR" altLang="en-US" sz="2800" dirty="0">
+                <a:latin typeface="+mj-ea"/>
+              </a:rPr>
+              <a:t> </a:t>
+            </a:r>
+            <a:r>
+              <a:rPr lang="en-US" altLang="zh-CN" sz="2800" dirty="0">
+                <a:latin typeface="+mj-ea"/>
+              </a:rPr>
+              <a:t>Deploy Process 4</a:t>
             </a:r>
             <a:br>
               <a:rPr lang="en-US" altLang="ko-KR" sz="2800" dirty="0">
                 <a:latin typeface="+mj-ea"/>
               </a:rPr>
             </a:br>
-            <a:r>
-              <a:rPr lang="en-US" altLang="ko-KR" sz="1200" b="1" dirty="0" smtClean="0">
+            <a:br>
+              <a:rPr lang="en-US" altLang="ko-KR" sz="2800" dirty="0">
+                <a:latin typeface="+mj-ea"/>
+              </a:rPr>
+            </a:br>
+            <a:r>
+              <a:rPr lang="en-US" altLang="ko-KR" sz="1200" b="1" dirty="0">
                 <a:latin typeface="+mj-ea"/>
               </a:rPr>
               <a:t>Hot-Fix Flow</a:t>
@@ -5950,91 +5666,73 @@
           <a:lstStyle/>
           <a:p>
             <a:r>
-              <a:rPr lang="en-US" altLang="ko-KR" sz="1200" b="1" dirty="0" smtClean="0">
+              <a:rPr lang="en-US" altLang="ko-KR" sz="1200" b="1" dirty="0">
                 <a:latin typeface="+mn-ea"/>
                 <a:ea typeface="+mn-ea"/>
               </a:rPr>
               <a:t>* </a:t>
             </a:r>
             <a:r>
-              <a:rPr lang="ko-KR" altLang="en-US" sz="1200" b="1" dirty="0" smtClean="0">
+              <a:rPr lang="ko-KR" altLang="en-US" sz="1200" b="1" dirty="0">
                 <a:latin typeface="+mn-ea"/>
                 <a:ea typeface="+mn-ea"/>
               </a:rPr>
               <a:t>예시로 </a:t>
             </a:r>
             <a:r>
-              <a:rPr lang="en-US" altLang="ko-KR" sz="1200" b="1" dirty="0" smtClean="0">
+              <a:rPr lang="en-US" altLang="ko-KR" sz="1200" b="1" dirty="0">
                 <a:latin typeface="+mn-ea"/>
                 <a:ea typeface="+mn-ea"/>
               </a:rPr>
               <a:t>response data </a:t>
             </a:r>
             <a:r>
-              <a:rPr lang="ko-KR" altLang="en-US" sz="1200" b="1" dirty="0" smtClean="0">
+              <a:rPr lang="ko-KR" altLang="en-US" sz="1200" b="1" dirty="0">
                 <a:latin typeface="+mn-ea"/>
                 <a:ea typeface="+mn-ea"/>
               </a:rPr>
               <a:t>중 일부만 정리</a:t>
             </a:r>
-            <a:r>
-              <a:rPr lang="en-US" altLang="ko-KR" sz="1200" b="1" dirty="0" smtClean="0">
+            <a:br>
+              <a:rPr lang="en-US" altLang="ko-KR" sz="1200" b="1" dirty="0">
                 <a:latin typeface="+mn-ea"/>
                 <a:ea typeface="+mn-ea"/>
               </a:rPr>
-              <a:t/>
-            </a:r>
+            </a:br>
             <a:br>
-              <a:rPr lang="en-US" altLang="ko-KR" sz="1200" b="1" dirty="0" smtClean="0">
+              <a:rPr lang="en-US" altLang="ko-KR" sz="1200" b="1" dirty="0">
                 <a:latin typeface="+mn-ea"/>
                 <a:ea typeface="+mn-ea"/>
               </a:rPr>
             </a:br>
             <a:r>
-              <a:rPr lang="en-US" altLang="ko-KR" sz="1200" b="1" dirty="0" smtClean="0">
+              <a:rPr lang="en-US" altLang="ko-KR" sz="1200" b="1" dirty="0">
                 <a:latin typeface="+mn-ea"/>
                 <a:ea typeface="+mn-ea"/>
               </a:rPr>
-              <a:t/>
-            </a:r>
-            <a:br>
-              <a:rPr lang="en-US" altLang="ko-KR" sz="1200" b="1" dirty="0" smtClean="0">
+              <a:t>1. </a:t>
+            </a:r>
+            <a:r>
+              <a:rPr lang="ko-KR" altLang="en-US" sz="1200" b="1" dirty="0">
                 <a:latin typeface="+mn-ea"/>
                 <a:ea typeface="+mn-ea"/>
               </a:rPr>
-            </a:br>
-            <a:r>
-              <a:rPr lang="en-US" altLang="ko-KR" sz="1200" b="1" dirty="0" smtClean="0">
+              <a:t>좌측 예시와 같이 </a:t>
+            </a:r>
+            <a:r>
+              <a:rPr lang="en-US" altLang="ko-KR" sz="1200" b="1" dirty="0">
                 <a:latin typeface="+mn-ea"/>
                 <a:ea typeface="+mn-ea"/>
               </a:rPr>
-              <a:t>1. </a:t>
-            </a:r>
-            <a:r>
-              <a:rPr lang="ko-KR" altLang="en-US" sz="1200" b="1" dirty="0" smtClean="0">
+              <a:t>API </a:t>
+            </a:r>
+            <a:r>
+              <a:rPr lang="ko-KR" altLang="en-US" sz="1200" b="1" dirty="0">
                 <a:latin typeface="+mn-ea"/>
                 <a:ea typeface="+mn-ea"/>
               </a:rPr>
-              <a:t>좌측 예시와 같이 </a:t>
-            </a:r>
-            <a:r>
-              <a:rPr lang="en-US" altLang="ko-KR" sz="1200" b="1" dirty="0" smtClean="0">
-                <a:latin typeface="+mn-ea"/>
-                <a:ea typeface="+mn-ea"/>
-              </a:rPr>
-              <a:t>API </a:t>
-            </a:r>
-            <a:r>
-              <a:rPr lang="ko-KR" altLang="en-US" sz="1200" b="1" dirty="0" smtClean="0">
-                <a:latin typeface="+mn-ea"/>
-                <a:ea typeface="+mn-ea"/>
-              </a:rPr>
               <a:t>스펙에 대해 정리</a:t>
             </a:r>
-            <a:endParaRPr lang="ko-KR" altLang="en-US" sz="1200" b="1" dirty="0">
-              <a:latin typeface="+mn-ea"/>
-              <a:ea typeface="+mn-ea"/>
-            </a:endParaRPr>
           </a:p>
         </p:txBody>
       </p:sp>
@@ -6059,24 +5757,20 @@
           <a:lstStyle/>
           <a:p>
             <a:r>
-              <a:rPr lang="en-US" altLang="ko-KR" dirty="0" smtClean="0"/>
+              <a:rPr lang="en-US" altLang="ko-KR" sz="2800" dirty="0">
+                <a:latin typeface="+mn-ea"/>
+              </a:rPr>
               <a:t>API </a:t>
             </a:r>
             <a:r>
-              <a:rPr lang="ko-KR" altLang="en-US" dirty="0" smtClean="0"/>
-              <a:t>단위테스트 예제 </a:t>
-            </a:r>
-            <a:r>
-              <a:rPr lang="en-US" altLang="ko-KR" dirty="0" smtClean="0"/>
-              <a:t>(</a:t>
-            </a:r>
-            <a:r>
-              <a:rPr lang="ko-KR" altLang="en-US" dirty="0" smtClean="0"/>
-              <a:t>배너</a:t>
-            </a:r>
-            <a:r>
-              <a:rPr lang="en-US" altLang="ko-KR" dirty="0" smtClean="0"/>
-              <a:t>)</a:t>
+              <a:rPr lang="en-US" altLang="zh-CN" sz="2800" dirty="0">
+                <a:latin typeface="+mn-ea"/>
+              </a:rPr>
+              <a:t>Test Example</a:t>
+            </a:r>
+            <a:r>
+              <a:rPr lang="en-US" altLang="ko-KR" dirty="0"/>
+              <a:t> </a:t>
             </a:r>
           </a:p>
           <a:p>
@@ -6085,31 +5779,17 @@
               <a:buChar char="-"/>
             </a:pPr>
             <a:r>
-              <a:rPr lang="en-US" altLang="ko-KR" sz="1200" b="1" dirty="0" smtClean="0"/>
-              <a:t>API </a:t>
-            </a:r>
-            <a:r>
-              <a:rPr lang="ko-KR" altLang="en-US" sz="1200" b="1" dirty="0" smtClean="0"/>
-              <a:t>스펙 확인 및 정리</a:t>
-            </a:r>
-            <a:endParaRPr lang="en-US" altLang="ko-KR" sz="1200" b="1" dirty="0"/>
-          </a:p>
-          <a:p>
-            <a:pPr>
-              <a:buFontTx/>
-              <a:buChar char="-"/>
-            </a:pPr>
-            <a:endParaRPr lang="en-US" altLang="ko-KR" sz="1200" b="1" dirty="0" smtClean="0">
-              <a:solidFill>
-                <a:schemeClr val="bg1"/>
-              </a:solidFill>
-            </a:endParaRPr>
-          </a:p>
-          <a:p>
-            <a:pPr>
-              <a:buFontTx/>
-              <a:buChar char="-"/>
-            </a:pPr>
+              <a:rPr lang="en-US" altLang="ko-KR" sz="1200" b="1" dirty="0">
+                <a:latin typeface="+mn-ea"/>
+              </a:rPr>
+              <a:t>API Spec </a:t>
+            </a:r>
+            <a:r>
+              <a:rPr lang="zh-CN" altLang="en-US" sz="1200" b="1" dirty="0">
+                <a:latin typeface="+mn-ea"/>
+              </a:rPr>
+              <a:t>分析样本</a:t>
+            </a:r>
             <a:endParaRPr lang="en-US" altLang="ko-KR" sz="1200" b="1" dirty="0">
               <a:solidFill>
                 <a:schemeClr val="bg1"/>
@@ -6121,35 +5801,46 @@
               <a:buFontTx/>
               <a:buChar char="-"/>
             </a:pPr>
-            <a:endParaRPr lang="en-US" altLang="ko-KR" sz="1200" b="1" dirty="0" smtClean="0">
+            <a:endParaRPr lang="en-US" altLang="ko-KR" sz="1200" b="1" dirty="0">
               <a:solidFill>
                 <a:schemeClr val="bg1"/>
               </a:solidFill>
             </a:endParaRPr>
           </a:p>
           <a:p>
-            <a:pPr marL="0" indent="0">
-              <a:buNone/>
-            </a:pPr>
-            <a:endParaRPr lang="en-US" altLang="ko-KR" sz="1200" b="1" dirty="0" smtClean="0">
+            <a:pPr>
+              <a:buFontTx/>
+              <a:buChar char="-"/>
+            </a:pPr>
+            <a:endParaRPr lang="en-US" altLang="ko-KR" sz="1200" b="1" dirty="0">
               <a:solidFill>
                 <a:schemeClr val="bg1"/>
               </a:solidFill>
             </a:endParaRPr>
           </a:p>
           <a:p>
+            <a:pPr marL="0" indent="0">
+              <a:buNone/>
+            </a:pPr>
+            <a:endParaRPr lang="en-US" altLang="ko-KR" sz="1200" b="1" dirty="0">
+              <a:solidFill>
+                <a:schemeClr val="bg1"/>
+              </a:solidFill>
+            </a:endParaRPr>
+          </a:p>
+          <a:p>
             <a:pPr>
               <a:buFontTx/>
               <a:buChar char="-"/>
             </a:pPr>
-            <a:endParaRPr lang="en-US" altLang="ko-KR" sz="1200" b="1" dirty="0" smtClean="0"/>
+            <a:endParaRPr lang="en-US" altLang="ko-KR" sz="1200" b="1" dirty="0"/>
           </a:p>
           <a:p>
             <a:pPr>
               <a:buFontTx/>
               <a:buChar char="-"/>
             </a:pPr>
-            <a:endParaRPr lang="en-US" altLang="ko-KR" sz="1200" b="1" dirty="0" smtClean="0"/>
+            <a:endParaRPr lang="en-US" altLang="ko-KR" sz="1200" b="1" dirty="0"/>
           </a:p>
           <a:p>
             <a:pPr marL="0" indent="0">
@@ -6190,8 +5881,20 @@
                 <a:tableStyleId>{5C22544A-7EE6-4342-B048-85BDC9FD1C3A}</a:tableStyleId>
               </a:tblPr>
               <a:tblGrid>
-                <a:gridCol w="1031702"/>
-                <a:gridCol w="3424481"/>
+                <a:gridCol w="1031702">
+                  <a:extLst>
+                    <a:ext uri="{9D8B030D-6E8A-4147-A177-3AD203B41FA5}">
+                      <a16:colId xmlns:a16="http://schemas.microsoft.com/office/drawing/2014/main" val="20000"/>
+                    </a:ext>
+                  </a:extLst>
+                </a:gridCol>
+                <a:gridCol w="3424481">
+                  <a:extLst>
+                    <a:ext uri="{9D8B030D-6E8A-4147-A177-3AD203B41FA5}">
+                      <a16:colId xmlns:a16="http://schemas.microsoft.com/office/drawing/2014/main" val="20001"/>
+                    </a:ext>
+                  </a:extLst>
+                </a:gridCol>
               </a:tblGrid>
               <a:tr h="173737">
                 <a:tc>
@@ -6201,7 +5904,7 @@
                     <a:p>
                       <a:pPr latinLnBrk="1"/>
                       <a:r>
-                        <a:rPr lang="en-US" altLang="ko-KR" sz="900" dirty="0" smtClean="0">
+                        <a:rPr lang="en-US" altLang="ko-KR" sz="900" dirty="0">
                           <a:solidFill>
                             <a:schemeClr val="tx1"/>
                           </a:solidFill>
@@ -6250,7 +5953,7 @@
                         <a:defRPr/>
                       </a:pPr>
                       <a:r>
-                        <a:rPr lang="en-US" altLang="ko-KR" sz="900" b="0" dirty="0" smtClean="0">
+                        <a:rPr lang="en-US" altLang="ko-KR" sz="900" b="0" dirty="0">
                           <a:solidFill>
                             <a:schemeClr val="tx1"/>
                           </a:solidFill>
@@ -6260,7 +5963,7 @@
                         </a:rPr>
                         <a:t>http://[domain]/app/api/deal/get_list/1</a:t>
                       </a:r>
-                      <a:endParaRPr lang="en-US" altLang="ko-KR" sz="900" b="0" u="none" dirty="0" smtClean="0">
+                      <a:endParaRPr lang="en-US" altLang="ko-KR" sz="900" b="0" u="none" dirty="0">
                         <a:solidFill>
                           <a:schemeClr val="tx1"/>
                         </a:solidFill>
@@ -6278,6 +5981,11 @@
                     </a:solidFill>
                   </a:tcPr>
                 </a:tc>
+                <a:extLst>
+                  <a:ext uri="{0D108BD9-81ED-4DB2-BD59-A6C34878D82A}">
+                    <a16:rowId xmlns:a16="http://schemas.microsoft.com/office/drawing/2014/main" val="10000"/>
+                  </a:ext>
+                </a:extLst>
               </a:tr>
               <a:tr h="173737">
                 <a:tc>
@@ -6303,7 +6011,7 @@
                         <a:defRPr/>
                       </a:pPr>
                       <a:r>
-                        <a:rPr lang="en-US" altLang="ko-KR" sz="900" b="1" dirty="0" smtClean="0">
+                        <a:rPr lang="en-US" altLang="ko-KR" sz="900" b="1" dirty="0">
                           <a:solidFill>
                             <a:schemeClr val="tx1"/>
                           </a:solidFill>
@@ -6346,7 +6054,7 @@
                         <a:defRPr/>
                       </a:pPr>
                       <a:r>
-                        <a:rPr lang="en-US" altLang="ko-KR" sz="900" b="0" dirty="0" smtClean="0">
+                        <a:rPr lang="en-US" altLang="ko-KR" sz="900" b="0" dirty="0">
                           <a:solidFill>
                             <a:schemeClr val="tx1"/>
                           </a:solidFill>
@@ -6366,6 +6074,11 @@
                     </a:solidFill>
                   </a:tcPr>
                 </a:tc>
+                <a:extLst>
+                  <a:ext uri="{0D108BD9-81ED-4DB2-BD59-A6C34878D82A}">
+                    <a16:rowId xmlns:a16="http://schemas.microsoft.com/office/drawing/2014/main" val="10001"/>
+                  </a:ext>
+                </a:extLst>
               </a:tr>
               <a:tr h="173737">
                 <a:tc>
@@ -6391,7 +6104,7 @@
                         <a:defRPr/>
                       </a:pPr>
                       <a:r>
-                        <a:rPr lang="en-US" altLang="ko-KR" sz="900" b="1" dirty="0" smtClean="0">
+                        <a:rPr lang="en-US" altLang="ko-KR" sz="900" b="1" dirty="0">
                           <a:solidFill>
                             <a:schemeClr val="tx1"/>
                           </a:solidFill>
@@ -6434,7 +6147,7 @@
                         <a:defRPr/>
                       </a:pPr>
                       <a:r>
-                        <a:rPr lang="en-US" altLang="ko-KR" sz="900" b="0" dirty="0" smtClean="0">
+                        <a:rPr lang="en-US" altLang="ko-KR" sz="900" b="0" dirty="0">
                           <a:solidFill>
                             <a:schemeClr val="tx1"/>
                           </a:solidFill>
@@ -6454,6 +6167,11 @@
                     </a:solidFill>
                   </a:tcPr>
                 </a:tc>
+                <a:extLst>
+                  <a:ext uri="{0D108BD9-81ED-4DB2-BD59-A6C34878D82A}">
+                    <a16:rowId xmlns:a16="http://schemas.microsoft.com/office/drawing/2014/main" val="10002"/>
+                  </a:ext>
+                </a:extLst>
               </a:tr>
               <a:tr h="173737">
                 <a:tc>
@@ -6479,7 +6197,7 @@
                         <a:defRPr/>
                       </a:pPr>
                       <a:r>
-                        <a:rPr lang="en-US" altLang="ko-KR" sz="900" b="1" dirty="0" smtClean="0">
+                        <a:rPr lang="en-US" altLang="ko-KR" sz="900" b="1" dirty="0">
                           <a:solidFill>
                             <a:schemeClr val="tx1"/>
                           </a:solidFill>
@@ -6522,7 +6240,7 @@
                         <a:defRPr/>
                       </a:pPr>
                       <a:r>
-                        <a:rPr lang="ko-KR" altLang="en-US" sz="900" b="0" dirty="0" smtClean="0">
+                        <a:rPr lang="ko-KR" altLang="en-US" sz="900" b="0" dirty="0">
                           <a:solidFill>
                             <a:schemeClr val="tx1"/>
                           </a:solidFill>
@@ -6533,7 +6251,7 @@
                         <a:t>배너</a:t>
                       </a:r>
                       <a:r>
-                        <a:rPr lang="en-US" altLang="ko-KR" sz="900" b="0" dirty="0" smtClean="0">
+                        <a:rPr lang="en-US" altLang="ko-KR" sz="900" b="0" dirty="0">
                           <a:solidFill>
                             <a:schemeClr val="tx1"/>
                           </a:solidFill>
@@ -6544,7 +6262,7 @@
                         <a:t>+</a:t>
                       </a:r>
                       <a:r>
-                        <a:rPr lang="ko-KR" altLang="en-US" sz="900" b="0" dirty="0" smtClean="0">
+                        <a:rPr lang="ko-KR" altLang="en-US" sz="900" b="0" dirty="0">
                           <a:solidFill>
                             <a:schemeClr val="tx1"/>
                           </a:solidFill>
@@ -6555,7 +6273,7 @@
                         <a:t>딜리스트</a:t>
                       </a:r>
                       <a:r>
-                        <a:rPr lang="en-US" altLang="ko-KR" sz="900" b="0" dirty="0" smtClean="0">
+                        <a:rPr lang="en-US" altLang="ko-KR" sz="900" b="0" dirty="0">
                           <a:solidFill>
                             <a:schemeClr val="tx1"/>
                           </a:solidFill>
@@ -6566,7 +6284,7 @@
                         <a:t>API</a:t>
                       </a:r>
                       <a:r>
-                        <a:rPr lang="ko-KR" altLang="en-US" sz="900" b="0" dirty="0" smtClean="0">
+                        <a:rPr lang="ko-KR" altLang="en-US" sz="900" b="0" dirty="0">
                           <a:solidFill>
                             <a:schemeClr val="tx1"/>
                           </a:solidFill>
@@ -6577,7 +6295,7 @@
                         <a:t>리스트 </a:t>
                       </a:r>
                       <a:r>
-                        <a:rPr lang="en-US" altLang="ko-KR" sz="900" b="0" dirty="0" smtClean="0">
+                        <a:rPr lang="en-US" altLang="ko-KR" sz="900" b="0" dirty="0">
                           <a:solidFill>
                             <a:schemeClr val="tx1"/>
                           </a:solidFill>
@@ -6597,6 +6315,11 @@
                     </a:solidFill>
                   </a:tcPr>
                 </a:tc>
+                <a:extLst>
+                  <a:ext uri="{0D108BD9-81ED-4DB2-BD59-A6C34878D82A}">
+                    <a16:rowId xmlns:a16="http://schemas.microsoft.com/office/drawing/2014/main" val="10003"/>
+                  </a:ext>
+                </a:extLst>
               </a:tr>
             </a:tbl>
           </a:graphicData>
@@ -6627,11 +6350,41 @@
                 <a:tableStyleId>{5C22544A-7EE6-4342-B048-85BDC9FD1C3A}</a:tableStyleId>
               </a:tblPr>
               <a:tblGrid>
-                <a:gridCol w="1265720"/>
-                <a:gridCol w="1265720"/>
-                <a:gridCol w="1265720"/>
-                <a:gridCol w="1265720"/>
-                <a:gridCol w="1265720"/>
+                <a:gridCol w="1265720">
+                  <a:extLst>
+                    <a:ext uri="{9D8B030D-6E8A-4147-A177-3AD203B41FA5}">
+                      <a16:colId xmlns:a16="http://schemas.microsoft.com/office/drawing/2014/main" val="20000"/>
+                    </a:ext>
+                  </a:extLst>
+                </a:gridCol>
+                <a:gridCol w="1265720">
+                  <a:extLst>
+                    <a:ext uri="{9D8B030D-6E8A-4147-A177-3AD203B41FA5}">
+                      <a16:colId xmlns:a16="http://schemas.microsoft.com/office/drawing/2014/main" val="20001"/>
+                    </a:ext>
+                  </a:extLst>
+                </a:gridCol>
+                <a:gridCol w="1265720">
+                  <a:extLst>
+                    <a:ext uri="{9D8B030D-6E8A-4147-A177-3AD203B41FA5}">
+                      <a16:colId xmlns:a16="http://schemas.microsoft.com/office/drawing/2014/main" val="20002"/>
+                    </a:ext>
+                  </a:extLst>
+                </a:gridCol>
+                <a:gridCol w="1265720">
+                  <a:extLst>
+                    <a:ext uri="{9D8B030D-6E8A-4147-A177-3AD203B41FA5}">
+                      <a16:colId xmlns:a16="http://schemas.microsoft.com/office/drawing/2014/main" val="20003"/>
+                    </a:ext>
+                  </a:extLst>
+                </a:gridCol>
+                <a:gridCol w="1265720">
+                  <a:extLst>
+                    <a:ext uri="{9D8B030D-6E8A-4147-A177-3AD203B41FA5}">
+                      <a16:colId xmlns:a16="http://schemas.microsoft.com/office/drawing/2014/main" val="20004"/>
+                    </a:ext>
+                  </a:extLst>
+                </a:gridCol>
               </a:tblGrid>
               <a:tr h="192258">
                 <a:tc gridSpan="5">
@@ -6641,7 +6394,7 @@
                     <a:p>
                       <a:pPr latinLnBrk="1"/>
                       <a:r>
-                        <a:rPr lang="en-US" altLang="ko-KR" sz="900" dirty="0" smtClean="0">
+                        <a:rPr lang="en-US" altLang="ko-KR" sz="900" dirty="0">
                           <a:solidFill>
                             <a:schemeClr val="tx1"/>
                           </a:solidFill>
@@ -6650,7 +6403,7 @@
                         </a:rPr>
                         <a:t>Parameter</a:t>
                       </a:r>
-                      <a:endParaRPr lang="en-US" altLang="ko-KR" sz="900" u="none" dirty="0" smtClean="0">
+                      <a:endParaRPr lang="en-US" altLang="ko-KR" sz="900" u="none" dirty="0">
                         <a:solidFill>
                           <a:schemeClr val="tx1"/>
                         </a:solidFill>
@@ -6712,6 +6465,11 @@
                   </a:txBody>
                   <a:tcPr/>
                 </a:tc>
+                <a:extLst>
+                  <a:ext uri="{0D108BD9-81ED-4DB2-BD59-A6C34878D82A}">
+                    <a16:rowId xmlns:a16="http://schemas.microsoft.com/office/drawing/2014/main" val="10000"/>
+                  </a:ext>
+                </a:extLst>
               </a:tr>
               <a:tr h="192258">
                 <a:tc>
@@ -6737,7 +6495,7 @@
                         <a:defRPr/>
                       </a:pPr>
                       <a:r>
-                        <a:rPr lang="en-US" altLang="ko-KR" sz="900" b="1" dirty="0" smtClean="0">
+                        <a:rPr lang="en-US" altLang="ko-KR" sz="900" b="1" dirty="0">
                           <a:solidFill>
                             <a:schemeClr val="tx1"/>
                           </a:solidFill>
@@ -6780,7 +6538,7 @@
                         <a:defRPr/>
                       </a:pPr>
                       <a:r>
-                        <a:rPr lang="en-US" altLang="ko-KR" sz="900" b="1" dirty="0" smtClean="0">
+                        <a:rPr lang="en-US" altLang="ko-KR" sz="900" b="1" dirty="0">
                           <a:solidFill>
                             <a:schemeClr val="tx1"/>
                           </a:solidFill>
@@ -6823,7 +6581,7 @@
                         <a:defRPr/>
                       </a:pPr>
                       <a:r>
-                        <a:rPr lang="en-US" altLang="ko-KR" sz="900" b="1" dirty="0" smtClean="0">
+                        <a:rPr lang="en-US" altLang="ko-KR" sz="900" b="1" dirty="0">
                           <a:solidFill>
                             <a:schemeClr val="tx1"/>
                           </a:solidFill>
@@ -6866,7 +6624,7 @@
                         <a:defRPr/>
                       </a:pPr>
                       <a:r>
-                        <a:rPr lang="en-US" altLang="ko-KR" sz="900" b="1" dirty="0" smtClean="0">
+                        <a:rPr lang="en-US" altLang="ko-KR" sz="900" b="1" dirty="0">
                           <a:solidFill>
                             <a:schemeClr val="tx1"/>
                           </a:solidFill>
@@ -6909,7 +6667,7 @@
                         <a:defRPr/>
                       </a:pPr>
                       <a:r>
-                        <a:rPr lang="en-US" altLang="ko-KR" sz="900" b="1" dirty="0" smtClean="0">
+                        <a:rPr lang="en-US" altLang="ko-KR" sz="900" b="1" dirty="0">
                           <a:solidFill>
                             <a:schemeClr val="tx1"/>
                           </a:solidFill>
@@ -6929,6 +6687,11 @@
                     </a:solidFill>
                   </a:tcPr>
                 </a:tc>
+                <a:extLst>
+                  <a:ext uri="{0D108BD9-81ED-4DB2-BD59-A6C34878D82A}">
+                    <a16:rowId xmlns:a16="http://schemas.microsoft.com/office/drawing/2014/main" val="10001"/>
+                  </a:ext>
+                </a:extLst>
               </a:tr>
               <a:tr h="192258">
                 <a:tc>
@@ -6954,7 +6717,7 @@
                         <a:defRPr/>
                       </a:pPr>
                       <a:r>
-                        <a:rPr lang="en-US" altLang="ko-KR" sz="900" b="0" dirty="0" smtClean="0">
+                        <a:rPr lang="en-US" altLang="ko-KR" sz="900" b="0" dirty="0">
                           <a:solidFill>
                             <a:schemeClr val="tx1"/>
                           </a:solidFill>
@@ -6997,7 +6760,7 @@
                         <a:defRPr/>
                       </a:pPr>
                       <a:r>
-                        <a:rPr lang="en-US" altLang="ko-KR" sz="900" b="0" dirty="0" smtClean="0">
+                        <a:rPr lang="en-US" altLang="ko-KR" sz="900" b="0" dirty="0">
                           <a:solidFill>
                             <a:schemeClr val="tx1"/>
                           </a:solidFill>
@@ -7040,7 +6803,7 @@
                         <a:defRPr/>
                       </a:pPr>
                       <a:r>
-                        <a:rPr lang="en-US" altLang="ko-KR" sz="900" b="0" dirty="0" smtClean="0">
+                        <a:rPr lang="en-US" altLang="ko-KR" sz="900" b="0" dirty="0">
                           <a:solidFill>
                             <a:schemeClr val="tx1"/>
                           </a:solidFill>
@@ -7082,7 +6845,7 @@
                         <a:tabLst/>
                         <a:defRPr/>
                       </a:pPr>
-                      <a:endParaRPr lang="en-US" altLang="ko-KR" sz="900" b="0" dirty="0" smtClean="0">
+                      <a:endParaRPr lang="en-US" altLang="ko-KR" sz="900" b="0" dirty="0">
                         <a:solidFill>
                           <a:schemeClr val="tx1"/>
                         </a:solidFill>
@@ -7123,7 +6886,7 @@
                         <a:defRPr/>
                       </a:pPr>
                       <a:r>
-                        <a:rPr lang="ko-KR" altLang="en-US" sz="900" b="0" dirty="0" smtClean="0">
+                        <a:rPr lang="ko-KR" altLang="en-US" sz="900" b="0" dirty="0">
                           <a:solidFill>
                             <a:schemeClr val="tx1"/>
                           </a:solidFill>
@@ -7133,7 +6896,7 @@
                         </a:rPr>
                         <a:t>디바이스 정보</a:t>
                       </a:r>
-                      <a:endParaRPr lang="en-US" altLang="ko-KR" sz="900" b="0" dirty="0" smtClean="0">
+                      <a:endParaRPr lang="en-US" altLang="ko-KR" sz="900" b="0" dirty="0">
                         <a:solidFill>
                           <a:schemeClr val="tx1"/>
                         </a:solidFill>
@@ -7151,6 +6914,11 @@
                     </a:solidFill>
                   </a:tcPr>
                 </a:tc>
+                <a:extLst>
+                  <a:ext uri="{0D108BD9-81ED-4DB2-BD59-A6C34878D82A}">
+                    <a16:rowId xmlns:a16="http://schemas.microsoft.com/office/drawing/2014/main" val="10002"/>
+                  </a:ext>
+                </a:extLst>
               </a:tr>
               <a:tr h="192258">
                 <a:tc>
@@ -7176,7 +6944,7 @@
                         <a:defRPr/>
                       </a:pPr>
                       <a:r>
-                        <a:rPr lang="en-US" altLang="ko-KR" sz="900" b="0" dirty="0" smtClean="0">
+                        <a:rPr lang="en-US" altLang="ko-KR" sz="900" b="0" dirty="0">
                           <a:solidFill>
                             <a:schemeClr val="tx1"/>
                           </a:solidFill>
@@ -7219,7 +6987,7 @@
                         <a:defRPr/>
                       </a:pPr>
                       <a:r>
-                        <a:rPr lang="en-US" altLang="ko-KR" sz="900" b="0" dirty="0" smtClean="0">
+                        <a:rPr lang="en-US" altLang="ko-KR" sz="900" b="0" dirty="0">
                           <a:solidFill>
                             <a:schemeClr val="tx1"/>
                           </a:solidFill>
@@ -7262,7 +7030,7 @@
                         <a:defRPr/>
                       </a:pPr>
                       <a:r>
-                        <a:rPr lang="en-US" altLang="ko-KR" sz="900" b="0" dirty="0" smtClean="0">
+                        <a:rPr lang="en-US" altLang="ko-KR" sz="900" b="0" dirty="0">
                           <a:solidFill>
                             <a:schemeClr val="tx1"/>
                           </a:solidFill>
@@ -7304,7 +7072,7 @@
                         <a:tabLst/>
                         <a:defRPr/>
                       </a:pPr>
-                      <a:endParaRPr lang="en-US" altLang="ko-KR" sz="900" b="0" dirty="0" smtClean="0">
+                      <a:endParaRPr lang="en-US" altLang="ko-KR" sz="900" b="0" dirty="0">
                         <a:solidFill>
                           <a:schemeClr val="tx1"/>
                         </a:solidFill>
@@ -7345,7 +7113,7 @@
                         <a:defRPr/>
                       </a:pPr>
                       <a:r>
-                        <a:rPr lang="ko-KR" altLang="en-US" sz="900" b="0" dirty="0" smtClean="0">
+                        <a:rPr lang="ko-KR" altLang="en-US" sz="900" b="0" dirty="0">
                           <a:solidFill>
                             <a:schemeClr val="tx1"/>
                           </a:solidFill>
@@ -7355,7 +7123,7 @@
                         </a:rPr>
                         <a:t>앱 버전</a:t>
                       </a:r>
-                      <a:endParaRPr lang="en-US" altLang="ko-KR" sz="900" b="0" dirty="0" smtClean="0">
+                      <a:endParaRPr lang="en-US" altLang="ko-KR" sz="900" b="0" dirty="0">
                         <a:solidFill>
                           <a:schemeClr val="tx1"/>
                         </a:solidFill>
@@ -7373,6 +7141,11 @@
                     </a:solidFill>
                   </a:tcPr>
                 </a:tc>
+                <a:extLst>
+                  <a:ext uri="{0D108BD9-81ED-4DB2-BD59-A6C34878D82A}">
+                    <a16:rowId xmlns:a16="http://schemas.microsoft.com/office/drawing/2014/main" val="10003"/>
+                  </a:ext>
+                </a:extLst>
               </a:tr>
               <a:tr h="192258">
                 <a:tc>
@@ -7398,7 +7171,7 @@
                         <a:defRPr/>
                       </a:pPr>
                       <a:r>
-                        <a:rPr lang="en-US" altLang="ko-KR" sz="900" b="0" dirty="0" smtClean="0">
+                        <a:rPr lang="en-US" altLang="ko-KR" sz="900" b="0" dirty="0">
                           <a:solidFill>
                             <a:schemeClr val="tx1"/>
                           </a:solidFill>
@@ -7441,7 +7214,7 @@
                         <a:defRPr/>
                       </a:pPr>
                       <a:r>
-                        <a:rPr lang="en-US" altLang="ko-KR" sz="900" b="0" dirty="0" smtClean="0">
+                        <a:rPr lang="en-US" altLang="ko-KR" sz="900" b="0" dirty="0">
                           <a:solidFill>
                             <a:schemeClr val="tx1"/>
                           </a:solidFill>
@@ -7484,7 +7257,7 @@
                         <a:defRPr/>
                       </a:pPr>
                       <a:r>
-                        <a:rPr lang="en-US" altLang="ko-KR" sz="900" b="0" dirty="0" smtClean="0">
+                        <a:rPr lang="en-US" altLang="ko-KR" sz="900" b="0" dirty="0">
                           <a:solidFill>
                             <a:schemeClr val="tx1"/>
                           </a:solidFill>
@@ -7527,7 +7300,7 @@
                         <a:defRPr/>
                       </a:pPr>
                       <a:r>
-                        <a:rPr lang="en-US" altLang="ko-KR" sz="900" b="0" dirty="0" smtClean="0">
+                        <a:rPr lang="en-US" altLang="ko-KR" sz="900" b="0" dirty="0">
                           <a:solidFill>
                             <a:schemeClr val="tx1"/>
                           </a:solidFill>
@@ -7570,7 +7343,7 @@
                         <a:defRPr/>
                       </a:pPr>
                       <a:r>
-                        <a:rPr lang="ko-KR" altLang="en-US" sz="900" b="0" dirty="0" smtClean="0">
+                        <a:rPr lang="ko-KR" altLang="en-US" sz="900" b="0" dirty="0">
                           <a:solidFill>
                             <a:schemeClr val="tx1"/>
                           </a:solidFill>
@@ -7580,7 +7353,7 @@
                         </a:rPr>
                         <a:t>딜리스트 구분 코드</a:t>
                       </a:r>
-                      <a:endParaRPr lang="en-US" altLang="ko-KR" sz="900" b="0" dirty="0" smtClean="0">
+                      <a:endParaRPr lang="en-US" altLang="ko-KR" sz="900" b="0" dirty="0">
                         <a:solidFill>
                           <a:schemeClr val="tx1"/>
                         </a:solidFill>
@@ -7598,6 +7371,11 @@
                     </a:solidFill>
                   </a:tcPr>
                 </a:tc>
+                <a:extLst>
+                  <a:ext uri="{0D108BD9-81ED-4DB2-BD59-A6C34878D82A}">
+                    <a16:rowId xmlns:a16="http://schemas.microsoft.com/office/drawing/2014/main" val="10004"/>
+                  </a:ext>
+                </a:extLst>
               </a:tr>
               <a:tr h="192258">
                 <a:tc>
@@ -7623,7 +7401,7 @@
                         <a:defRPr/>
                       </a:pPr>
                       <a:r>
-                        <a:rPr lang="en-US" altLang="ko-KR" sz="900" b="0" dirty="0" smtClean="0">
+                        <a:rPr lang="en-US" altLang="ko-KR" sz="900" b="0" dirty="0">
                           <a:solidFill>
                             <a:schemeClr val="tx1"/>
                           </a:solidFill>
@@ -7666,7 +7444,7 @@
                         <a:defRPr/>
                       </a:pPr>
                       <a:r>
-                        <a:rPr lang="en-US" altLang="ko-KR" sz="900" b="0" dirty="0" smtClean="0">
+                        <a:rPr lang="en-US" altLang="ko-KR" sz="900" b="0" dirty="0">
                           <a:solidFill>
                             <a:schemeClr val="tx1"/>
                           </a:solidFill>
@@ -7709,7 +7487,7 @@
                         <a:defRPr/>
                       </a:pPr>
                       <a:r>
-                        <a:rPr lang="en-US" altLang="ko-KR" sz="900" b="0" dirty="0" smtClean="0">
+                        <a:rPr lang="en-US" altLang="ko-KR" sz="900" b="0" dirty="0">
                           <a:solidFill>
                             <a:schemeClr val="tx1"/>
                           </a:solidFill>
@@ -7751,7 +7529,7 @@
                         <a:tabLst/>
                         <a:defRPr/>
                       </a:pPr>
-                      <a:endParaRPr lang="en-US" altLang="ko-KR" sz="900" b="0" dirty="0" smtClean="0">
+                      <a:endParaRPr lang="en-US" altLang="ko-KR" sz="900" b="0" dirty="0">
                         <a:solidFill>
                           <a:schemeClr val="tx1"/>
                         </a:solidFill>
@@ -7792,7 +7570,7 @@
                         <a:defRPr/>
                       </a:pPr>
                       <a:r>
-                        <a:rPr lang="ko-KR" altLang="en-US" sz="900" b="0" dirty="0" smtClean="0">
+                        <a:rPr lang="ko-KR" altLang="en-US" sz="900" b="0" dirty="0">
                           <a:solidFill>
                             <a:schemeClr val="tx1"/>
                           </a:solidFill>
@@ -7803,7 +7581,7 @@
                         <a:t>카테고리</a:t>
                       </a:r>
                       <a:r>
-                        <a:rPr lang="en-US" altLang="ko-KR" sz="900" b="0" dirty="0" smtClean="0">
+                        <a:rPr lang="en-US" altLang="ko-KR" sz="900" b="0" dirty="0">
                           <a:solidFill>
                             <a:schemeClr val="tx1"/>
                           </a:solidFill>
@@ -7823,6 +7601,11 @@
                     </a:solidFill>
                   </a:tcPr>
                 </a:tc>
+                <a:extLst>
+                  <a:ext uri="{0D108BD9-81ED-4DB2-BD59-A6C34878D82A}">
+                    <a16:rowId xmlns:a16="http://schemas.microsoft.com/office/drawing/2014/main" val="10005"/>
+                  </a:ext>
+                </a:extLst>
               </a:tr>
               <a:tr h="192258">
                 <a:tc>
@@ -7848,7 +7631,7 @@
                         <a:defRPr/>
                       </a:pPr>
                       <a:r>
-                        <a:rPr lang="en-US" altLang="ko-KR" sz="900" b="0" dirty="0" smtClean="0">
+                        <a:rPr lang="en-US" altLang="ko-KR" sz="900" b="0" dirty="0">
                           <a:solidFill>
                             <a:schemeClr val="tx1"/>
                           </a:solidFill>
@@ -7891,7 +7674,7 @@
                         <a:defRPr/>
                       </a:pPr>
                       <a:r>
-                        <a:rPr lang="en-US" altLang="ko-KR" sz="900" b="0" dirty="0" smtClean="0">
+                        <a:rPr lang="en-US" altLang="ko-KR" sz="900" b="0" dirty="0">
                           <a:solidFill>
                             <a:schemeClr val="tx1"/>
                           </a:solidFill>
@@ -7934,7 +7717,7 @@
                         <a:defRPr/>
                       </a:pPr>
                       <a:r>
-                        <a:rPr lang="en-US" altLang="ko-KR" sz="900" b="0" dirty="0" smtClean="0">
+                        <a:rPr lang="en-US" altLang="ko-KR" sz="900" b="0" dirty="0">
                           <a:solidFill>
                             <a:schemeClr val="tx1"/>
                           </a:solidFill>
@@ -7977,7 +7760,7 @@
                         <a:defRPr/>
                       </a:pPr>
                       <a:r>
-                        <a:rPr lang="en-US" altLang="ko-KR" sz="900" b="0" dirty="0" smtClean="0">
+                        <a:rPr lang="en-US" altLang="ko-KR" sz="900" b="0" dirty="0">
                           <a:solidFill>
                             <a:schemeClr val="tx1"/>
                           </a:solidFill>
@@ -8020,7 +7803,7 @@
                         <a:defRPr/>
                       </a:pPr>
                       <a:r>
-                        <a:rPr lang="ko-KR" altLang="en-US" sz="900" b="0" dirty="0" smtClean="0">
+                        <a:rPr lang="ko-KR" altLang="en-US" sz="900" b="0" dirty="0">
                           <a:solidFill>
                             <a:schemeClr val="tx1"/>
                           </a:solidFill>
@@ -8030,7 +7813,7 @@
                         </a:rPr>
                         <a:t>정렬코드</a:t>
                       </a:r>
-                      <a:endParaRPr lang="en-US" altLang="ko-KR" sz="900" b="0" dirty="0" smtClean="0">
+                      <a:endParaRPr lang="en-US" altLang="ko-KR" sz="900" b="0" dirty="0">
                         <a:solidFill>
                           <a:schemeClr val="tx1"/>
                         </a:solidFill>
@@ -8048,6 +7831,11 @@
                     </a:solidFill>
                   </a:tcPr>
                 </a:tc>
+                <a:extLst>
+                  <a:ext uri="{0D108BD9-81ED-4DB2-BD59-A6C34878D82A}">
+                    <a16:rowId xmlns:a16="http://schemas.microsoft.com/office/drawing/2014/main" val="10006"/>
+                  </a:ext>
+                </a:extLst>
               </a:tr>
               <a:tr h="192258">
                 <a:tc>
@@ -8073,7 +7861,7 @@
                         <a:defRPr/>
                       </a:pPr>
                       <a:r>
-                        <a:rPr lang="en-US" altLang="ko-KR" sz="900" b="0" dirty="0" smtClean="0">
+                        <a:rPr lang="en-US" altLang="ko-KR" sz="900" b="0" dirty="0">
                           <a:solidFill>
                             <a:schemeClr val="tx1"/>
                           </a:solidFill>
@@ -8116,7 +7904,7 @@
                         <a:defRPr/>
                       </a:pPr>
                       <a:r>
-                        <a:rPr lang="en-US" altLang="ko-KR" sz="900" b="0" dirty="0" smtClean="0">
+                        <a:rPr lang="en-US" altLang="ko-KR" sz="900" b="0" dirty="0">
                           <a:solidFill>
                             <a:schemeClr val="tx1"/>
                           </a:solidFill>
@@ -8159,7 +7947,7 @@
                         <a:defRPr/>
                       </a:pPr>
                       <a:r>
-                        <a:rPr lang="en-US" altLang="ko-KR" sz="900" b="0" dirty="0" smtClean="0">
+                        <a:rPr lang="en-US" altLang="ko-KR" sz="900" b="0" dirty="0">
                           <a:solidFill>
                             <a:schemeClr val="tx1"/>
                           </a:solidFill>
@@ -8202,7 +7990,7 @@
                         <a:defRPr/>
                       </a:pPr>
                       <a:r>
-                        <a:rPr lang="en-US" altLang="ko-KR" sz="900" b="0" dirty="0" smtClean="0">
+                        <a:rPr lang="en-US" altLang="ko-KR" sz="900" b="0" dirty="0">
                           <a:solidFill>
                             <a:schemeClr val="tx1"/>
                           </a:solidFill>
@@ -8245,7 +8033,7 @@
                         <a:defRPr/>
                       </a:pPr>
                       <a:r>
-                        <a:rPr lang="ko-KR" altLang="en-US" sz="900" b="0" dirty="0" smtClean="0">
+                        <a:rPr lang="ko-KR" altLang="en-US" sz="900" b="0" dirty="0">
                           <a:solidFill>
                             <a:schemeClr val="tx1"/>
                           </a:solidFill>
@@ -8255,7 +8043,7 @@
                         </a:rPr>
                         <a:t>페이지</a:t>
                       </a:r>
-                      <a:endParaRPr lang="en-US" altLang="ko-KR" sz="900" b="0" dirty="0" smtClean="0">
+                      <a:endParaRPr lang="en-US" altLang="ko-KR" sz="900" b="0" dirty="0">
                         <a:solidFill>
                           <a:schemeClr val="tx1"/>
                         </a:solidFill>
@@ -8273,6 +8061,11 @@
                     </a:solidFill>
                   </a:tcPr>
                 </a:tc>
+                <a:extLst>
+                  <a:ext uri="{0D108BD9-81ED-4DB2-BD59-A6C34878D82A}">
+                    <a16:rowId xmlns:a16="http://schemas.microsoft.com/office/drawing/2014/main" val="10007"/>
+                  </a:ext>
+                </a:extLst>
               </a:tr>
               <a:tr h="192258">
                 <a:tc>
@@ -8298,7 +8091,7 @@
                         <a:defRPr/>
                       </a:pPr>
                       <a:r>
-                        <a:rPr lang="en-US" altLang="ko-KR" sz="900" b="0" dirty="0" smtClean="0">
+                        <a:rPr lang="en-US" altLang="ko-KR" sz="900" b="0" dirty="0">
                           <a:solidFill>
                             <a:schemeClr val="tx1"/>
                           </a:solidFill>
@@ -8341,7 +8134,7 @@
                         <a:defRPr/>
                       </a:pPr>
                       <a:r>
-                        <a:rPr lang="en-US" altLang="ko-KR" sz="900" b="0" dirty="0" smtClean="0">
+                        <a:rPr lang="en-US" altLang="ko-KR" sz="900" b="0" dirty="0">
                           <a:solidFill>
                             <a:schemeClr val="tx1"/>
                           </a:solidFill>
@@ -8384,7 +8177,7 @@
                         <a:defRPr/>
                       </a:pPr>
                       <a:r>
-                        <a:rPr lang="en-US" altLang="ko-KR" sz="900" b="0" dirty="0" smtClean="0">
+                        <a:rPr lang="en-US" altLang="ko-KR" sz="900" b="0" dirty="0">
                           <a:solidFill>
                             <a:schemeClr val="tx1"/>
                           </a:solidFill>
@@ -8427,7 +8220,7 @@
                         <a:defRPr/>
                       </a:pPr>
                       <a:r>
-                        <a:rPr lang="en-US" altLang="ko-KR" sz="900" b="0" dirty="0" smtClean="0">
+                        <a:rPr lang="en-US" altLang="ko-KR" sz="900" b="0" dirty="0">
                           <a:solidFill>
                             <a:schemeClr val="tx1"/>
                           </a:solidFill>
@@ -8470,7 +8263,7 @@
                         <a:defRPr/>
                       </a:pPr>
                       <a:r>
-                        <a:rPr lang="ko-KR" altLang="en-US" sz="900" b="0" dirty="0" smtClean="0">
+                        <a:rPr lang="ko-KR" altLang="en-US" sz="900" b="0" dirty="0">
                           <a:solidFill>
                             <a:schemeClr val="tx1"/>
                           </a:solidFill>
@@ -8480,7 +8273,7 @@
                         </a:rPr>
                         <a:t>페이지당 노출갯수</a:t>
                       </a:r>
-                      <a:endParaRPr lang="en-US" altLang="ko-KR" sz="900" b="0" dirty="0" smtClean="0">
+                      <a:endParaRPr lang="en-US" altLang="ko-KR" sz="900" b="0" dirty="0">
                         <a:solidFill>
                           <a:schemeClr val="tx1"/>
                         </a:solidFill>
@@ -8498,6 +8291,11 @@
                     </a:solidFill>
                   </a:tcPr>
                 </a:tc>
+                <a:extLst>
+                  <a:ext uri="{0D108BD9-81ED-4DB2-BD59-A6C34878D82A}">
+                    <a16:rowId xmlns:a16="http://schemas.microsoft.com/office/drawing/2014/main" val="10008"/>
+                  </a:ext>
+                </a:extLst>
               </a:tr>
             </a:tbl>
           </a:graphicData>
@@ -8528,12 +8326,48 @@
                 <a:tableStyleId>{5C22544A-7EE6-4342-B048-85BDC9FD1C3A}</a:tableStyleId>
               </a:tblPr>
               <a:tblGrid>
-                <a:gridCol w="534686"/>
-                <a:gridCol w="859144"/>
-                <a:gridCol w="1053860"/>
-                <a:gridCol w="1079740"/>
-                <a:gridCol w="1079157"/>
-                <a:gridCol w="1722014"/>
+                <a:gridCol w="534686">
+                  <a:extLst>
+                    <a:ext uri="{9D8B030D-6E8A-4147-A177-3AD203B41FA5}">
+                      <a16:colId xmlns:a16="http://schemas.microsoft.com/office/drawing/2014/main" val="20000"/>
+                    </a:ext>
+                  </a:extLst>
+                </a:gridCol>
+                <a:gridCol w="859144">
+                  <a:extLst>
+                    <a:ext uri="{9D8B030D-6E8A-4147-A177-3AD203B41FA5}">
+                      <a16:colId xmlns:a16="http://schemas.microsoft.com/office/drawing/2014/main" val="20001"/>
+                    </a:ext>
+                  </a:extLst>
+                </a:gridCol>
+                <a:gridCol w="1053860">
+                  <a:extLst>
+                    <a:ext uri="{9D8B030D-6E8A-4147-A177-3AD203B41FA5}">
+                      <a16:colId xmlns:a16="http://schemas.microsoft.com/office/drawing/2014/main" val="20002"/>
+                    </a:ext>
+                  </a:extLst>
+                </a:gridCol>
+                <a:gridCol w="1079740">
+                  <a:extLst>
+                    <a:ext uri="{9D8B030D-6E8A-4147-A177-3AD203B41FA5}">
+                      <a16:colId xmlns:a16="http://schemas.microsoft.com/office/drawing/2014/main" val="20003"/>
+                    </a:ext>
+                  </a:extLst>
+                </a:gridCol>
+                <a:gridCol w="1079157">
+                  <a:extLst>
+                    <a:ext uri="{9D8B030D-6E8A-4147-A177-3AD203B41FA5}">
+                      <a16:colId xmlns:a16="http://schemas.microsoft.com/office/drawing/2014/main" val="20004"/>
+                    </a:ext>
+                  </a:extLst>
+                </a:gridCol>
+                <a:gridCol w="1722014">
+                  <a:extLst>
+                    <a:ext uri="{9D8B030D-6E8A-4147-A177-3AD203B41FA5}">
+                      <a16:colId xmlns:a16="http://schemas.microsoft.com/office/drawing/2014/main" val="20005"/>
+                    </a:ext>
+                  </a:extLst>
+                </a:gridCol>
               </a:tblGrid>
               <a:tr h="192258">
                 <a:tc gridSpan="6">
@@ -8543,7 +8377,7 @@
                     <a:p>
                       <a:pPr latinLnBrk="1"/>
                       <a:r>
-                        <a:rPr lang="en-US" altLang="ko-KR" sz="900" u="none" dirty="0" smtClean="0">
+                        <a:rPr lang="en-US" altLang="ko-KR" sz="900" u="none" dirty="0">
                           <a:solidFill>
                             <a:schemeClr val="tx1"/>
                           </a:solidFill>
@@ -8554,7 +8388,7 @@
                         <a:t>Response (</a:t>
                       </a:r>
                       <a:r>
-                        <a:rPr lang="ko-KR" altLang="en-US" sz="900" u="none" dirty="0" smtClean="0">
+                        <a:rPr lang="ko-KR" altLang="en-US" sz="900" u="none" dirty="0">
                           <a:solidFill>
                             <a:schemeClr val="tx1"/>
                           </a:solidFill>
@@ -8565,7 +8399,7 @@
                         <a:t>예시로 </a:t>
                       </a:r>
                       <a:r>
-                        <a:rPr lang="en-US" altLang="ko-KR" sz="900" u="none" dirty="0" smtClean="0">
+                        <a:rPr lang="en-US" altLang="ko-KR" sz="900" u="none" dirty="0">
                           <a:solidFill>
                             <a:schemeClr val="tx1"/>
                           </a:solidFill>
@@ -8576,7 +8410,7 @@
                         <a:t>result_set[1] </a:t>
                       </a:r>
                       <a:r>
-                        <a:rPr lang="ko-KR" altLang="en-US" sz="900" u="none" dirty="0" smtClean="0">
+                        <a:rPr lang="ko-KR" altLang="en-US" sz="900" u="none" dirty="0">
                           <a:solidFill>
                             <a:schemeClr val="tx1"/>
                           </a:solidFill>
@@ -8587,7 +8421,7 @@
                         <a:t>부분만 정리</a:t>
                       </a:r>
                       <a:r>
-                        <a:rPr lang="en-US" altLang="ko-KR" sz="900" u="none" dirty="0" smtClean="0">
+                        <a:rPr lang="en-US" altLang="ko-KR" sz="900" u="none" dirty="0">
                           <a:solidFill>
                             <a:schemeClr val="tx1"/>
                           </a:solidFill>
@@ -8662,6 +8496,11 @@
                   </a:txBody>
                   <a:tcPr/>
                 </a:tc>
+                <a:extLst>
+                  <a:ext uri="{0D108BD9-81ED-4DB2-BD59-A6C34878D82A}">
+                    <a16:rowId xmlns:a16="http://schemas.microsoft.com/office/drawing/2014/main" val="10000"/>
+                  </a:ext>
+                </a:extLst>
               </a:tr>
               <a:tr h="192258">
                 <a:tc gridSpan="2">
@@ -8687,7 +8526,7 @@
                         <a:defRPr/>
                       </a:pPr>
                       <a:r>
-                        <a:rPr lang="en-US" altLang="ko-KR" sz="900" b="0" dirty="0" smtClean="0">
+                        <a:rPr lang="en-US" altLang="ko-KR" sz="900" b="0" dirty="0">
                           <a:solidFill>
                             <a:schemeClr val="tx1"/>
                           </a:solidFill>
@@ -8729,7 +8568,7 @@
                         <a:tabLst/>
                         <a:defRPr/>
                       </a:pPr>
-                      <a:endParaRPr lang="en-US" altLang="ko-KR" sz="900" b="1" dirty="0" smtClean="0">
+                      <a:endParaRPr lang="en-US" altLang="ko-KR" sz="900" b="1" dirty="0">
                         <a:solidFill>
                           <a:schemeClr val="bg1"/>
                         </a:solidFill>
@@ -8770,7 +8609,7 @@
                         <a:defRPr/>
                       </a:pPr>
                       <a:r>
-                        <a:rPr lang="en-US" altLang="ko-KR" sz="900" b="0" dirty="0" smtClean="0">
+                        <a:rPr lang="en-US" altLang="ko-KR" sz="900" b="0" dirty="0">
                           <a:solidFill>
                             <a:schemeClr val="tx1"/>
                           </a:solidFill>
@@ -8813,7 +8652,7 @@
                         <a:defRPr/>
                       </a:pPr>
                       <a:r>
-                        <a:rPr lang="en-US" altLang="ko-KR" sz="900" b="0" dirty="0" smtClean="0">
+                        <a:rPr lang="en-US" altLang="ko-KR" sz="900" b="0" dirty="0">
                           <a:solidFill>
                             <a:schemeClr val="tx1"/>
                           </a:solidFill>
@@ -8856,7 +8695,7 @@
                         <a:defRPr/>
                       </a:pPr>
                       <a:r>
-                        <a:rPr lang="en-US" altLang="ko-KR" sz="900" b="0" dirty="0" smtClean="0">
+                        <a:rPr lang="en-US" altLang="ko-KR" sz="900" b="0" dirty="0">
                           <a:solidFill>
                             <a:schemeClr val="tx1"/>
                           </a:solidFill>
@@ -8867,7 +8706,7 @@
                         <a:t>Value(</a:t>
                       </a:r>
                       <a:r>
-                        <a:rPr lang="ko-KR" altLang="en-US" sz="900" b="0" dirty="0" smtClean="0">
+                        <a:rPr lang="ko-KR" altLang="en-US" sz="900" b="0" dirty="0">
                           <a:solidFill>
                             <a:schemeClr val="tx1"/>
                           </a:solidFill>
@@ -8878,7 +8717,7 @@
                         <a:t>고정</a:t>
                       </a:r>
                       <a:r>
-                        <a:rPr lang="en-US" altLang="ko-KR" sz="900" b="0" dirty="0" smtClean="0">
+                        <a:rPr lang="en-US" altLang="ko-KR" sz="900" b="0" dirty="0">
                           <a:solidFill>
                             <a:schemeClr val="tx1"/>
                           </a:solidFill>
@@ -8921,7 +8760,7 @@
                         <a:defRPr/>
                       </a:pPr>
                       <a:r>
-                        <a:rPr lang="en-US" altLang="ko-KR" sz="900" b="0" dirty="0" smtClean="0">
+                        <a:rPr lang="en-US" altLang="ko-KR" sz="900" b="0" dirty="0">
                           <a:solidFill>
                             <a:schemeClr val="tx1"/>
                           </a:solidFill>
@@ -8941,6 +8780,11 @@
                     </a:solidFill>
                   </a:tcPr>
                 </a:tc>
+                <a:extLst>
+                  <a:ext uri="{0D108BD9-81ED-4DB2-BD59-A6C34878D82A}">
+                    <a16:rowId xmlns:a16="http://schemas.microsoft.com/office/drawing/2014/main" val="10001"/>
+                  </a:ext>
+                </a:extLst>
               </a:tr>
               <a:tr h="192258">
                 <a:tc gridSpan="2">
@@ -8966,7 +8810,7 @@
                         <a:defRPr/>
                       </a:pPr>
                       <a:r>
-                        <a:rPr lang="en-US" altLang="ko-KR" sz="900" b="0" dirty="0" smtClean="0">
+                        <a:rPr lang="en-US" altLang="ko-KR" sz="900" b="0" dirty="0">
                           <a:solidFill>
                             <a:schemeClr val="tx1"/>
                           </a:solidFill>
@@ -9008,7 +8852,7 @@
                         <a:tabLst/>
                         <a:defRPr/>
                       </a:pPr>
-                      <a:endParaRPr lang="en-US" altLang="ko-KR" sz="900" b="1" dirty="0" smtClean="0">
+                      <a:endParaRPr lang="en-US" altLang="ko-KR" sz="900" b="1" dirty="0">
                         <a:solidFill>
                           <a:schemeClr val="bg1"/>
                         </a:solidFill>
@@ -9049,7 +8893,7 @@
                         <a:defRPr/>
                       </a:pPr>
                       <a:r>
-                        <a:rPr lang="en-US" altLang="ko-KR" sz="900" b="0" dirty="0" smtClean="0">
+                        <a:rPr lang="en-US" altLang="ko-KR" sz="900" b="0" dirty="0">
                           <a:solidFill>
                             <a:schemeClr val="tx1"/>
                           </a:solidFill>
@@ -9092,7 +8936,7 @@
                         <a:defRPr/>
                       </a:pPr>
                       <a:r>
-                        <a:rPr lang="en-US" altLang="ko-KR" sz="900" b="0" dirty="0" smtClean="0">
+                        <a:rPr lang="en-US" altLang="ko-KR" sz="900" b="0" dirty="0">
                           <a:solidFill>
                             <a:schemeClr val="tx1"/>
                           </a:solidFill>
@@ -9135,7 +8979,7 @@
                         <a:defRPr/>
                       </a:pPr>
                       <a:r>
-                        <a:rPr lang="en-US" altLang="ko-KR" sz="900" b="0" dirty="0" smtClean="0">
+                        <a:rPr lang="en-US" altLang="ko-KR" sz="900" b="0" dirty="0">
                           <a:solidFill>
                             <a:schemeClr val="tx1"/>
                           </a:solidFill>
@@ -9178,7 +9022,7 @@
                         <a:defRPr/>
                       </a:pPr>
                       <a:r>
-                        <a:rPr lang="ko-KR" altLang="en-US" sz="900" b="0" dirty="0" smtClean="0">
+                        <a:rPr lang="ko-KR" altLang="en-US" sz="900" b="0" dirty="0">
                           <a:solidFill>
                             <a:schemeClr val="tx1"/>
                           </a:solidFill>
@@ -9188,7 +9032,7 @@
                         </a:rPr>
                         <a:t>타입</a:t>
                       </a:r>
-                      <a:endParaRPr lang="en-US" altLang="ko-KR" sz="900" b="0" dirty="0" smtClean="0">
+                      <a:endParaRPr lang="en-US" altLang="ko-KR" sz="900" b="0" dirty="0">
                         <a:solidFill>
                           <a:schemeClr val="tx1"/>
                         </a:solidFill>
@@ -9206,6 +9050,11 @@
                     </a:solidFill>
                   </a:tcPr>
                 </a:tc>
+                <a:extLst>
+                  <a:ext uri="{0D108BD9-81ED-4DB2-BD59-A6C34878D82A}">
+                    <a16:rowId xmlns:a16="http://schemas.microsoft.com/office/drawing/2014/main" val="10002"/>
+                  </a:ext>
+                </a:extLst>
               </a:tr>
               <a:tr h="192258">
                 <a:tc gridSpan="2">
@@ -9231,7 +9080,7 @@
                         <a:defRPr/>
                       </a:pPr>
                       <a:r>
-                        <a:rPr lang="en-US" altLang="ko-KR" sz="900" b="0" dirty="0" smtClean="0">
+                        <a:rPr lang="en-US" altLang="ko-KR" sz="900" b="0" dirty="0">
                           <a:solidFill>
                             <a:schemeClr val="tx1"/>
                           </a:solidFill>
@@ -9273,7 +9122,7 @@
                         <a:tabLst/>
                         <a:defRPr/>
                       </a:pPr>
-                      <a:endParaRPr lang="en-US" altLang="ko-KR" sz="900" b="1" dirty="0" smtClean="0">
+                      <a:endParaRPr lang="en-US" altLang="ko-KR" sz="900" b="1" dirty="0">
                         <a:solidFill>
                           <a:schemeClr val="bg1"/>
                         </a:solidFill>
@@ -9314,7 +9163,7 @@
                         <a:defRPr/>
                       </a:pPr>
                       <a:r>
-                        <a:rPr lang="en-US" altLang="ko-KR" sz="900" b="0" dirty="0" smtClean="0">
+                        <a:rPr lang="en-US" altLang="ko-KR" sz="900" b="0" dirty="0">
                           <a:solidFill>
                             <a:schemeClr val="tx1"/>
                           </a:solidFill>
@@ -9357,7 +9206,7 @@
                         <a:defRPr/>
                       </a:pPr>
                       <a:r>
-                        <a:rPr lang="en-US" altLang="ko-KR" sz="900" b="0" dirty="0" smtClean="0">
+                        <a:rPr lang="en-US" altLang="ko-KR" sz="900" b="0" dirty="0">
                           <a:solidFill>
                             <a:schemeClr val="tx1"/>
                           </a:solidFill>
@@ -9400,7 +9249,7 @@
                         <a:defRPr/>
                       </a:pPr>
                       <a:r>
-                        <a:rPr lang="en-US" altLang="ko-KR" sz="900" b="0" dirty="0" smtClean="0">
+                        <a:rPr lang="en-US" altLang="ko-KR" sz="900" b="0" dirty="0">
                           <a:solidFill>
                             <a:schemeClr val="tx1"/>
                           </a:solidFill>
@@ -9443,7 +9292,7 @@
                         <a:defRPr/>
                       </a:pPr>
                       <a:r>
-                        <a:rPr lang="ko-KR" altLang="en-US" sz="900" b="0" dirty="0" smtClean="0">
+                        <a:rPr lang="ko-KR" altLang="en-US" sz="900" b="0" dirty="0">
                           <a:solidFill>
                             <a:schemeClr val="tx1"/>
                           </a:solidFill>
@@ -9454,7 +9303,7 @@
                         <a:t>타입</a:t>
                       </a:r>
                       <a:r>
-                        <a:rPr lang="en-US" altLang="ko-KR" sz="900" b="0" dirty="0" smtClean="0">
+                        <a:rPr lang="en-US" altLang="ko-KR" sz="900" b="0" dirty="0">
                           <a:solidFill>
                             <a:schemeClr val="tx1"/>
                           </a:solidFill>
@@ -9474,6 +9323,11 @@
                     </a:solidFill>
                   </a:tcPr>
                 </a:tc>
+                <a:extLst>
+                  <a:ext uri="{0D108BD9-81ED-4DB2-BD59-A6C34878D82A}">
+                    <a16:rowId xmlns:a16="http://schemas.microsoft.com/office/drawing/2014/main" val="10003"/>
+                  </a:ext>
+                </a:extLst>
               </a:tr>
               <a:tr h="192258">
                 <a:tc gridSpan="2">
@@ -9499,7 +9353,7 @@
                         <a:defRPr/>
                       </a:pPr>
                       <a:r>
-                        <a:rPr lang="en-US" altLang="ko-KR" sz="900" b="0" dirty="0" smtClean="0">
+                        <a:rPr lang="en-US" altLang="ko-KR" sz="900" b="0" dirty="0">
                           <a:solidFill>
                             <a:schemeClr val="tx1"/>
                           </a:solidFill>
@@ -9541,7 +9395,7 @@
                         <a:tabLst/>
                         <a:defRPr/>
                       </a:pPr>
-                      <a:endParaRPr lang="en-US" altLang="ko-KR" sz="900" b="1" dirty="0" smtClean="0">
+                      <a:endParaRPr lang="en-US" altLang="ko-KR" sz="900" b="1" dirty="0">
                         <a:solidFill>
                           <a:schemeClr val="bg1"/>
                         </a:solidFill>
@@ -9582,7 +9436,7 @@
                         <a:defRPr/>
                       </a:pPr>
                       <a:r>
-                        <a:rPr lang="en-US" altLang="ko-KR" sz="900" b="0" dirty="0" smtClean="0">
+                        <a:rPr lang="en-US" altLang="ko-KR" sz="900" b="0" dirty="0">
                           <a:solidFill>
                             <a:schemeClr val="tx1"/>
                           </a:solidFill>
@@ -9625,7 +9479,7 @@
                         <a:defRPr/>
                       </a:pPr>
                       <a:r>
-                        <a:rPr lang="en-US" altLang="ko-KR" sz="900" b="0" dirty="0" smtClean="0">
+                        <a:rPr lang="en-US" altLang="ko-KR" sz="900" b="0" dirty="0">
                           <a:solidFill>
                             <a:schemeClr val="tx1"/>
                           </a:solidFill>
@@ -9667,7 +9521,7 @@
                         <a:tabLst/>
                         <a:defRPr/>
                       </a:pPr>
-                      <a:endParaRPr lang="en-US" altLang="ko-KR" sz="900" b="0" dirty="0" smtClean="0">
+                      <a:endParaRPr lang="en-US" altLang="ko-KR" sz="900" b="0" dirty="0">
                         <a:solidFill>
                           <a:schemeClr val="tx1"/>
                         </a:solidFill>
@@ -9707,7 +9561,7 @@
                         <a:tabLst/>
                         <a:defRPr/>
                       </a:pPr>
-                      <a:endParaRPr lang="en-US" altLang="ko-KR" sz="900" b="0" dirty="0" smtClean="0">
+                      <a:endParaRPr lang="en-US" altLang="ko-KR" sz="900" b="0" dirty="0">
                         <a:solidFill>
                           <a:schemeClr val="tx1"/>
                         </a:solidFill>
@@ -9725,6 +9579,11 @@
                     </a:solidFill>
                   </a:tcPr>
                 </a:tc>
+                <a:extLst>
+                  <a:ext uri="{0D108BD9-81ED-4DB2-BD59-A6C34878D82A}">
+                    <a16:rowId xmlns:a16="http://schemas.microsoft.com/office/drawing/2014/main" val="10004"/>
+                  </a:ext>
+                </a:extLst>
               </a:tr>
               <a:tr h="192258">
                 <a:tc>
@@ -9749,7 +9608,7 @@
                         <a:tabLst/>
                         <a:defRPr/>
                       </a:pPr>
-                      <a:endParaRPr lang="en-US" altLang="ko-KR" sz="900" b="0" dirty="0" smtClean="0">
+                      <a:endParaRPr lang="en-US" altLang="ko-KR" sz="900" b="0" dirty="0">
                         <a:solidFill>
                           <a:schemeClr val="tx1"/>
                         </a:solidFill>
@@ -9790,7 +9649,7 @@
                         <a:defRPr/>
                       </a:pPr>
                       <a:r>
-                        <a:rPr lang="en-US" altLang="ko-KR" sz="900" b="0" dirty="0" smtClean="0">
+                        <a:rPr lang="en-US" altLang="ko-KR" sz="900" b="0" dirty="0">
                           <a:solidFill>
                             <a:schemeClr val="tx1"/>
                           </a:solidFill>
@@ -9833,7 +9692,7 @@
                         <a:defRPr/>
                       </a:pPr>
                       <a:r>
-                        <a:rPr lang="en-US" altLang="ko-KR" sz="900" b="0" dirty="0" smtClean="0">
+                        <a:rPr lang="en-US" altLang="ko-KR" sz="900" b="0" dirty="0">
                           <a:solidFill>
                             <a:schemeClr val="tx1"/>
                           </a:solidFill>
@@ -9876,7 +9735,7 @@
                         <a:defRPr/>
                       </a:pPr>
                       <a:r>
-                        <a:rPr lang="en-US" altLang="ko-KR" sz="900" b="0" dirty="0" smtClean="0">
+                        <a:rPr lang="en-US" altLang="ko-KR" sz="900" b="0" dirty="0">
                           <a:solidFill>
                             <a:schemeClr val="tx1"/>
                           </a:solidFill>
@@ -9918,7 +9777,7 @@
                         <a:tabLst/>
                         <a:defRPr/>
                       </a:pPr>
-                      <a:endParaRPr lang="en-US" altLang="ko-KR" sz="900" b="0" dirty="0" smtClean="0">
+                      <a:endParaRPr lang="en-US" altLang="ko-KR" sz="900" b="0" dirty="0">
                         <a:solidFill>
                           <a:schemeClr val="tx1"/>
                         </a:solidFill>
@@ -9959,7 +9818,7 @@
                         <a:defRPr/>
                       </a:pPr>
                       <a:r>
-                        <a:rPr lang="ko-KR" altLang="en-US" sz="900" b="0" dirty="0" smtClean="0">
+                        <a:rPr lang="ko-KR" altLang="en-US" sz="900" b="0" dirty="0">
                           <a:solidFill>
                             <a:schemeClr val="tx1"/>
                           </a:solidFill>
@@ -9969,7 +9828,7 @@
                         </a:rPr>
                         <a:t>배너네임</a:t>
                       </a:r>
-                      <a:endParaRPr lang="en-US" altLang="ko-KR" sz="900" b="0" dirty="0" smtClean="0">
+                      <a:endParaRPr lang="en-US" altLang="ko-KR" sz="900" b="0" dirty="0">
                         <a:solidFill>
                           <a:schemeClr val="tx1"/>
                         </a:solidFill>
@@ -9987,6 +9846,11 @@
                     </a:solidFill>
                   </a:tcPr>
                 </a:tc>
+                <a:extLst>
+                  <a:ext uri="{0D108BD9-81ED-4DB2-BD59-A6C34878D82A}">
+                    <a16:rowId xmlns:a16="http://schemas.microsoft.com/office/drawing/2014/main" val="10005"/>
+                  </a:ext>
+                </a:extLst>
               </a:tr>
               <a:tr h="192258">
                 <a:tc>
@@ -10011,7 +9875,7 @@
                         <a:tabLst/>
                         <a:defRPr/>
                       </a:pPr>
-                      <a:endParaRPr lang="en-US" altLang="ko-KR" sz="900" b="0" dirty="0" smtClean="0">
+                      <a:endParaRPr lang="en-US" altLang="ko-KR" sz="900" b="0" dirty="0">
                         <a:solidFill>
                           <a:schemeClr val="tx1"/>
                         </a:solidFill>
@@ -10052,7 +9916,7 @@
                         <a:defRPr/>
                       </a:pPr>
                       <a:r>
-                        <a:rPr lang="en-US" altLang="ko-KR" sz="900" b="0" dirty="0" smtClean="0">
+                        <a:rPr lang="en-US" altLang="ko-KR" sz="900" b="0" dirty="0">
                           <a:solidFill>
                             <a:schemeClr val="tx1"/>
                           </a:solidFill>
@@ -10094,7 +9958,7 @@
                         <a:tabLst/>
                         <a:defRPr/>
                       </a:pPr>
-                      <a:endParaRPr lang="en-US" altLang="ko-KR" sz="900" b="0" dirty="0" smtClean="0">
+                      <a:endParaRPr lang="en-US" altLang="ko-KR" sz="900" b="0" dirty="0">
                         <a:solidFill>
                           <a:schemeClr val="tx1"/>
                         </a:solidFill>
@@ -10134,7 +9998,7 @@
                         <a:tabLst/>
                         <a:defRPr/>
                       </a:pPr>
-                      <a:endParaRPr lang="en-US" altLang="ko-KR" sz="900" b="0" dirty="0" smtClean="0">
+                      <a:endParaRPr lang="en-US" altLang="ko-KR" sz="900" b="0" dirty="0">
                         <a:solidFill>
                           <a:schemeClr val="tx1"/>
                         </a:solidFill>
@@ -10174,7 +10038,7 @@
                         <a:tabLst/>
                         <a:defRPr/>
                       </a:pPr>
-                      <a:endParaRPr lang="en-US" altLang="ko-KR" sz="900" b="0" dirty="0" smtClean="0">
+                      <a:endParaRPr lang="en-US" altLang="ko-KR" sz="900" b="0" dirty="0">
                         <a:solidFill>
                           <a:schemeClr val="tx1"/>
                         </a:solidFill>
@@ -10214,7 +10078,7 @@
                         <a:tabLst/>
                         <a:defRPr/>
                       </a:pPr>
-                      <a:endParaRPr lang="en-US" altLang="ko-KR" sz="900" b="0" dirty="0" smtClean="0">
+                      <a:endParaRPr lang="en-US" altLang="ko-KR" sz="900" b="0" dirty="0">
                         <a:solidFill>
                           <a:schemeClr val="tx1"/>
                         </a:solidFill>
@@ -10232,6 +10096,11 @@
                     </a:solidFill>
                   </a:tcPr>
                 </a:tc>
+                <a:extLst>
+                  <a:ext uri="{0D108BD9-81ED-4DB2-BD59-A6C34878D82A}">
+                    <a16:rowId xmlns:a16="http://schemas.microsoft.com/office/drawing/2014/main" val="10006"/>
+                  </a:ext>
+                </a:extLst>
               </a:tr>
               <a:tr h="192258">
                 <a:tc>
@@ -10256,7 +10125,7 @@
                         <a:tabLst/>
                         <a:defRPr/>
                       </a:pPr>
-                      <a:endParaRPr lang="en-US" altLang="ko-KR" sz="900" b="0" dirty="0" smtClean="0">
+                      <a:endParaRPr lang="en-US" altLang="ko-KR" sz="900" b="0" dirty="0">
                         <a:solidFill>
                           <a:schemeClr val="tx1"/>
                         </a:solidFill>
@@ -10297,7 +10166,7 @@
                         <a:defRPr/>
                       </a:pPr>
                       <a:r>
-                        <a:rPr lang="en-US" altLang="ko-KR" sz="900" b="0" dirty="0" smtClean="0">
+                        <a:rPr lang="en-US" altLang="ko-KR" sz="900" b="0" dirty="0">
                           <a:solidFill>
                             <a:schemeClr val="tx1"/>
                           </a:solidFill>
@@ -10340,7 +10209,7 @@
                         <a:defRPr/>
                       </a:pPr>
                       <a:r>
-                        <a:rPr lang="en-US" altLang="ko-KR" sz="900" b="0" dirty="0" smtClean="0">
+                        <a:rPr lang="en-US" altLang="ko-KR" sz="900" b="0" dirty="0">
                           <a:solidFill>
                             <a:schemeClr val="tx1"/>
                           </a:solidFill>
@@ -10383,7 +10252,7 @@
                         <a:defRPr/>
                       </a:pPr>
                       <a:r>
-                        <a:rPr lang="en-US" altLang="ko-KR" sz="900" b="0" dirty="0" smtClean="0">
+                        <a:rPr lang="en-US" altLang="ko-KR" sz="900" b="0" dirty="0">
                           <a:solidFill>
                             <a:schemeClr val="tx1"/>
                           </a:solidFill>
@@ -10426,7 +10295,7 @@
                         <a:defRPr/>
                       </a:pPr>
                       <a:r>
-                        <a:rPr lang="en-US" altLang="ko-KR" sz="900" b="0" dirty="0" smtClean="0">
+                        <a:rPr lang="en-US" altLang="ko-KR" sz="900" b="0" dirty="0">
                           <a:solidFill>
                             <a:schemeClr val="tx1"/>
                           </a:solidFill>
@@ -10469,7 +10338,7 @@
                         <a:defRPr/>
                       </a:pPr>
                       <a:r>
-                        <a:rPr lang="ko-KR" altLang="en-US" sz="900" b="0" dirty="0" smtClean="0">
+                        <a:rPr lang="ko-KR" altLang="en-US" sz="900" b="0" dirty="0">
                           <a:solidFill>
                             <a:schemeClr val="tx1"/>
                           </a:solidFill>
@@ -10479,7 +10348,7 @@
                         </a:rPr>
                         <a:t>이미지사이즈</a:t>
                       </a:r>
-                      <a:endParaRPr lang="en-US" altLang="ko-KR" sz="900" b="0" dirty="0" smtClean="0">
+                      <a:endParaRPr lang="en-US" altLang="ko-KR" sz="900" b="0" dirty="0">
                         <a:solidFill>
                           <a:schemeClr val="tx1"/>
                         </a:solidFill>
@@ -10497,6 +10366,11 @@
                     </a:solidFill>
                   </a:tcPr>
                 </a:tc>
+                <a:extLst>
+                  <a:ext uri="{0D108BD9-81ED-4DB2-BD59-A6C34878D82A}">
+                    <a16:rowId xmlns:a16="http://schemas.microsoft.com/office/drawing/2014/main" val="10007"/>
+                  </a:ext>
+                </a:extLst>
               </a:tr>
               <a:tr h="192258">
                 <a:tc>
@@ -10521,7 +10395,7 @@
                         <a:tabLst/>
                         <a:defRPr/>
                       </a:pPr>
-                      <a:endParaRPr lang="en-US" altLang="ko-KR" sz="900" b="0" dirty="0" smtClean="0">
+                      <a:endParaRPr lang="en-US" altLang="ko-KR" sz="900" b="0" dirty="0">
                         <a:solidFill>
                           <a:schemeClr val="tx1"/>
                         </a:solidFill>
@@ -10562,7 +10436,7 @@
                         <a:defRPr/>
                       </a:pPr>
                       <a:r>
-                        <a:rPr lang="en-US" altLang="ko-KR" sz="900" b="0" dirty="0" smtClean="0">
+                        <a:rPr lang="en-US" altLang="ko-KR" sz="900" b="0" dirty="0">
                           <a:solidFill>
                             <a:schemeClr val="tx1"/>
                           </a:solidFill>
@@ -10605,7 +10479,7 @@
                         <a:defRPr/>
                       </a:pPr>
                       <a:r>
-                        <a:rPr lang="en-US" altLang="ko-KR" sz="900" b="0" dirty="0" smtClean="0">
+                        <a:rPr lang="en-US" altLang="ko-KR" sz="900" b="0" dirty="0">
                           <a:solidFill>
                             <a:schemeClr val="tx1"/>
                           </a:solidFill>
@@ -10648,7 +10522,7 @@
                         <a:defRPr/>
                       </a:pPr>
                       <a:r>
-                        <a:rPr lang="en-US" altLang="ko-KR" sz="900" b="0" dirty="0" smtClean="0">
+                        <a:rPr lang="en-US" altLang="ko-KR" sz="900" b="0" dirty="0">
                           <a:solidFill>
                             <a:schemeClr val="tx1"/>
                           </a:solidFill>
@@ -10691,7 +10565,7 @@
                         <a:defRPr/>
                       </a:pPr>
                       <a:r>
-                        <a:rPr lang="en-US" altLang="ko-KR" sz="900" b="0" dirty="0" smtClean="0">
+                        <a:rPr lang="en-US" altLang="ko-KR" sz="900" b="0" dirty="0">
                           <a:solidFill>
                             <a:schemeClr val="tx1"/>
                           </a:solidFill>
@@ -10734,7 +10608,7 @@
                         <a:defRPr/>
                       </a:pPr>
                       <a:r>
-                        <a:rPr lang="ko-KR" altLang="en-US" sz="900" b="0" dirty="0" smtClean="0">
+                        <a:rPr lang="ko-KR" altLang="en-US" sz="900" b="0" dirty="0">
                           <a:solidFill>
                             <a:schemeClr val="tx1"/>
                           </a:solidFill>
@@ -10744,7 +10618,7 @@
                         </a:rPr>
                         <a:t>이미지사이즈</a:t>
                       </a:r>
-                      <a:endParaRPr lang="en-US" altLang="ko-KR" sz="900" b="0" dirty="0" smtClean="0">
+                      <a:endParaRPr lang="en-US" altLang="ko-KR" sz="900" b="0" dirty="0">
                         <a:solidFill>
                           <a:schemeClr val="tx1"/>
                         </a:solidFill>
@@ -10762,6 +10636,11 @@
                     </a:solidFill>
                   </a:tcPr>
                 </a:tc>
+                <a:extLst>
+                  <a:ext uri="{0D108BD9-81ED-4DB2-BD59-A6C34878D82A}">
+                    <a16:rowId xmlns:a16="http://schemas.microsoft.com/office/drawing/2014/main" val="10008"/>
+                  </a:ext>
+                </a:extLst>
               </a:tr>
             </a:tbl>
           </a:graphicData>
@@ -10820,64 +10699,53 @@
           <a:lstStyle/>
           <a:p>
             <a:r>
-              <a:rPr lang="en-US" altLang="ko-KR" sz="1000" dirty="0" smtClean="0">
+              <a:rPr lang="en-US" altLang="ko-KR" sz="1000" dirty="0">
                 <a:latin typeface="+mn-ea"/>
                 <a:ea typeface="+mn-ea"/>
               </a:rPr>
               <a:t>1. API </a:t>
             </a:r>
             <a:r>
-              <a:rPr lang="ko-KR" altLang="en-US" sz="1000" dirty="0" smtClean="0">
+              <a:rPr lang="ko-KR" altLang="en-US" sz="1000" dirty="0">
                 <a:latin typeface="+mn-ea"/>
                 <a:ea typeface="+mn-ea"/>
               </a:rPr>
               <a:t>스펙 기준으로 </a:t>
             </a:r>
             <a:r>
-              <a:rPr lang="en-US" altLang="ko-KR" sz="1000" dirty="0" smtClean="0">
+              <a:rPr lang="en-US" altLang="ko-KR" sz="1000" dirty="0">
                 <a:latin typeface="+mn-ea"/>
                 <a:ea typeface="+mn-ea"/>
               </a:rPr>
               <a:t>TC </a:t>
             </a:r>
             <a:r>
-              <a:rPr lang="ko-KR" altLang="en-US" sz="1000" dirty="0" smtClean="0">
+              <a:rPr lang="ko-KR" altLang="en-US" sz="1000" dirty="0">
                 <a:latin typeface="+mn-ea"/>
                 <a:ea typeface="+mn-ea"/>
               </a:rPr>
               <a:t>작성</a:t>
             </a:r>
-            <a:r>
-              <a:rPr lang="en-US" altLang="ko-KR" sz="1000" dirty="0" smtClean="0">
+            <a:br>
+              <a:rPr lang="en-US" altLang="ko-KR" sz="1000" dirty="0">
                 <a:latin typeface="+mn-ea"/>
                 <a:ea typeface="+mn-ea"/>
               </a:rPr>
-              <a:t/>
-            </a:r>
-            <a:br>
-              <a:rPr lang="en-US" altLang="ko-KR" sz="1000" dirty="0" smtClean="0">
+            </a:br>
+            <a:r>
+              <a:rPr lang="en-US" altLang="ko-KR" sz="1000" dirty="0">
                 <a:latin typeface="+mn-ea"/>
                 <a:ea typeface="+mn-ea"/>
               </a:rPr>
-            </a:br>
-            <a:r>
-              <a:rPr lang="en-US" altLang="ko-KR" sz="1000" dirty="0" smtClean="0">
+              <a:t>* checklist</a:t>
+            </a:r>
+            <a:r>
+              <a:rPr lang="ko-KR" altLang="en-US" sz="1000" dirty="0">
                 <a:latin typeface="+mn-ea"/>
                 <a:ea typeface="+mn-ea"/>
               </a:rPr>
-              <a:t>* checklist</a:t>
-            </a:r>
-            <a:r>
-              <a:rPr lang="ko-KR" altLang="en-US" sz="1000" dirty="0" smtClean="0">
-                <a:latin typeface="+mn-ea"/>
-                <a:ea typeface="+mn-ea"/>
-              </a:rPr>
               <a:t>중 일부 데이터 생략</a:t>
             </a:r>
-            <a:endParaRPr lang="ko-KR" altLang="en-US" sz="1000" dirty="0">
-              <a:latin typeface="+mn-ea"/>
-              <a:ea typeface="+mn-ea"/>
-            </a:endParaRPr>
           </a:p>
         </p:txBody>
       </p:sp>
@@ -10902,24 +10770,20 @@
           <a:lstStyle/>
           <a:p>
             <a:r>
-              <a:rPr lang="en-US" altLang="ko-KR" dirty="0" smtClean="0"/>
+              <a:rPr lang="en-US" altLang="ko-KR" sz="2800" dirty="0">
+                <a:latin typeface="+mn-ea"/>
+              </a:rPr>
               <a:t>API </a:t>
             </a:r>
             <a:r>
-              <a:rPr lang="ko-KR" altLang="en-US" dirty="0" smtClean="0"/>
-              <a:t>단위테스트 예제 </a:t>
-            </a:r>
-            <a:r>
-              <a:rPr lang="en-US" altLang="ko-KR" dirty="0" smtClean="0"/>
-              <a:t>(</a:t>
-            </a:r>
-            <a:r>
-              <a:rPr lang="ko-KR" altLang="en-US" dirty="0" smtClean="0"/>
-              <a:t>배너</a:t>
-            </a:r>
-            <a:r>
-              <a:rPr lang="en-US" altLang="ko-KR" dirty="0" smtClean="0"/>
-              <a:t>)</a:t>
+              <a:rPr lang="en-US" altLang="zh-CN" sz="2800" dirty="0">
+                <a:latin typeface="+mn-ea"/>
+              </a:rPr>
+              <a:t>Test Example</a:t>
+            </a:r>
+            <a:r>
+              <a:rPr lang="en-US" altLang="ko-KR" dirty="0"/>
+              <a:t> </a:t>
             </a:r>
           </a:p>
           <a:p>
@@ -10928,29 +10792,19 @@
               <a:buChar char="-"/>
             </a:pPr>
             <a:r>
-              <a:rPr lang="en-US" altLang="ko-KR" sz="1200" b="1" dirty="0" smtClean="0">
-                <a:latin typeface="+mn-ea"/>
-              </a:rPr>
-              <a:t>API Testcase </a:t>
-            </a:r>
-            <a:r>
-              <a:rPr lang="ko-KR" altLang="en-US" sz="1200" b="1" dirty="0" smtClean="0">
-                <a:latin typeface="+mn-ea"/>
-              </a:rPr>
-              <a:t>작성</a:t>
-            </a:r>
-            <a:endParaRPr lang="en-US" altLang="ko-KR" sz="1200" b="1" dirty="0" smtClean="0">
+              <a:rPr lang="en-US" altLang="ko-KR" sz="1200" b="1" dirty="0">
+                <a:latin typeface="+mn-ea"/>
+              </a:rPr>
+              <a:t>API </a:t>
+            </a:r>
+            <a:r>
+              <a:rPr lang="zh-CN" altLang="en-US" sz="1200" b="1" dirty="0">
+                <a:latin typeface="+mn-ea"/>
+              </a:rPr>
+              <a:t>测试用例样本</a:t>
+            </a:r>
+            <a:endParaRPr lang="en-US" altLang="ko-KR" sz="1200" b="1" dirty="0">
               <a:latin typeface="+mn-ea"/>
-            </a:endParaRPr>
-          </a:p>
-          <a:p>
-            <a:pPr marL="0" indent="0">
-              <a:buNone/>
-            </a:pPr>
-            <a:endParaRPr lang="en-US" altLang="ko-KR" sz="1200" b="1" dirty="0" smtClean="0">
-              <a:solidFill>
-                <a:schemeClr val="bg1"/>
-              </a:solidFill>
             </a:endParaRPr>
           </a:p>
           <a:p>
@@ -10964,39 +10818,49 @@
             </a:endParaRPr>
           </a:p>
           <a:p>
-            <a:pPr>
-              <a:buFontTx/>
-              <a:buChar char="-"/>
-            </a:pPr>
-            <a:endParaRPr lang="en-US" altLang="ko-KR" sz="1200" b="1" dirty="0" smtClean="0">
+            <a:pPr marL="0" indent="0">
+              <a:buNone/>
+            </a:pPr>
+            <a:endParaRPr lang="en-US" altLang="ko-KR" sz="1200" b="1" dirty="0">
               <a:solidFill>
                 <a:schemeClr val="bg1"/>
               </a:solidFill>
             </a:endParaRPr>
           </a:p>
           <a:p>
-            <a:pPr marL="0" indent="0">
-              <a:buNone/>
-            </a:pPr>
-            <a:endParaRPr lang="en-US" altLang="ko-KR" sz="1200" b="1" dirty="0" smtClean="0">
+            <a:pPr>
+              <a:buFontTx/>
+              <a:buChar char="-"/>
+            </a:pPr>
+            <a:endParaRPr lang="en-US" altLang="ko-KR" sz="1200" b="1" dirty="0">
               <a:solidFill>
                 <a:schemeClr val="bg1"/>
               </a:solidFill>
             </a:endParaRPr>
           </a:p>
           <a:p>
+            <a:pPr marL="0" indent="0">
+              <a:buNone/>
+            </a:pPr>
+            <a:endParaRPr lang="en-US" altLang="ko-KR" sz="1200" b="1" dirty="0">
+              <a:solidFill>
+                <a:schemeClr val="bg1"/>
+              </a:solidFill>
+            </a:endParaRPr>
+          </a:p>
+          <a:p>
             <a:pPr>
               <a:buFontTx/>
               <a:buChar char="-"/>
             </a:pPr>
-            <a:endParaRPr lang="en-US" altLang="ko-KR" sz="1200" b="1" dirty="0" smtClean="0"/>
+            <a:endParaRPr lang="en-US" altLang="ko-KR" sz="1200" b="1" dirty="0"/>
           </a:p>
           <a:p>
             <a:pPr>
               <a:buFontTx/>
               <a:buChar char="-"/>
             </a:pPr>
-            <a:endParaRPr lang="en-US" altLang="ko-KR" sz="1200" b="1" dirty="0" smtClean="0"/>
+            <a:endParaRPr lang="en-US" altLang="ko-KR" sz="1200" b="1" dirty="0"/>
           </a:p>
           <a:p>
             <a:pPr marL="0" indent="0">
@@ -11093,24 +10957,20 @@
           <a:lstStyle/>
           <a:p>
             <a:r>
-              <a:rPr lang="en-US" altLang="ko-KR" dirty="0" smtClean="0"/>
+              <a:rPr lang="en-US" altLang="ko-KR" sz="2800" dirty="0">
+                <a:latin typeface="+mn-ea"/>
+              </a:rPr>
               <a:t>API </a:t>
             </a:r>
             <a:r>
-              <a:rPr lang="ko-KR" altLang="en-US" dirty="0" smtClean="0"/>
-              <a:t>단위테스트 예제 </a:t>
-            </a:r>
-            <a:r>
-              <a:rPr lang="en-US" altLang="ko-KR" dirty="0" smtClean="0"/>
-              <a:t>(</a:t>
-            </a:r>
-            <a:r>
-              <a:rPr lang="ko-KR" altLang="en-US" dirty="0" smtClean="0"/>
-              <a:t>배너</a:t>
-            </a:r>
-            <a:r>
-              <a:rPr lang="en-US" altLang="ko-KR" dirty="0" smtClean="0"/>
-              <a:t>)</a:t>
+              <a:rPr lang="en-US" altLang="zh-CN" sz="2800" dirty="0">
+                <a:latin typeface="+mn-ea"/>
+              </a:rPr>
+              <a:t>Test Example</a:t>
+            </a:r>
+            <a:r>
+              <a:rPr lang="en-US" altLang="ko-KR" dirty="0"/>
+              <a:t> </a:t>
             </a:r>
           </a:p>
           <a:p>
@@ -11119,7 +10979,7 @@
               <a:buChar char="-"/>
             </a:pPr>
             <a:r>
-              <a:rPr lang="en-US" altLang="ko-KR" sz="1200" b="1" dirty="0" smtClean="0">
+              <a:rPr lang="en-US" altLang="ko-KR" sz="1200" b="1" dirty="0">
                 <a:latin typeface="+mn-ea"/>
               </a:rPr>
               <a:t>API Test Tool</a:t>
@@ -11129,7 +10989,7 @@
             <a:pPr marL="0" indent="0">
               <a:buNone/>
             </a:pPr>
-            <a:endParaRPr lang="en-US" altLang="ko-KR" sz="1200" b="1" dirty="0" smtClean="0">
+            <a:endParaRPr lang="en-US" altLang="ko-KR" sz="1200" b="1" dirty="0">
               <a:latin typeface="+mn-ea"/>
             </a:endParaRPr>
           </a:p>
@@ -11139,47 +10999,26 @@
               <a:buChar char="-"/>
             </a:pPr>
             <a:r>
-              <a:rPr lang="en-US" altLang="ko-KR" sz="1200" b="1" dirty="0" smtClean="0">
-                <a:latin typeface="+mn-ea"/>
-              </a:rPr>
-              <a:t>Postman </a:t>
-            </a:r>
-            <a:r>
-              <a:rPr lang="ko-KR" altLang="en-US" sz="1200" b="1" dirty="0" smtClean="0">
-                <a:latin typeface="+mn-ea"/>
-              </a:rPr>
-              <a:t>을 활용한 </a:t>
-            </a:r>
-            <a:r>
-              <a:rPr lang="en-US" altLang="ko-KR" sz="1200" b="1" dirty="0" smtClean="0">
-                <a:latin typeface="+mn-ea"/>
-              </a:rPr>
-              <a:t>API </a:t>
-            </a:r>
-            <a:r>
-              <a:rPr lang="ko-KR" altLang="en-US" sz="1200" b="1" dirty="0" smtClean="0">
-                <a:latin typeface="+mn-ea"/>
-              </a:rPr>
-              <a:t>테스트 </a:t>
-            </a:r>
-            <a:r>
-              <a:rPr lang="en-US" altLang="ko-KR" sz="1200" b="1" dirty="0" smtClean="0">
-                <a:latin typeface="+mn-ea"/>
-              </a:rPr>
-              <a:t>(</a:t>
-            </a:r>
-            <a:r>
-              <a:rPr lang="ko-KR" altLang="en-US" sz="1200" b="1" dirty="0" smtClean="0">
-                <a:latin typeface="+mn-ea"/>
-              </a:rPr>
-              <a:t>첨부파일 참고</a:t>
-            </a:r>
-            <a:r>
-              <a:rPr lang="en-US" altLang="ko-KR" sz="1200" b="1" dirty="0" smtClean="0">
-                <a:latin typeface="+mn-ea"/>
-              </a:rPr>
-              <a:t>)</a:t>
-            </a:r>
+              <a:rPr lang="zh-CN" altLang="en-US" sz="1200" b="1" dirty="0">
+                <a:latin typeface="+mn-ea"/>
+              </a:rPr>
+              <a:t>利用</a:t>
+            </a:r>
+            <a:r>
+              <a:rPr lang="en-US" altLang="ko-KR" sz="1200" b="1" dirty="0">
+                <a:latin typeface="+mn-ea"/>
+              </a:rPr>
+              <a:t>Postman</a:t>
+            </a:r>
+            <a:r>
+              <a:rPr lang="zh-CN" altLang="en-US" sz="1200" b="1" dirty="0">
+                <a:latin typeface="+mn-ea"/>
+              </a:rPr>
+              <a:t>进行单项测试</a:t>
+            </a:r>
+            <a:endParaRPr lang="en-US" altLang="ko-KR" sz="1200" b="1" dirty="0">
+              <a:latin typeface="+mn-ea"/>
+            </a:endParaRPr>
           </a:p>
           <a:p>
             <a:pPr>
@@ -11195,7 +11034,7 @@
               <a:buFontTx/>
               <a:buChar char="-"/>
             </a:pPr>
-            <a:endParaRPr lang="en-US" altLang="ko-KR" sz="1200" b="1" dirty="0" smtClean="0">
+            <a:endParaRPr lang="en-US" altLang="ko-KR" sz="1200" b="1" dirty="0">
               <a:latin typeface="+mn-ea"/>
             </a:endParaRPr>
           </a:p>
@@ -11214,30 +11053,36 @@
               <a:buChar char="-"/>
             </a:pPr>
             <a:r>
-              <a:rPr lang="en-US" altLang="ko-KR" sz="1200" b="1" dirty="0" smtClean="0">
-                <a:latin typeface="+mn-ea"/>
-              </a:rPr>
-              <a:t>Charles </a:t>
-            </a:r>
-            <a:r>
-              <a:rPr lang="ko-KR" altLang="en-US" sz="1200" b="1" dirty="0" smtClean="0">
-                <a:latin typeface="+mn-ea"/>
-              </a:rPr>
-              <a:t>를 활용한 </a:t>
-            </a:r>
-            <a:r>
-              <a:rPr lang="en-US" altLang="ko-KR" sz="1200" b="1" dirty="0" smtClean="0">
-                <a:latin typeface="+mn-ea"/>
-              </a:rPr>
-              <a:t>API </a:t>
-            </a:r>
-            <a:r>
-              <a:rPr lang="ko-KR" altLang="en-US" sz="1200" b="1" dirty="0" smtClean="0">
-                <a:latin typeface="+mn-ea"/>
-              </a:rPr>
-              <a:t>테스트</a:t>
-            </a:r>
-            <a:endParaRPr lang="en-US" altLang="ko-KR" sz="1200" b="1" dirty="0" smtClean="0">
+              <a:rPr lang="zh-CN" altLang="en-US" sz="1200" b="1" dirty="0">
+                <a:latin typeface="+mn-ea"/>
+              </a:rPr>
+              <a:t>并且利用</a:t>
+            </a:r>
+            <a:r>
+              <a:rPr lang="en-US" altLang="ko-KR" sz="1200" b="1" dirty="0">
+                <a:latin typeface="+mn-ea"/>
+              </a:rPr>
+              <a:t>Charles</a:t>
+            </a:r>
+            <a:r>
+              <a:rPr lang="zh-CN" altLang="en-US" sz="1200" b="1" dirty="0">
+                <a:latin typeface="+mn-ea"/>
+              </a:rPr>
+              <a:t>也进行过</a:t>
+            </a:r>
+            <a:r>
+              <a:rPr lang="en-US" altLang="zh-CN" sz="1200" b="1" dirty="0">
+                <a:latin typeface="+mn-ea"/>
+              </a:rPr>
+              <a:t>API</a:t>
+            </a:r>
+            <a:r>
+              <a:rPr lang="zh-CN" altLang="en-US" sz="1200" b="1" dirty="0">
+                <a:latin typeface="+mn-ea"/>
+              </a:rPr>
+              <a:t>单项测试</a:t>
+            </a:r>
+            <a:endParaRPr lang="en-US" altLang="ko-KR" sz="1200" b="1" dirty="0">
               <a:latin typeface="+mn-ea"/>
             </a:endParaRPr>
           </a:p>
@@ -11245,21 +11090,21 @@
             <a:pPr marL="0" indent="0">
               <a:buNone/>
             </a:pPr>
-            <a:endParaRPr lang="en-US" altLang="ko-KR" sz="1200" b="1" dirty="0" smtClean="0"/>
+            <a:endParaRPr lang="en-US" altLang="ko-KR" sz="1200" b="1" dirty="0"/>
           </a:p>
           <a:p>
             <a:pPr>
               <a:buFontTx/>
               <a:buChar char="-"/>
             </a:pPr>
-            <a:endParaRPr lang="en-US" altLang="ko-KR" sz="1200" b="1" dirty="0" smtClean="0"/>
+            <a:endParaRPr lang="en-US" altLang="ko-KR" sz="1200" b="1" dirty="0"/>
           </a:p>
           <a:p>
             <a:pPr>
               <a:buFontTx/>
               <a:buChar char="-"/>
             </a:pPr>
-            <a:endParaRPr lang="en-US" altLang="ko-KR" sz="1200" b="1" dirty="0" smtClean="0"/>
+            <a:endParaRPr lang="en-US" altLang="ko-KR" sz="1200" b="1" dirty="0"/>
           </a:p>
           <a:p>
             <a:pPr marL="0" indent="0">
@@ -11272,27 +11117,27 @@
               <a:buFontTx/>
               <a:buChar char="-"/>
             </a:pPr>
-            <a:endParaRPr lang="en-US" altLang="ko-KR" sz="1200" b="1" dirty="0" smtClean="0"/>
+            <a:endParaRPr lang="en-US" altLang="ko-KR" sz="1200" b="1" dirty="0"/>
           </a:p>
           <a:p>
             <a:pPr marL="0" indent="0">
               <a:buNone/>
             </a:pPr>
-            <a:endParaRPr lang="en-US" altLang="ko-KR" sz="1200" b="1" dirty="0" smtClean="0"/>
+            <a:endParaRPr lang="en-US" altLang="ko-KR" sz="1200" b="1" dirty="0"/>
           </a:p>
           <a:p>
             <a:pPr>
               <a:buFontTx/>
               <a:buChar char="-"/>
             </a:pPr>
-            <a:endParaRPr lang="en-US" altLang="ko-KR" sz="1200" b="1" dirty="0" smtClean="0"/>
+            <a:endParaRPr lang="en-US" altLang="ko-KR" sz="1200" b="1" dirty="0"/>
           </a:p>
           <a:p>
             <a:pPr>
               <a:buFontTx/>
               <a:buChar char="-"/>
             </a:pPr>
-            <a:endParaRPr lang="en-US" altLang="ko-KR" sz="1200" b="1" dirty="0" smtClean="0"/>
+            <a:endParaRPr lang="en-US" altLang="ko-KR" sz="1200" b="1" dirty="0"/>
           </a:p>
           <a:p>
             <a:pPr marL="0" indent="0">
@@ -11330,7 +11175,7 @@
         </p:blipFill>
         <p:spPr>
           <a:xfrm>
-            <a:off x="2916195" y="2356494"/>
+            <a:off x="3495315" y="1876434"/>
             <a:ext cx="7158681" cy="3912564"/>
           </a:xfrm>
           <a:prstGeom prst="rect">
@@ -11349,7 +11194,7 @@
           <p:nvPr>
             <p:extLst>
               <p:ext uri="{D42A27DB-BD31-4B8C-83A1-F6EECF244321}">
-                <p14:modId xmlns:p14="http://schemas.microsoft.com/office/powerpoint/2010/main" val="2810810404"/>
+                <p14:modId xmlns:p14="http://schemas.microsoft.com/office/powerpoint/2010/main" val="1923576152"/>
               </p:ext>
             </p:extLst>
           </p:nvPr>
@@ -11362,7 +11207,7 @@
           <a:graphicData uri="http://schemas.openxmlformats.org/presentationml/2006/ole">
             <mc:AlternateContent xmlns:mc="http://schemas.openxmlformats.org/markup-compatibility/2006">
               <mc:Choice xmlns:v="urn:schemas-microsoft-com:vml" Requires="v">
-                <p:oleObj spid="_x0000_s1030" name="Presentation" showAsIcon="1" r:id="rId4" imgW="914400" imgH="771480" progId="PowerPoint.Show.12">
+                <p:oleObj spid="_x0000_s1038" name="Presentation" showAsIcon="1" r:id="rId4" imgW="914400" imgH="771480" progId="PowerPoint.Show.12">
                   <p:embed/>
                 </p:oleObj>
               </mc:Choice>
@@ -11448,56 +11293,60 @@
           <a:lstStyle/>
           <a:p>
             <a:r>
-              <a:rPr lang="en-US" altLang="ko-KR" dirty="0" smtClean="0"/>
+              <a:rPr lang="en-US" altLang="ko-KR" sz="2800" dirty="0">
+                <a:latin typeface="+mn-ea"/>
+              </a:rPr>
               <a:t>API </a:t>
             </a:r>
             <a:r>
-              <a:rPr lang="ko-KR" altLang="en-US" dirty="0" smtClean="0"/>
-              <a:t>자동화 예제 </a:t>
-            </a:r>
-            <a:r>
-              <a:rPr lang="en-US" altLang="ko-KR" dirty="0" smtClean="0"/>
-              <a:t>(</a:t>
-            </a:r>
-            <a:r>
-              <a:rPr lang="ko-KR" altLang="en-US" dirty="0" smtClean="0"/>
-              <a:t>배너</a:t>
-            </a:r>
-            <a:r>
-              <a:rPr lang="en-US" altLang="ko-KR" dirty="0" smtClean="0"/>
-              <a:t>)</a:t>
+              <a:rPr lang="en-US" altLang="zh-CN" sz="2800" dirty="0">
+                <a:latin typeface="+mn-ea"/>
+              </a:rPr>
+              <a:t>Automation Test</a:t>
+            </a:r>
+            <a:r>
+              <a:rPr lang="ko-KR" altLang="en-US" sz="2800" dirty="0">
+                <a:latin typeface="+mn-ea"/>
+              </a:rPr>
+              <a:t> </a:t>
+            </a:r>
+            <a:r>
+              <a:rPr lang="en-US" altLang="ko-KR" sz="2800" dirty="0">
+                <a:latin typeface="+mn-ea"/>
+              </a:rPr>
+              <a:t>Example</a:t>
             </a:r>
           </a:p>
           <a:p>
             <a:pPr marL="0" indent="0">
               <a:buNone/>
             </a:pPr>
-            <a:endParaRPr lang="en-US" altLang="ko-KR" dirty="0" smtClean="0"/>
-          </a:p>
-          <a:p>
-            <a:pPr marL="0" indent="0">
-              <a:buNone/>
-            </a:pPr>
-            <a:r>
-              <a:rPr lang="en-US" altLang="ko-KR" sz="1200" b="1" dirty="0" smtClean="0">
+            <a:r>
+              <a:rPr lang="en-US" altLang="ko-KR" sz="1200" b="1" dirty="0">
                 <a:latin typeface="+mn-ea"/>
               </a:rPr>
               <a:t>      API </a:t>
             </a:r>
             <a:r>
-              <a:rPr lang="ko-KR" altLang="en-US" sz="1200" b="1" dirty="0" smtClean="0">
-                <a:latin typeface="+mn-ea"/>
-              </a:rPr>
-              <a:t>자동화 </a:t>
-            </a:r>
-            <a:r>
-              <a:rPr lang="en-US" altLang="ko-KR" sz="1200" b="1" dirty="0" smtClean="0">
+              <a:rPr lang="en-US" altLang="zh-CN" sz="1200" b="1" dirty="0">
+                <a:latin typeface="+mn-ea"/>
+              </a:rPr>
+              <a:t>Automation Test</a:t>
+            </a:r>
+            <a:r>
+              <a:rPr lang="ko-KR" altLang="en-US" sz="1200" b="1" dirty="0">
+                <a:latin typeface="+mn-ea"/>
+              </a:rPr>
+              <a:t> </a:t>
+            </a:r>
+            <a:r>
+              <a:rPr lang="en-US" altLang="ko-KR" sz="1200" b="1" dirty="0">
                 <a:latin typeface="+mn-ea"/>
               </a:rPr>
               <a:t>Tool : </a:t>
             </a:r>
             <a:r>
-              <a:rPr lang="en-US" altLang="ko-KR" sz="1200" dirty="0" smtClean="0">
+              <a:rPr lang="en-US" altLang="ko-KR" sz="1200" dirty="0">
                 <a:latin typeface="+mn-ea"/>
               </a:rPr>
               <a:t>robot framework</a:t>
@@ -11516,19 +11365,19 @@
               <a:buNone/>
             </a:pPr>
             <a:r>
-              <a:rPr lang="en-US" altLang="ko-KR" sz="1200" b="1" dirty="0" smtClean="0">
-                <a:latin typeface="+mn-ea"/>
-              </a:rPr>
-              <a:t>      </a:t>
-            </a:r>
-            <a:r>
-              <a:rPr lang="ko-KR" altLang="en-US" sz="1200" b="1" dirty="0" smtClean="0">
-                <a:latin typeface="+mn-ea"/>
-              </a:rPr>
-              <a:t>사용 라이브러리</a:t>
-            </a:r>
-            <a:r>
-              <a:rPr lang="en-US" altLang="ko-KR" sz="1200" b="1" dirty="0" smtClean="0">
+              <a:rPr lang="en-US" altLang="ko-KR" sz="1200" b="1" dirty="0">
+                <a:latin typeface="+mn-ea"/>
+              </a:rPr>
+              <a:t>      Used library</a:t>
+            </a:r>
+            <a:r>
+              <a:rPr lang="ko-KR" altLang="en-US" sz="1200" b="1" dirty="0">
+                <a:latin typeface="+mn-ea"/>
+              </a:rPr>
+              <a:t> </a:t>
+            </a:r>
+            <a:r>
+              <a:rPr lang="en-US" altLang="ko-KR" sz="1200" b="1" dirty="0">
                 <a:latin typeface="+mn-ea"/>
               </a:rPr>
               <a:t> :</a:t>
@@ -11542,22 +11391,16 @@
               <a:rPr lang="en-US" altLang="ko-KR" sz="1200" b="1" dirty="0">
                 <a:latin typeface="+mn-ea"/>
               </a:rPr>
-              <a:t> </a:t>
-            </a:r>
-            <a:r>
-              <a:rPr lang="en-US" altLang="ko-KR" sz="1200" b="1" dirty="0" smtClean="0">
-                <a:latin typeface="+mn-ea"/>
-              </a:rPr>
-              <a:t>      </a:t>
-            </a:r>
-            <a:r>
-              <a:rPr lang="ko-KR" altLang="en-US" sz="1200" dirty="0" smtClean="0">
+              <a:t>       </a:t>
+            </a:r>
+            <a:r>
+              <a:rPr lang="ko-KR" altLang="en-US" sz="1200" dirty="0">
                 <a:latin typeface="+mn-ea"/>
               </a:rPr>
               <a:t>ㄴ </a:t>
             </a:r>
             <a:r>
-              <a:rPr lang="en-US" altLang="ko-KR" sz="1200" dirty="0" smtClean="0">
+              <a:rPr lang="en-US" altLang="ko-KR" sz="1200" dirty="0">
                 <a:latin typeface="+mn-ea"/>
               </a:rPr>
               <a:t>httplibrary.http</a:t>
@@ -11580,10 +11423,10 @@
                 </a:effectLst>
                 <a:latin typeface="+mn-ea"/>
               </a:rPr>
-              <a:t> </a:t>
-            </a:r>
-            <a:r>
-              <a:rPr lang="en-US" altLang="ko-KR" sz="1200" dirty="0" smtClean="0">
+              <a:t>       </a:t>
+            </a:r>
+            <a:r>
+              <a:rPr lang="ko-KR" altLang="en-US" sz="1200" dirty="0">
                 <a:effectLst>
                   <a:glow rad="38100">
                     <a:schemeClr val="bg1">
@@ -11595,10 +11438,10 @@
                 </a:effectLst>
                 <a:latin typeface="+mn-ea"/>
               </a:rPr>
-              <a:t>      </a:t>
-            </a:r>
-            <a:r>
-              <a:rPr lang="ko-KR" altLang="en-US" sz="1200" dirty="0" smtClean="0">
+              <a:t>ㄴ </a:t>
+            </a:r>
+            <a:r>
+              <a:rPr lang="en-US" altLang="ko-KR" sz="1200" dirty="0">
                 <a:effectLst>
                   <a:glow rad="38100">
                     <a:schemeClr val="bg1">
@@ -11610,10 +11453,20 @@
                 </a:effectLst>
                 <a:latin typeface="+mn-ea"/>
               </a:rPr>
-              <a:t>ㄴ </a:t>
-            </a:r>
-            <a:r>
-              <a:rPr lang="en-US" altLang="ko-KR" sz="1200" dirty="0" smtClean="0">
+              <a:t>collections</a:t>
+            </a:r>
+            <a:endParaRPr lang="en-US" altLang="ko-KR" sz="1200" dirty="0"/>
+          </a:p>
+          <a:p>
+            <a:pPr marL="0" indent="0">
+              <a:buNone/>
+            </a:pPr>
+            <a:r>
+              <a:rPr lang="en-US" altLang="ko-KR" sz="1200" dirty="0"/>
+              <a:t>       </a:t>
+            </a:r>
+            <a:r>
+              <a:rPr lang="ko-KR" altLang="en-US" sz="1200" dirty="0">
                 <a:effectLst>
                   <a:glow rad="38100">
                     <a:schemeClr val="bg1">
@@ -11625,24 +11478,10 @@
                 </a:effectLst>
                 <a:latin typeface="+mn-ea"/>
               </a:rPr>
-              <a:t>collections</a:t>
-            </a:r>
-            <a:endParaRPr lang="en-US" altLang="ko-KR" sz="1200" dirty="0" smtClean="0"/>
-          </a:p>
-          <a:p>
-            <a:pPr marL="0" indent="0">
-              <a:buNone/>
-            </a:pPr>
-            <a:r>
-              <a:rPr lang="en-US" altLang="ko-KR" sz="1200" dirty="0"/>
-              <a:t> </a:t>
-            </a:r>
-            <a:r>
-              <a:rPr lang="en-US" altLang="ko-KR" sz="1200" dirty="0" smtClean="0"/>
-              <a:t>      </a:t>
-            </a:r>
-            <a:r>
-              <a:rPr lang="ko-KR" altLang="en-US" sz="1200" dirty="0" smtClean="0">
+              <a:t>ㄴ </a:t>
+            </a:r>
+            <a:r>
+              <a:rPr lang="en-US" altLang="ko-KR" sz="1200" dirty="0">
                 <a:effectLst>
                   <a:glow rad="38100">
                     <a:schemeClr val="bg1">
@@ -11654,10 +11493,15 @@
                 </a:effectLst>
                 <a:latin typeface="+mn-ea"/>
               </a:rPr>
-              <a:t>ㄴ </a:t>
-            </a:r>
-            <a:r>
-              <a:rPr lang="en-US" altLang="ko-KR" sz="1200" dirty="0" smtClean="0">
+              <a:t>string</a:t>
+            </a:r>
+          </a:p>
+          <a:p>
+            <a:pPr marL="0" indent="0">
+              <a:buNone/>
+            </a:pPr>
+            <a:r>
+              <a:rPr lang="en-US" altLang="ko-KR" sz="1200" dirty="0">
                 <a:effectLst>
                   <a:glow rad="38100">
                     <a:schemeClr val="bg1">
@@ -11669,15 +11513,10 @@
                 </a:effectLst>
                 <a:latin typeface="+mn-ea"/>
               </a:rPr>
-              <a:t>string</a:t>
-            </a:r>
-          </a:p>
-          <a:p>
-            <a:pPr marL="0" indent="0">
-              <a:buNone/>
-            </a:pPr>
-            <a:r>
-              <a:rPr lang="en-US" altLang="ko-KR" sz="1200" dirty="0" smtClean="0">
+              <a:t>       </a:t>
+            </a:r>
+            <a:r>
+              <a:rPr lang="ko-KR" altLang="en-US" sz="1200" dirty="0">
                 <a:effectLst>
                   <a:glow rad="38100">
                     <a:schemeClr val="bg1">
@@ -11689,10 +11528,10 @@
                 </a:effectLst>
                 <a:latin typeface="+mn-ea"/>
               </a:rPr>
-              <a:t>       </a:t>
-            </a:r>
-            <a:r>
-              <a:rPr lang="ko-KR" altLang="en-US" sz="1200" dirty="0" smtClean="0">
+              <a:t>ㄴ </a:t>
+            </a:r>
+            <a:r>
+              <a:rPr lang="en-US" altLang="ko-KR" sz="1200" dirty="0">
                 <a:effectLst>
                   <a:glow rad="38100">
                     <a:schemeClr val="bg1">
@@ -11704,10 +11543,20 @@
                 </a:effectLst>
                 <a:latin typeface="+mn-ea"/>
               </a:rPr>
-              <a:t>ㄴ </a:t>
-            </a:r>
-            <a:r>
-              <a:rPr lang="en-US" altLang="ko-KR" sz="1200" dirty="0" smtClean="0">
+              <a:t>json</a:t>
+            </a:r>
+            <a:endParaRPr lang="en-US" altLang="ko-KR" sz="1200" dirty="0"/>
+          </a:p>
+          <a:p>
+            <a:pPr marL="0" indent="0">
+              <a:buNone/>
+            </a:pPr>
+            <a:r>
+              <a:rPr lang="en-US" altLang="ko-KR" sz="1200" dirty="0"/>
+              <a:t>       </a:t>
+            </a:r>
+            <a:r>
+              <a:rPr lang="ko-KR" altLang="en-US" sz="1200" dirty="0">
                 <a:effectLst>
                   <a:glow rad="38100">
                     <a:schemeClr val="bg1">
@@ -11719,20 +11568,10 @@
                 </a:effectLst>
                 <a:latin typeface="+mn-ea"/>
               </a:rPr>
-              <a:t>json</a:t>
-            </a:r>
-            <a:endParaRPr lang="en-US" altLang="ko-KR" sz="1200" dirty="0" smtClean="0"/>
-          </a:p>
-          <a:p>
-            <a:pPr marL="0" indent="0">
-              <a:buNone/>
-            </a:pPr>
-            <a:r>
-              <a:rPr lang="en-US" altLang="ko-KR" sz="1200" dirty="0" smtClean="0"/>
-              <a:t>       </a:t>
-            </a:r>
-            <a:r>
-              <a:rPr lang="ko-KR" altLang="en-US" sz="1200" dirty="0" smtClean="0">
+              <a:t>ㄴ </a:t>
+            </a:r>
+            <a:r>
+              <a:rPr lang="en-US" altLang="ko-KR" sz="1200" dirty="0" err="1">
                 <a:effectLst>
                   <a:glow rad="38100">
                     <a:schemeClr val="bg1">
@@ -11744,24 +11583,9 @@
                 </a:effectLst>
                 <a:latin typeface="+mn-ea"/>
               </a:rPr>
-              <a:t>ㄴ </a:t>
-            </a:r>
-            <a:r>
-              <a:rPr lang="en-US" altLang="ko-KR" sz="1200" dirty="0" err="1" smtClean="0">
-                <a:effectLst>
-                  <a:glow rad="38100">
-                    <a:schemeClr val="bg1">
-                      <a:lumMod val="50000"/>
-                      <a:lumOff val="50000"/>
-                      <a:alpha val="20000"/>
-                    </a:schemeClr>
-                  </a:glow>
-                </a:effectLst>
-                <a:latin typeface="+mn-ea"/>
-              </a:rPr>
               <a:t>operatingsystem</a:t>
             </a:r>
-            <a:endParaRPr lang="en-US" altLang="ko-KR" sz="1200" dirty="0" smtClean="0">
+            <a:endParaRPr lang="en-US" altLang="ko-KR" sz="1200" dirty="0">
               <a:effectLst>
                 <a:glow rad="38100">
                   <a:schemeClr val="bg1">
@@ -11791,10 +11615,10 @@
                 </a:effectLst>
                 <a:latin typeface="+mn-ea"/>
               </a:rPr>
-              <a:t> </a:t>
-            </a:r>
-            <a:r>
-              <a:rPr lang="en-US" altLang="ko-KR" sz="1200" dirty="0" smtClean="0">
+              <a:t>       </a:t>
+            </a:r>
+            <a:r>
+              <a:rPr lang="ko-KR" altLang="en-US" sz="1200" dirty="0">
                 <a:effectLst>
                   <a:glow rad="38100">
                     <a:schemeClr val="bg1">
@@ -11806,10 +11630,10 @@
                 </a:effectLst>
                 <a:latin typeface="+mn-ea"/>
               </a:rPr>
-              <a:t>      </a:t>
-            </a:r>
-            <a:r>
-              <a:rPr lang="ko-KR" altLang="en-US" sz="1200" dirty="0" smtClean="0">
+              <a:t>ㄴ </a:t>
+            </a:r>
+            <a:r>
+              <a:rPr lang="en-US" altLang="ko-KR" sz="1200" dirty="0" err="1">
                 <a:effectLst>
                   <a:glow rad="38100">
                     <a:schemeClr val="bg1">
@@ -11821,24 +11645,9 @@
                 </a:effectLst>
                 <a:latin typeface="+mn-ea"/>
               </a:rPr>
-              <a:t>ㄴ </a:t>
-            </a:r>
-            <a:r>
-              <a:rPr lang="en-US" altLang="ko-KR" sz="1200" dirty="0" err="1" smtClean="0">
-                <a:effectLst>
-                  <a:glow rad="38100">
-                    <a:schemeClr val="bg1">
-                      <a:lumMod val="50000"/>
-                      <a:lumOff val="50000"/>
-                      <a:alpha val="20000"/>
-                    </a:schemeClr>
-                  </a:glow>
-                </a:effectLst>
-                <a:latin typeface="+mn-ea"/>
-              </a:rPr>
               <a:t>Builtin</a:t>
             </a:r>
-            <a:endParaRPr lang="en-US" altLang="ko-KR" sz="1200" dirty="0" smtClean="0">
+            <a:endParaRPr lang="en-US" altLang="ko-KR" sz="1200" dirty="0">
               <a:effectLst>
                 <a:glow rad="38100">
                   <a:schemeClr val="bg1">
@@ -11868,10 +11677,10 @@
                 </a:effectLst>
                 <a:latin typeface="+mn-ea"/>
               </a:rPr>
-              <a:t> </a:t>
-            </a:r>
-            <a:r>
-              <a:rPr lang="en-US" altLang="ko-KR" sz="1200" dirty="0" smtClean="0">
+              <a:t>       </a:t>
+            </a:r>
+            <a:r>
+              <a:rPr lang="ko-KR" altLang="en-US" sz="1200" dirty="0">
                 <a:effectLst>
                   <a:glow rad="38100">
                     <a:schemeClr val="bg1">
@@ -11883,25 +11692,10 @@
                 </a:effectLst>
                 <a:latin typeface="+mn-ea"/>
               </a:rPr>
-              <a:t>      </a:t>
-            </a:r>
-            <a:r>
-              <a:rPr lang="ko-KR" altLang="en-US" sz="1200" dirty="0" smtClean="0">
-                <a:effectLst>
-                  <a:glow rad="38100">
-                    <a:schemeClr val="bg1">
-                      <a:lumMod val="50000"/>
-                      <a:lumOff val="50000"/>
-                      <a:alpha val="20000"/>
-                    </a:schemeClr>
-                  </a:glow>
-                </a:effectLst>
-                <a:latin typeface="+mn-ea"/>
-              </a:rPr>
               <a:t>ㄴ </a:t>
             </a:r>
             <a:r>
-              <a:rPr lang="en-US" altLang="ko-KR" sz="1200" dirty="0" smtClean="0">
+              <a:rPr lang="en-US" altLang="ko-KR" sz="1200" dirty="0">
                 <a:effectLst>
                   <a:glow rad="38100">
                     <a:schemeClr val="bg1">
@@ -11938,7 +11732,7 @@
               <a:buNone/>
             </a:pPr>
             <a:r>
-              <a:rPr lang="en-US" altLang="ko-KR" sz="1200" b="1" dirty="0" smtClean="0">
+              <a:rPr lang="en-US" altLang="ko-KR" sz="1200" b="1" dirty="0">
                 <a:effectLst>
                   <a:glow rad="38100">
                     <a:schemeClr val="bg1">
@@ -11953,7 +11747,7 @@
               <a:t>      editor: </a:t>
             </a:r>
             <a:r>
-              <a:rPr lang="en-US" altLang="ko-KR" sz="1200" dirty="0" smtClean="0">
+              <a:rPr lang="en-US" altLang="ko-KR" sz="1200" dirty="0">
                 <a:effectLst>
                   <a:glow rad="38100">
                     <a:schemeClr val="bg1">
@@ -12028,24 +11822,28 @@
           <a:lstStyle/>
           <a:p>
             <a:r>
-              <a:rPr lang="en-US" altLang="ko-KR" dirty="0" smtClean="0"/>
+              <a:rPr lang="en-US" altLang="ko-KR" sz="2800" dirty="0">
+                <a:latin typeface="+mn-ea"/>
+              </a:rPr>
               <a:t>API </a:t>
             </a:r>
             <a:r>
-              <a:rPr lang="ko-KR" altLang="en-US" dirty="0" smtClean="0"/>
-              <a:t>자동화 예제 </a:t>
-            </a:r>
-            <a:r>
-              <a:rPr lang="en-US" altLang="ko-KR" dirty="0" smtClean="0"/>
-              <a:t>(</a:t>
-            </a:r>
-            <a:r>
-              <a:rPr lang="ko-KR" altLang="en-US" dirty="0" smtClean="0"/>
-              <a:t>배너</a:t>
-            </a:r>
-            <a:r>
-              <a:rPr lang="en-US" altLang="ko-KR" dirty="0" smtClean="0"/>
-              <a:t>)</a:t>
+              <a:rPr lang="en-US" altLang="zh-CN" sz="2800" dirty="0">
+                <a:latin typeface="+mn-ea"/>
+              </a:rPr>
+              <a:t>Automation Test</a:t>
+            </a:r>
+            <a:r>
+              <a:rPr lang="ko-KR" altLang="en-US" sz="2800" dirty="0">
+                <a:latin typeface="+mn-ea"/>
+              </a:rPr>
+              <a:t> </a:t>
+            </a:r>
+            <a:r>
+              <a:rPr lang="en-US" altLang="ko-KR" sz="2800" dirty="0">
+                <a:latin typeface="+mn-ea"/>
+              </a:rPr>
+              <a:t>Example</a:t>
             </a:r>
           </a:p>
           <a:p>
@@ -12054,443 +11852,31 @@
               <a:buChar char="-"/>
             </a:pPr>
             <a:r>
-              <a:rPr lang="en-US" altLang="ko-KR" sz="1200" b="1" dirty="0" smtClean="0">
-                <a:latin typeface="+mn-ea"/>
-              </a:rPr>
-              <a:t>API </a:t>
-            </a:r>
-            <a:r>
-              <a:rPr lang="ko-KR" altLang="en-US" sz="1200" b="1" dirty="0" smtClean="0">
-                <a:latin typeface="+mn-ea"/>
-              </a:rPr>
-              <a:t>자동화 시나리오</a:t>
-            </a:r>
-            <a:endParaRPr lang="en-US" altLang="ko-KR" sz="1200" b="1" dirty="0" smtClean="0">
-              <a:latin typeface="+mn-ea"/>
-            </a:endParaRPr>
+              <a:rPr lang="en-US" altLang="ko-KR" sz="1200" b="1" dirty="0">
+                <a:latin typeface="+mn-ea"/>
+              </a:rPr>
+              <a:t>API Test</a:t>
+            </a:r>
+            <a:r>
+              <a:rPr lang="ko-KR" altLang="en-US" sz="1200" b="1" dirty="0">
+                <a:latin typeface="+mn-ea"/>
+              </a:rPr>
+              <a:t> </a:t>
+            </a:r>
+            <a:r>
+              <a:rPr lang="en-US" altLang="ko-KR" sz="1200" b="1" dirty="0">
+                <a:latin typeface="+mn-ea"/>
+              </a:rPr>
+              <a:t>Scenario</a:t>
+            </a:r>
+            <a:endParaRPr lang="en-US" altLang="ko-KR" sz="1200" b="1" dirty="0"/>
           </a:p>
           <a:p>
             <a:pPr>
               <a:buFontTx/>
               <a:buChar char="-"/>
             </a:pPr>
-            <a:endParaRPr lang="en-US" altLang="ko-KR" sz="1200" b="1" dirty="0">
-              <a:latin typeface="+mn-ea"/>
-            </a:endParaRPr>
-          </a:p>
-          <a:p>
-            <a:pPr>
-              <a:buFontTx/>
-              <a:buChar char="-"/>
-            </a:pPr>
-            <a:r>
-              <a:rPr lang="en-US" altLang="ko-KR" sz="1200" b="1" dirty="0" smtClean="0">
-                <a:latin typeface="+mn-ea"/>
-              </a:rPr>
-              <a:t>1. precondition </a:t>
-            </a:r>
-            <a:r>
-              <a:rPr lang="ko-KR" altLang="en-US" sz="1200" b="1" dirty="0" smtClean="0">
-                <a:latin typeface="+mn-ea"/>
-              </a:rPr>
-              <a:t>에서 배너등록하는 어드민에서 배너 조회 </a:t>
-            </a:r>
-            <a:r>
-              <a:rPr lang="en-US" altLang="ko-KR" sz="1200" b="1" dirty="0" smtClean="0">
-                <a:latin typeface="+mn-ea"/>
-              </a:rPr>
-              <a:t>API</a:t>
-            </a:r>
-            <a:r>
-              <a:rPr lang="ko-KR" altLang="en-US" sz="1200" b="1" dirty="0" smtClean="0">
-                <a:latin typeface="+mn-ea"/>
-              </a:rPr>
-              <a:t>를 통해 배너정보 저장</a:t>
-            </a:r>
-            <a:endParaRPr lang="en-US" altLang="ko-KR" sz="1200" b="1" dirty="0" smtClean="0">
-              <a:latin typeface="+mn-ea"/>
-            </a:endParaRPr>
-          </a:p>
-          <a:p>
-            <a:pPr marL="0" indent="0">
-              <a:buNone/>
-            </a:pPr>
-            <a:r>
-              <a:rPr lang="en-US" altLang="ko-KR" sz="1200" b="1" dirty="0">
-                <a:latin typeface="+mn-ea"/>
-              </a:rPr>
-              <a:t> </a:t>
-            </a:r>
-            <a:r>
-              <a:rPr lang="en-US" altLang="ko-KR" sz="1200" b="1" dirty="0" smtClean="0">
-                <a:latin typeface="+mn-ea"/>
-              </a:rPr>
-              <a:t>         </a:t>
-            </a:r>
-            <a:r>
-              <a:rPr lang="ko-KR" altLang="en-US" sz="1200" b="1" dirty="0" smtClean="0">
-                <a:latin typeface="+mn-ea"/>
-              </a:rPr>
-              <a:t>ㄴ 활성화된 배너 개수</a:t>
-            </a:r>
-            <a:r>
-              <a:rPr lang="en-US" altLang="ko-KR" sz="1200" b="1" dirty="0" smtClean="0">
-                <a:latin typeface="+mn-ea"/>
-              </a:rPr>
-              <a:t>,</a:t>
-            </a:r>
-            <a:r>
-              <a:rPr lang="ko-KR" altLang="en-US" sz="1200" b="1" dirty="0" smtClean="0">
-                <a:latin typeface="+mn-ea"/>
-              </a:rPr>
-              <a:t>배너타입</a:t>
-            </a:r>
-            <a:r>
-              <a:rPr lang="en-US" altLang="ko-KR" sz="1200" b="1" dirty="0" smtClean="0">
-                <a:latin typeface="+mn-ea"/>
-              </a:rPr>
-              <a:t>,</a:t>
-            </a:r>
-            <a:r>
-              <a:rPr lang="ko-KR" altLang="en-US" sz="1200" b="1" dirty="0" smtClean="0">
-                <a:latin typeface="+mn-ea"/>
-              </a:rPr>
-              <a:t>배너명 등 </a:t>
-            </a:r>
-            <a:r>
-              <a:rPr lang="ko-KR" altLang="en-US" sz="1200" b="1" dirty="0">
-                <a:latin typeface="+mn-ea"/>
-              </a:rPr>
-              <a:t>조</a:t>
-            </a:r>
-            <a:r>
-              <a:rPr lang="ko-KR" altLang="en-US" sz="1200" b="1" dirty="0" smtClean="0">
-                <a:latin typeface="+mn-ea"/>
-              </a:rPr>
-              <a:t>회</a:t>
-            </a:r>
-            <a:endParaRPr lang="en-US" altLang="ko-KR" sz="1200" b="1" dirty="0" smtClean="0">
-              <a:latin typeface="+mn-ea"/>
-            </a:endParaRPr>
-          </a:p>
-          <a:p>
-            <a:pPr marL="0" indent="0">
-              <a:buNone/>
-            </a:pPr>
-            <a:r>
-              <a:rPr lang="en-US" altLang="ko-KR" sz="1200" b="1" dirty="0">
-                <a:latin typeface="+mn-ea"/>
-              </a:rPr>
-              <a:t> </a:t>
-            </a:r>
-            <a:r>
-              <a:rPr lang="en-US" altLang="ko-KR" sz="1200" b="1" dirty="0" smtClean="0">
-                <a:latin typeface="+mn-ea"/>
-              </a:rPr>
-              <a:t>         </a:t>
-            </a:r>
-            <a:r>
-              <a:rPr lang="ko-KR" altLang="en-US" sz="1200" b="1" dirty="0" smtClean="0">
-                <a:latin typeface="+mn-ea"/>
-              </a:rPr>
-              <a:t>ㄴ 어드민 배너 정보와 프론트 </a:t>
-            </a:r>
-            <a:r>
-              <a:rPr lang="en-US" altLang="ko-KR" sz="1200" b="1" dirty="0" smtClean="0">
-                <a:latin typeface="+mn-ea"/>
-              </a:rPr>
-              <a:t>response data </a:t>
-            </a:r>
-            <a:r>
-              <a:rPr lang="ko-KR" altLang="en-US" sz="1200" b="1" dirty="0" smtClean="0">
-                <a:latin typeface="+mn-ea"/>
-              </a:rPr>
-              <a:t>비교</a:t>
-            </a:r>
-            <a:endParaRPr lang="en-US" altLang="ko-KR" sz="1200" b="1" dirty="0" smtClean="0">
-              <a:latin typeface="+mn-ea"/>
-            </a:endParaRPr>
-          </a:p>
-          <a:p>
-            <a:pPr marL="0" indent="0">
-              <a:buNone/>
-            </a:pPr>
-            <a:r>
-              <a:rPr lang="en-US" altLang="ko-KR" sz="1200" b="1" dirty="0">
-                <a:latin typeface="+mn-ea"/>
-              </a:rPr>
-              <a:t> </a:t>
-            </a:r>
-            <a:r>
-              <a:rPr lang="en-US" altLang="ko-KR" sz="1200" b="1" dirty="0" smtClean="0">
-                <a:latin typeface="+mn-ea"/>
-              </a:rPr>
-              <a:t>         </a:t>
-            </a:r>
-            <a:r>
-              <a:rPr lang="ko-KR" altLang="en-US" sz="1200" b="1" dirty="0" smtClean="0">
-                <a:latin typeface="+mn-ea"/>
-              </a:rPr>
-              <a:t>ㄴ 배너 없을시 분기처리 필요</a:t>
-            </a:r>
-            <a:endParaRPr lang="en-US" altLang="ko-KR" sz="1200" b="1" dirty="0" smtClean="0">
-              <a:latin typeface="+mn-ea"/>
-            </a:endParaRPr>
-          </a:p>
-          <a:p>
-            <a:pPr>
-              <a:buFontTx/>
-              <a:buChar char="-"/>
-            </a:pPr>
-            <a:endParaRPr lang="en-US" altLang="ko-KR" sz="1200" b="1" dirty="0">
-              <a:latin typeface="+mn-ea"/>
-            </a:endParaRPr>
-          </a:p>
-          <a:p>
-            <a:pPr>
-              <a:buFontTx/>
-              <a:buChar char="-"/>
-            </a:pPr>
-            <a:r>
-              <a:rPr lang="en-US" altLang="ko-KR" sz="1200" b="1" dirty="0" smtClean="0">
-                <a:latin typeface="+mn-ea"/>
-              </a:rPr>
-              <a:t>2. precondition </a:t>
-            </a:r>
-            <a:r>
-              <a:rPr lang="ko-KR" altLang="en-US" sz="1200" b="1" dirty="0" smtClean="0">
-                <a:latin typeface="+mn-ea"/>
-              </a:rPr>
-              <a:t>에서 테스트에 필요한 </a:t>
-            </a:r>
-            <a:r>
-              <a:rPr lang="en-US" altLang="ko-KR" sz="1200" b="1" dirty="0" smtClean="0">
-                <a:latin typeface="+mn-ea"/>
-              </a:rPr>
-              <a:t>Global </a:t>
-            </a:r>
-            <a:r>
-              <a:rPr lang="ko-KR" altLang="en-US" sz="1200" b="1" dirty="0" smtClean="0">
-                <a:latin typeface="+mn-ea"/>
-              </a:rPr>
-              <a:t>변수 정의 </a:t>
-            </a:r>
-            <a:endParaRPr lang="en-US" altLang="ko-KR" sz="1200" b="1" dirty="0" smtClean="0">
-              <a:latin typeface="+mn-ea"/>
-            </a:endParaRPr>
-          </a:p>
-          <a:p>
-            <a:pPr>
-              <a:buFontTx/>
-              <a:buChar char="-"/>
-            </a:pPr>
-            <a:r>
-              <a:rPr lang="en-US" altLang="ko-KR" sz="1200" b="1" dirty="0">
-                <a:latin typeface="+mn-ea"/>
-              </a:rPr>
-              <a:t> </a:t>
-            </a:r>
-            <a:r>
-              <a:rPr lang="en-US" altLang="ko-KR" sz="1200" b="1" dirty="0" smtClean="0">
-                <a:latin typeface="+mn-ea"/>
-              </a:rPr>
-              <a:t>   </a:t>
-            </a:r>
-            <a:r>
-              <a:rPr lang="ko-KR" altLang="en-US" sz="1200" b="1" dirty="0" smtClean="0">
-                <a:latin typeface="+mn-ea"/>
-              </a:rPr>
-              <a:t>ㄴ </a:t>
-            </a:r>
-            <a:r>
-              <a:rPr lang="en-US" altLang="ko-KR" sz="1200" b="1" dirty="0" smtClean="0">
-                <a:latin typeface="+mn-ea"/>
-              </a:rPr>
-              <a:t>domain/</a:t>
-            </a:r>
-            <a:r>
-              <a:rPr lang="ko-KR" altLang="en-US" sz="1200" b="1" dirty="0" smtClean="0">
-                <a:latin typeface="+mn-ea"/>
-              </a:rPr>
-              <a:t>앱버전</a:t>
-            </a:r>
-            <a:r>
-              <a:rPr lang="en-US" altLang="ko-KR" sz="1200" b="1" dirty="0">
-                <a:latin typeface="+mn-ea"/>
-              </a:rPr>
-              <a:t> </a:t>
-            </a:r>
-            <a:r>
-              <a:rPr lang="ko-KR" altLang="en-US" sz="1200" b="1" dirty="0" smtClean="0">
-                <a:latin typeface="+mn-ea"/>
-              </a:rPr>
-              <a:t>등</a:t>
-            </a:r>
-            <a:endParaRPr lang="en-US" altLang="ko-KR" sz="1200" b="1" dirty="0" smtClean="0">
-              <a:latin typeface="+mn-ea"/>
-            </a:endParaRPr>
-          </a:p>
-          <a:p>
-            <a:pPr marL="0" indent="0">
-              <a:buNone/>
-            </a:pPr>
-            <a:endParaRPr lang="en-US" altLang="ko-KR" sz="1200" b="1" dirty="0" smtClean="0">
-              <a:latin typeface="+mn-ea"/>
-            </a:endParaRPr>
-          </a:p>
-          <a:p>
-            <a:pPr marL="0" indent="0">
-              <a:buNone/>
-            </a:pPr>
-            <a:r>
-              <a:rPr lang="en-US" altLang="ko-KR" sz="1200" b="1" dirty="0">
-                <a:latin typeface="+mn-ea"/>
-              </a:rPr>
-              <a:t> </a:t>
-            </a:r>
-            <a:r>
-              <a:rPr lang="en-US" altLang="ko-KR" sz="1200" b="1" dirty="0" smtClean="0">
-                <a:latin typeface="+mn-ea"/>
-              </a:rPr>
-              <a:t>      3. testcase </a:t>
-            </a:r>
-            <a:r>
-              <a:rPr lang="ko-KR" altLang="en-US" sz="1200" b="1" dirty="0" smtClean="0">
-                <a:latin typeface="+mn-ea"/>
-              </a:rPr>
-              <a:t>작성 </a:t>
-            </a:r>
-            <a:endParaRPr lang="en-US" altLang="ko-KR" sz="1200" b="1" dirty="0" smtClean="0">
-              <a:latin typeface="+mn-ea"/>
-            </a:endParaRPr>
-          </a:p>
-          <a:p>
-            <a:pPr marL="0" indent="0">
-              <a:buNone/>
-            </a:pPr>
-            <a:r>
-              <a:rPr lang="en-US" altLang="ko-KR" sz="1200" b="1" dirty="0">
-                <a:latin typeface="+mn-ea"/>
-              </a:rPr>
-              <a:t> </a:t>
-            </a:r>
-            <a:r>
-              <a:rPr lang="en-US" altLang="ko-KR" sz="1200" b="1" dirty="0" smtClean="0">
-                <a:latin typeface="+mn-ea"/>
-              </a:rPr>
-              <a:t>          </a:t>
-            </a:r>
-            <a:r>
-              <a:rPr lang="ko-KR" altLang="en-US" sz="1200" b="1" dirty="0" smtClean="0">
-                <a:latin typeface="+mn-ea"/>
-              </a:rPr>
-              <a:t>ㄴ 안드로이드</a:t>
-            </a:r>
-            <a:r>
-              <a:rPr lang="en-US" altLang="ko-KR" sz="1200" b="1" dirty="0" smtClean="0">
-                <a:latin typeface="+mn-ea"/>
-              </a:rPr>
-              <a:t>/</a:t>
-            </a:r>
-            <a:r>
-              <a:rPr lang="ko-KR" altLang="en-US" sz="1200" b="1" dirty="0" smtClean="0">
-                <a:latin typeface="+mn-ea"/>
-              </a:rPr>
-              <a:t>아이폰 나눠서 작성</a:t>
-            </a:r>
-            <a:endParaRPr lang="en-US" altLang="ko-KR" sz="1200" b="1" dirty="0" smtClean="0">
-              <a:latin typeface="+mn-ea"/>
-            </a:endParaRPr>
-          </a:p>
-          <a:p>
-            <a:pPr marL="0" indent="0">
-              <a:buNone/>
-            </a:pPr>
-            <a:r>
-              <a:rPr lang="en-US" altLang="ko-KR" sz="1200" b="1" dirty="0">
-                <a:latin typeface="+mn-ea"/>
-              </a:rPr>
-              <a:t> </a:t>
-            </a:r>
-            <a:r>
-              <a:rPr lang="en-US" altLang="ko-KR" sz="1200" b="1" dirty="0" smtClean="0">
-                <a:latin typeface="+mn-ea"/>
-              </a:rPr>
-              <a:t>          </a:t>
-            </a:r>
-            <a:r>
-              <a:rPr lang="ko-KR" altLang="en-US" sz="1200" b="1" dirty="0" smtClean="0">
-                <a:latin typeface="+mn-ea"/>
-              </a:rPr>
-              <a:t>ㄴ </a:t>
-            </a:r>
-            <a:r>
-              <a:rPr lang="ko-KR" altLang="en-US" sz="1200" b="1" dirty="0">
-                <a:latin typeface="+mn-ea"/>
-              </a:rPr>
-              <a:t>카테고리 별</a:t>
-            </a:r>
-            <a:r>
-              <a:rPr lang="ko-KR" altLang="en-US" sz="1200" b="1" dirty="0" smtClean="0">
-                <a:latin typeface="+mn-ea"/>
-              </a:rPr>
-              <a:t> 필수값 미입력 케이스 및 정상케이스 </a:t>
-            </a:r>
-            <a:endParaRPr lang="en-US" altLang="ko-KR" sz="1200" b="1" dirty="0" smtClean="0">
-              <a:latin typeface="+mn-ea"/>
-            </a:endParaRPr>
-          </a:p>
-          <a:p>
-            <a:pPr marL="0" indent="0">
-              <a:buNone/>
-            </a:pPr>
-            <a:r>
-              <a:rPr lang="en-US" altLang="ko-KR" sz="1200" b="1" dirty="0">
-                <a:latin typeface="+mn-ea"/>
-              </a:rPr>
-              <a:t> </a:t>
-            </a:r>
-            <a:r>
-              <a:rPr lang="en-US" altLang="ko-KR" sz="1200" b="1" dirty="0" smtClean="0">
-                <a:latin typeface="+mn-ea"/>
-              </a:rPr>
-              <a:t>          </a:t>
-            </a:r>
-            <a:r>
-              <a:rPr lang="ko-KR" altLang="en-US" sz="1200" b="1" dirty="0" smtClean="0">
-                <a:latin typeface="+mn-ea"/>
-              </a:rPr>
-              <a:t>ㄴ 공통 케이스는 별도 </a:t>
-            </a:r>
-            <a:r>
-              <a:rPr lang="en-US" altLang="ko-KR" sz="1200" b="1" dirty="0" smtClean="0">
-                <a:latin typeface="+mn-ea"/>
-              </a:rPr>
-              <a:t>user keyword </a:t>
-            </a:r>
-            <a:r>
-              <a:rPr lang="ko-KR" altLang="en-US" sz="1200" b="1" dirty="0" smtClean="0">
-                <a:latin typeface="+mn-ea"/>
-              </a:rPr>
-              <a:t>에 작성</a:t>
-            </a:r>
-            <a:endParaRPr lang="en-US" altLang="ko-KR" sz="1200" b="1" dirty="0" smtClean="0">
-              <a:latin typeface="+mn-ea"/>
-            </a:endParaRPr>
-          </a:p>
-          <a:p>
-            <a:pPr>
-              <a:buFontTx/>
-              <a:buChar char="-"/>
-            </a:pPr>
-            <a:endParaRPr lang="en-US" altLang="ko-KR" sz="1200" b="1" dirty="0" smtClean="0"/>
-          </a:p>
-          <a:p>
-            <a:pPr>
-              <a:buFontTx/>
-              <a:buChar char="-"/>
-            </a:pPr>
-            <a:endParaRPr lang="en-US" altLang="ko-KR" sz="1200" b="1" dirty="0" smtClean="0"/>
+            <a:endParaRPr lang="en-US" altLang="ko-KR" sz="1200" b="1" dirty="0"/>
           </a:p>
           <a:p>
             <a:pPr marL="0" indent="0">
@@ -12587,25 +11973,30 @@
           <a:lstStyle/>
           <a:p>
             <a:r>
-              <a:rPr lang="en-US" altLang="ko-KR" dirty="0" smtClean="0"/>
+              <a:rPr lang="en-US" altLang="ko-KR" sz="2800" dirty="0">
+                <a:latin typeface="+mn-ea"/>
+              </a:rPr>
               <a:t>API </a:t>
             </a:r>
             <a:r>
-              <a:rPr lang="ko-KR" altLang="en-US" dirty="0" smtClean="0"/>
-              <a:t>자동화 예제 </a:t>
-            </a:r>
-            <a:r>
-              <a:rPr lang="en-US" altLang="ko-KR" dirty="0" smtClean="0"/>
-              <a:t>(</a:t>
-            </a:r>
-            <a:r>
-              <a:rPr lang="ko-KR" altLang="en-US" dirty="0" smtClean="0"/>
-              <a:t>배너</a:t>
-            </a:r>
-            <a:r>
-              <a:rPr lang="en-US" altLang="ko-KR" dirty="0" smtClean="0"/>
-              <a:t>)</a:t>
-            </a:r>
+              <a:rPr lang="en-US" altLang="zh-CN" sz="2800" dirty="0">
+                <a:latin typeface="+mn-ea"/>
+              </a:rPr>
+              <a:t>Automation Test</a:t>
+            </a:r>
+            <a:r>
+              <a:rPr lang="ko-KR" altLang="en-US" sz="2800" dirty="0">
+                <a:latin typeface="+mn-ea"/>
+              </a:rPr>
+              <a:t> </a:t>
+            </a:r>
+            <a:r>
+              <a:rPr lang="en-US" altLang="ko-KR" sz="2800" dirty="0">
+                <a:latin typeface="+mn-ea"/>
+              </a:rPr>
+              <a:t>Example</a:t>
+            </a:r>
+            <a:endParaRPr lang="en-US" altLang="ko-KR" dirty="0"/>
           </a:p>
           <a:p>
             <a:pPr>
@@ -12613,22 +12004,10 @@
               <a:buChar char="-"/>
             </a:pPr>
             <a:r>
-              <a:rPr lang="en-US" altLang="ko-KR" sz="1200" b="1" dirty="0" smtClean="0">
-                <a:latin typeface="+mn-ea"/>
-              </a:rPr>
-              <a:t>API </a:t>
-            </a:r>
-            <a:r>
-              <a:rPr lang="ko-KR" altLang="en-US" sz="1200" b="1" dirty="0" smtClean="0">
-                <a:latin typeface="+mn-ea"/>
-              </a:rPr>
-              <a:t>자동화 스크립트</a:t>
-            </a:r>
-            <a:r>
-              <a:rPr lang="en-US" altLang="ko-KR" sz="1200" b="1" dirty="0" smtClean="0">
-                <a:latin typeface="+mn-ea"/>
-              </a:rPr>
-              <a:t>(precondition)</a:t>
+              <a:rPr lang="en-US" altLang="ko-KR" sz="1200" b="1" dirty="0">
+                <a:latin typeface="+mn-ea"/>
+              </a:rPr>
+              <a:t>API Test Script (precondition)</a:t>
             </a:r>
           </a:p>
           <a:p>
@@ -12636,7 +12015,7 @@
               <a:buNone/>
             </a:pPr>
             <a:r>
-              <a:rPr lang="en-US" altLang="ko-KR" sz="1200" b="1" dirty="0" smtClean="0">
+              <a:rPr lang="en-US" altLang="ko-KR" sz="1200" b="1" dirty="0">
                 <a:latin typeface="+mn-ea"/>
               </a:rPr>
               <a:t> </a:t>
@@ -12646,20 +12025,20 @@
             <a:pPr marL="0" indent="0">
               <a:buNone/>
             </a:pPr>
-            <a:endParaRPr lang="en-US" altLang="ko-KR" sz="1200" b="1" dirty="0" smtClean="0"/>
+            <a:endParaRPr lang="en-US" altLang="ko-KR" sz="1200" b="1" dirty="0"/>
           </a:p>
           <a:p>
             <a:pPr marL="0" indent="0">
               <a:buNone/>
             </a:pPr>
-            <a:endParaRPr lang="en-US" altLang="ko-KR" sz="1200" b="1" dirty="0" smtClean="0"/>
+            <a:endParaRPr lang="en-US" altLang="ko-KR" sz="1200" b="1" dirty="0"/>
           </a:p>
           <a:p>
             <a:pPr>
               <a:buFontTx/>
               <a:buChar char="-"/>
             </a:pPr>
-            <a:endParaRPr lang="en-US" altLang="ko-KR" sz="1200" b="1" dirty="0" smtClean="0"/>
+            <a:endParaRPr lang="en-US" altLang="ko-KR" sz="1200" b="1" dirty="0"/>
           </a:p>
           <a:p>
             <a:pPr marL="0" indent="0">
@@ -12756,24 +12135,28 @@
           <a:lstStyle/>
           <a:p>
             <a:r>
-              <a:rPr lang="en-US" altLang="ko-KR" dirty="0" smtClean="0"/>
+              <a:rPr lang="en-US" altLang="ko-KR" sz="2800" dirty="0">
+                <a:latin typeface="+mn-ea"/>
+              </a:rPr>
               <a:t>API </a:t>
             </a:r>
             <a:r>
-              <a:rPr lang="ko-KR" altLang="en-US" dirty="0" smtClean="0"/>
-              <a:t>자동화 예제 </a:t>
-            </a:r>
-            <a:r>
-              <a:rPr lang="en-US" altLang="ko-KR" dirty="0" smtClean="0"/>
-              <a:t>(</a:t>
-            </a:r>
-            <a:r>
-              <a:rPr lang="ko-KR" altLang="en-US" dirty="0" smtClean="0"/>
-              <a:t>배너</a:t>
-            </a:r>
-            <a:r>
-              <a:rPr lang="en-US" altLang="ko-KR" dirty="0" smtClean="0"/>
-              <a:t>)</a:t>
+              <a:rPr lang="en-US" altLang="zh-CN" sz="2800" dirty="0">
+                <a:latin typeface="+mn-ea"/>
+              </a:rPr>
+              <a:t>Automation Test</a:t>
+            </a:r>
+            <a:r>
+              <a:rPr lang="ko-KR" altLang="en-US" sz="2800" dirty="0">
+                <a:latin typeface="+mn-ea"/>
+              </a:rPr>
+              <a:t> </a:t>
+            </a:r>
+            <a:r>
+              <a:rPr lang="en-US" altLang="ko-KR" sz="2800" dirty="0">
+                <a:latin typeface="+mn-ea"/>
+              </a:rPr>
+              <a:t>Example</a:t>
             </a:r>
           </a:p>
           <a:p>
@@ -12782,22 +12165,10 @@
               <a:buChar char="-"/>
             </a:pPr>
             <a:r>
-              <a:rPr lang="en-US" altLang="ko-KR" sz="1200" b="1" dirty="0" smtClean="0">
-                <a:latin typeface="+mn-ea"/>
-              </a:rPr>
-              <a:t>API </a:t>
-            </a:r>
-            <a:r>
-              <a:rPr lang="ko-KR" altLang="en-US" sz="1200" b="1" dirty="0" smtClean="0">
-                <a:latin typeface="+mn-ea"/>
-              </a:rPr>
-              <a:t>자동화 스크립트</a:t>
-            </a:r>
-            <a:r>
-              <a:rPr lang="en-US" altLang="ko-KR" sz="1200" b="1" dirty="0" smtClean="0">
-                <a:latin typeface="+mn-ea"/>
-              </a:rPr>
-              <a:t>(testcase)</a:t>
+              <a:rPr lang="en-US" altLang="ko-KR" sz="1200" b="1" dirty="0">
+                <a:latin typeface="+mn-ea"/>
+              </a:rPr>
+              <a:t>API Test Script(testcase)</a:t>
             </a:r>
           </a:p>
           <a:p>
@@ -12805,7 +12176,7 @@
               <a:buNone/>
             </a:pPr>
             <a:r>
-              <a:rPr lang="en-US" altLang="ko-KR" sz="1200" b="1" dirty="0" smtClean="0">
+              <a:rPr lang="en-US" altLang="ko-KR" sz="1200" b="1" dirty="0">
                 <a:latin typeface="+mn-ea"/>
               </a:rPr>
               <a:t> </a:t>
@@ -12815,20 +12186,20 @@
             <a:pPr marL="0" indent="0">
               <a:buNone/>
             </a:pPr>
-            <a:endParaRPr lang="en-US" altLang="ko-KR" sz="1200" b="1" dirty="0" smtClean="0"/>
+            <a:endParaRPr lang="en-US" altLang="ko-KR" sz="1200" b="1" dirty="0"/>
           </a:p>
           <a:p>
             <a:pPr marL="0" indent="0">
               <a:buNone/>
             </a:pPr>
-            <a:endParaRPr lang="en-US" altLang="ko-KR" sz="1200" b="1" dirty="0" smtClean="0"/>
+            <a:endParaRPr lang="en-US" altLang="ko-KR" sz="1200" b="1" dirty="0"/>
           </a:p>
           <a:p>
             <a:pPr>
               <a:buFontTx/>
               <a:buChar char="-"/>
             </a:pPr>
-            <a:endParaRPr lang="en-US" altLang="ko-KR" sz="1200" b="1" dirty="0" smtClean="0"/>
+            <a:endParaRPr lang="en-US" altLang="ko-KR" sz="1200" b="1" dirty="0"/>
           </a:p>
           <a:p>
             <a:pPr marL="0" indent="0">
